--- a/ppt/02.二分类.pptx
+++ b/ppt/02.二分类.pptx
@@ -5,7 +5,7 @@
     <p:sldMasterId id="2147483648" r:id="rId1"/>
   </p:sldMasterIdLst>
   <p:notesMasterIdLst>
-    <p:notesMasterId r:id="rId13"/>
+    <p:notesMasterId r:id="rId23"/>
   </p:notesMasterIdLst>
   <p:sldIdLst>
     <p:sldId id="256" r:id="rId2"/>
@@ -18,7 +18,17 @@
     <p:sldId id="332" r:id="rId9"/>
     <p:sldId id="333" r:id="rId10"/>
     <p:sldId id="329" r:id="rId11"/>
-    <p:sldId id="303" r:id="rId12"/>
+    <p:sldId id="334" r:id="rId12"/>
+    <p:sldId id="335" r:id="rId13"/>
+    <p:sldId id="336" r:id="rId14"/>
+    <p:sldId id="337" r:id="rId15"/>
+    <p:sldId id="338" r:id="rId16"/>
+    <p:sldId id="339" r:id="rId17"/>
+    <p:sldId id="340" r:id="rId18"/>
+    <p:sldId id="341" r:id="rId19"/>
+    <p:sldId id="342" r:id="rId20"/>
+    <p:sldId id="343" r:id="rId21"/>
+    <p:sldId id="303" r:id="rId22"/>
   </p:sldIdLst>
   <p:sldSz cx="12192000" cy="6858000"/>
   <p:notesSz cx="6858000" cy="9144000"/>
@@ -207,7 +217,7 @@
           <a:p>
             <a:fld id="{DACACA31-A8D1-C749-B637-11AA2950D448}" type="datetimeFigureOut">
               <a:rPr lang="en-US" smtClean="0"/>
-              <a:t>3/6/24</a:t>
+              <a:t>3/7/24</a:t>
             </a:fld>
             <a:endParaRPr lang="en-US"/>
           </a:p>
@@ -474,6 +484,762 @@
 </p:notesMaster>
 </file>
 
+<file path=ppt/notesSlides/notesSlide1.xml><?xml version="1.0" encoding="utf-8"?>
+<p:notes xmlns:a="http://schemas.openxmlformats.org/drawingml/2006/main" xmlns:r="http://schemas.openxmlformats.org/officeDocument/2006/relationships" xmlns:p="http://schemas.openxmlformats.org/presentationml/2006/main">
+  <p:cSld>
+    <p:spTree>
+      <p:nvGrpSpPr>
+        <p:cNvPr id="1" name=""/>
+        <p:cNvGrpSpPr/>
+        <p:nvPr/>
+      </p:nvGrpSpPr>
+      <p:grpSpPr>
+        <a:xfrm>
+          <a:off x="0" y="0"/>
+          <a:ext cx="0" cy="0"/>
+          <a:chOff x="0" y="0"/>
+          <a:chExt cx="0" cy="0"/>
+        </a:xfrm>
+      </p:grpSpPr>
+      <p:sp>
+        <p:nvSpPr>
+          <p:cNvPr id="2" name="Slide Image Placeholder 1"/>
+          <p:cNvSpPr>
+            <a:spLocks noGrp="1" noRot="1" noChangeAspect="1"/>
+          </p:cNvSpPr>
+          <p:nvPr>
+            <p:ph type="sldImg"/>
+          </p:nvPr>
+        </p:nvSpPr>
+        <p:spPr/>
+      </p:sp>
+      <p:sp>
+        <p:nvSpPr>
+          <p:cNvPr id="3" name="Notes Placeholder 2"/>
+          <p:cNvSpPr>
+            <a:spLocks noGrp="1"/>
+          </p:cNvSpPr>
+          <p:nvPr>
+            <p:ph type="body" idx="1"/>
+          </p:nvPr>
+        </p:nvSpPr>
+        <p:spPr/>
+        <p:txBody>
+          <a:bodyPr/>
+          <a:lstStyle/>
+          <a:p>
+            <a:endParaRPr lang="en-CN" dirty="0"/>
+          </a:p>
+        </p:txBody>
+      </p:sp>
+      <p:sp>
+        <p:nvSpPr>
+          <p:cNvPr id="4" name="Slide Number Placeholder 3"/>
+          <p:cNvSpPr>
+            <a:spLocks noGrp="1"/>
+          </p:cNvSpPr>
+          <p:nvPr>
+            <p:ph type="sldNum" sz="quarter" idx="5"/>
+          </p:nvPr>
+        </p:nvSpPr>
+        <p:spPr/>
+        <p:txBody>
+          <a:bodyPr/>
+          <a:lstStyle/>
+          <a:p>
+            <a:fld id="{DE81D16D-322F-844F-A853-3586DEF44CF9}" type="slidenum">
+              <a:rPr lang="en-US" smtClean="0"/>
+              <a:t>11</a:t>
+            </a:fld>
+            <a:endParaRPr lang="en-US"/>
+          </a:p>
+        </p:txBody>
+      </p:sp>
+    </p:spTree>
+    <p:extLst>
+      <p:ext uri="{BB962C8B-B14F-4D97-AF65-F5344CB8AC3E}">
+        <p14:creationId xmlns:p14="http://schemas.microsoft.com/office/powerpoint/2010/main" val="1480590540"/>
+      </p:ext>
+    </p:extLst>
+  </p:cSld>
+  <p:clrMapOvr>
+    <a:masterClrMapping/>
+  </p:clrMapOvr>
+</p:notes>
+</file>
+
+<file path=ppt/notesSlides/notesSlide2.xml><?xml version="1.0" encoding="utf-8"?>
+<p:notes xmlns:a="http://schemas.openxmlformats.org/drawingml/2006/main" xmlns:r="http://schemas.openxmlformats.org/officeDocument/2006/relationships" xmlns:p="http://schemas.openxmlformats.org/presentationml/2006/main">
+  <p:cSld>
+    <p:spTree>
+      <p:nvGrpSpPr>
+        <p:cNvPr id="1" name=""/>
+        <p:cNvGrpSpPr/>
+        <p:nvPr/>
+      </p:nvGrpSpPr>
+      <p:grpSpPr>
+        <a:xfrm>
+          <a:off x="0" y="0"/>
+          <a:ext cx="0" cy="0"/>
+          <a:chOff x="0" y="0"/>
+          <a:chExt cx="0" cy="0"/>
+        </a:xfrm>
+      </p:grpSpPr>
+      <p:sp>
+        <p:nvSpPr>
+          <p:cNvPr id="2" name="Slide Image Placeholder 1"/>
+          <p:cNvSpPr>
+            <a:spLocks noGrp="1" noRot="1" noChangeAspect="1"/>
+          </p:cNvSpPr>
+          <p:nvPr>
+            <p:ph type="sldImg"/>
+          </p:nvPr>
+        </p:nvSpPr>
+        <p:spPr/>
+      </p:sp>
+      <p:sp>
+        <p:nvSpPr>
+          <p:cNvPr id="3" name="Notes Placeholder 2"/>
+          <p:cNvSpPr>
+            <a:spLocks noGrp="1"/>
+          </p:cNvSpPr>
+          <p:nvPr>
+            <p:ph type="body" idx="1"/>
+          </p:nvPr>
+        </p:nvSpPr>
+        <p:spPr/>
+        <p:txBody>
+          <a:bodyPr/>
+          <a:lstStyle/>
+          <a:p>
+            <a:endParaRPr lang="en-CN" dirty="0"/>
+          </a:p>
+        </p:txBody>
+      </p:sp>
+      <p:sp>
+        <p:nvSpPr>
+          <p:cNvPr id="4" name="Slide Number Placeholder 3"/>
+          <p:cNvSpPr>
+            <a:spLocks noGrp="1"/>
+          </p:cNvSpPr>
+          <p:nvPr>
+            <p:ph type="sldNum" sz="quarter" idx="5"/>
+          </p:nvPr>
+        </p:nvSpPr>
+        <p:spPr/>
+        <p:txBody>
+          <a:bodyPr/>
+          <a:lstStyle/>
+          <a:p>
+            <a:fld id="{DE81D16D-322F-844F-A853-3586DEF44CF9}" type="slidenum">
+              <a:rPr lang="en-US" smtClean="0"/>
+              <a:t>12</a:t>
+            </a:fld>
+            <a:endParaRPr lang="en-US"/>
+          </a:p>
+        </p:txBody>
+      </p:sp>
+    </p:spTree>
+    <p:extLst>
+      <p:ext uri="{BB962C8B-B14F-4D97-AF65-F5344CB8AC3E}">
+        <p14:creationId xmlns:p14="http://schemas.microsoft.com/office/powerpoint/2010/main" val="41055304"/>
+      </p:ext>
+    </p:extLst>
+  </p:cSld>
+  <p:clrMapOvr>
+    <a:masterClrMapping/>
+  </p:clrMapOvr>
+</p:notes>
+</file>
+
+<file path=ppt/notesSlides/notesSlide3.xml><?xml version="1.0" encoding="utf-8"?>
+<p:notes xmlns:a="http://schemas.openxmlformats.org/drawingml/2006/main" xmlns:r="http://schemas.openxmlformats.org/officeDocument/2006/relationships" xmlns:p="http://schemas.openxmlformats.org/presentationml/2006/main">
+  <p:cSld>
+    <p:spTree>
+      <p:nvGrpSpPr>
+        <p:cNvPr id="1" name=""/>
+        <p:cNvGrpSpPr/>
+        <p:nvPr/>
+      </p:nvGrpSpPr>
+      <p:grpSpPr>
+        <a:xfrm>
+          <a:off x="0" y="0"/>
+          <a:ext cx="0" cy="0"/>
+          <a:chOff x="0" y="0"/>
+          <a:chExt cx="0" cy="0"/>
+        </a:xfrm>
+      </p:grpSpPr>
+      <p:sp>
+        <p:nvSpPr>
+          <p:cNvPr id="2" name="Slide Image Placeholder 1"/>
+          <p:cNvSpPr>
+            <a:spLocks noGrp="1" noRot="1" noChangeAspect="1"/>
+          </p:cNvSpPr>
+          <p:nvPr>
+            <p:ph type="sldImg"/>
+          </p:nvPr>
+        </p:nvSpPr>
+        <p:spPr/>
+      </p:sp>
+      <p:sp>
+        <p:nvSpPr>
+          <p:cNvPr id="3" name="Notes Placeholder 2"/>
+          <p:cNvSpPr>
+            <a:spLocks noGrp="1"/>
+          </p:cNvSpPr>
+          <p:nvPr>
+            <p:ph type="body" idx="1"/>
+          </p:nvPr>
+        </p:nvSpPr>
+        <p:spPr/>
+        <p:txBody>
+          <a:bodyPr/>
+          <a:lstStyle/>
+          <a:p>
+            <a:endParaRPr lang="en-CN" dirty="0"/>
+          </a:p>
+        </p:txBody>
+      </p:sp>
+      <p:sp>
+        <p:nvSpPr>
+          <p:cNvPr id="4" name="Slide Number Placeholder 3"/>
+          <p:cNvSpPr>
+            <a:spLocks noGrp="1"/>
+          </p:cNvSpPr>
+          <p:nvPr>
+            <p:ph type="sldNum" sz="quarter" idx="5"/>
+          </p:nvPr>
+        </p:nvSpPr>
+        <p:spPr/>
+        <p:txBody>
+          <a:bodyPr/>
+          <a:lstStyle/>
+          <a:p>
+            <a:fld id="{DE81D16D-322F-844F-A853-3586DEF44CF9}" type="slidenum">
+              <a:rPr lang="en-US" smtClean="0"/>
+              <a:t>13</a:t>
+            </a:fld>
+            <a:endParaRPr lang="en-US"/>
+          </a:p>
+        </p:txBody>
+      </p:sp>
+    </p:spTree>
+    <p:extLst>
+      <p:ext uri="{BB962C8B-B14F-4D97-AF65-F5344CB8AC3E}">
+        <p14:creationId xmlns:p14="http://schemas.microsoft.com/office/powerpoint/2010/main" val="3573813023"/>
+      </p:ext>
+    </p:extLst>
+  </p:cSld>
+  <p:clrMapOvr>
+    <a:masterClrMapping/>
+  </p:clrMapOvr>
+</p:notes>
+</file>
+
+<file path=ppt/notesSlides/notesSlide4.xml><?xml version="1.0" encoding="utf-8"?>
+<p:notes xmlns:a="http://schemas.openxmlformats.org/drawingml/2006/main" xmlns:r="http://schemas.openxmlformats.org/officeDocument/2006/relationships" xmlns:p="http://schemas.openxmlformats.org/presentationml/2006/main">
+  <p:cSld>
+    <p:spTree>
+      <p:nvGrpSpPr>
+        <p:cNvPr id="1" name=""/>
+        <p:cNvGrpSpPr/>
+        <p:nvPr/>
+      </p:nvGrpSpPr>
+      <p:grpSpPr>
+        <a:xfrm>
+          <a:off x="0" y="0"/>
+          <a:ext cx="0" cy="0"/>
+          <a:chOff x="0" y="0"/>
+          <a:chExt cx="0" cy="0"/>
+        </a:xfrm>
+      </p:grpSpPr>
+      <p:sp>
+        <p:nvSpPr>
+          <p:cNvPr id="2" name="Slide Image Placeholder 1"/>
+          <p:cNvSpPr>
+            <a:spLocks noGrp="1" noRot="1" noChangeAspect="1"/>
+          </p:cNvSpPr>
+          <p:nvPr>
+            <p:ph type="sldImg"/>
+          </p:nvPr>
+        </p:nvSpPr>
+        <p:spPr/>
+      </p:sp>
+      <p:sp>
+        <p:nvSpPr>
+          <p:cNvPr id="3" name="Notes Placeholder 2"/>
+          <p:cNvSpPr>
+            <a:spLocks noGrp="1"/>
+          </p:cNvSpPr>
+          <p:nvPr>
+            <p:ph type="body" idx="1"/>
+          </p:nvPr>
+        </p:nvSpPr>
+        <p:spPr/>
+        <p:txBody>
+          <a:bodyPr/>
+          <a:lstStyle/>
+          <a:p>
+            <a:endParaRPr lang="en-CN" dirty="0"/>
+          </a:p>
+        </p:txBody>
+      </p:sp>
+      <p:sp>
+        <p:nvSpPr>
+          <p:cNvPr id="4" name="Slide Number Placeholder 3"/>
+          <p:cNvSpPr>
+            <a:spLocks noGrp="1"/>
+          </p:cNvSpPr>
+          <p:nvPr>
+            <p:ph type="sldNum" sz="quarter" idx="5"/>
+          </p:nvPr>
+        </p:nvSpPr>
+        <p:spPr/>
+        <p:txBody>
+          <a:bodyPr/>
+          <a:lstStyle/>
+          <a:p>
+            <a:fld id="{DE81D16D-322F-844F-A853-3586DEF44CF9}" type="slidenum">
+              <a:rPr lang="en-US" smtClean="0"/>
+              <a:t>14</a:t>
+            </a:fld>
+            <a:endParaRPr lang="en-US"/>
+          </a:p>
+        </p:txBody>
+      </p:sp>
+    </p:spTree>
+    <p:extLst>
+      <p:ext uri="{BB962C8B-B14F-4D97-AF65-F5344CB8AC3E}">
+        <p14:creationId xmlns:p14="http://schemas.microsoft.com/office/powerpoint/2010/main" val="3205216051"/>
+      </p:ext>
+    </p:extLst>
+  </p:cSld>
+  <p:clrMapOvr>
+    <a:masterClrMapping/>
+  </p:clrMapOvr>
+</p:notes>
+</file>
+
+<file path=ppt/notesSlides/notesSlide5.xml><?xml version="1.0" encoding="utf-8"?>
+<p:notes xmlns:a="http://schemas.openxmlformats.org/drawingml/2006/main" xmlns:r="http://schemas.openxmlformats.org/officeDocument/2006/relationships" xmlns:p="http://schemas.openxmlformats.org/presentationml/2006/main">
+  <p:cSld>
+    <p:spTree>
+      <p:nvGrpSpPr>
+        <p:cNvPr id="1" name=""/>
+        <p:cNvGrpSpPr/>
+        <p:nvPr/>
+      </p:nvGrpSpPr>
+      <p:grpSpPr>
+        <a:xfrm>
+          <a:off x="0" y="0"/>
+          <a:ext cx="0" cy="0"/>
+          <a:chOff x="0" y="0"/>
+          <a:chExt cx="0" cy="0"/>
+        </a:xfrm>
+      </p:grpSpPr>
+      <p:sp>
+        <p:nvSpPr>
+          <p:cNvPr id="2" name="Slide Image Placeholder 1"/>
+          <p:cNvSpPr>
+            <a:spLocks noGrp="1" noRot="1" noChangeAspect="1"/>
+          </p:cNvSpPr>
+          <p:nvPr>
+            <p:ph type="sldImg"/>
+          </p:nvPr>
+        </p:nvSpPr>
+        <p:spPr/>
+      </p:sp>
+      <p:sp>
+        <p:nvSpPr>
+          <p:cNvPr id="3" name="Notes Placeholder 2"/>
+          <p:cNvSpPr>
+            <a:spLocks noGrp="1"/>
+          </p:cNvSpPr>
+          <p:nvPr>
+            <p:ph type="body" idx="1"/>
+          </p:nvPr>
+        </p:nvSpPr>
+        <p:spPr/>
+        <p:txBody>
+          <a:bodyPr/>
+          <a:lstStyle/>
+          <a:p>
+            <a:endParaRPr lang="en-CN" dirty="0"/>
+          </a:p>
+        </p:txBody>
+      </p:sp>
+      <p:sp>
+        <p:nvSpPr>
+          <p:cNvPr id="4" name="Slide Number Placeholder 3"/>
+          <p:cNvSpPr>
+            <a:spLocks noGrp="1"/>
+          </p:cNvSpPr>
+          <p:nvPr>
+            <p:ph type="sldNum" sz="quarter" idx="5"/>
+          </p:nvPr>
+        </p:nvSpPr>
+        <p:spPr/>
+        <p:txBody>
+          <a:bodyPr/>
+          <a:lstStyle/>
+          <a:p>
+            <a:fld id="{DE81D16D-322F-844F-A853-3586DEF44CF9}" type="slidenum">
+              <a:rPr lang="en-US" smtClean="0"/>
+              <a:t>15</a:t>
+            </a:fld>
+            <a:endParaRPr lang="en-US"/>
+          </a:p>
+        </p:txBody>
+      </p:sp>
+    </p:spTree>
+    <p:extLst>
+      <p:ext uri="{BB962C8B-B14F-4D97-AF65-F5344CB8AC3E}">
+        <p14:creationId xmlns:p14="http://schemas.microsoft.com/office/powerpoint/2010/main" val="1553211558"/>
+      </p:ext>
+    </p:extLst>
+  </p:cSld>
+  <p:clrMapOvr>
+    <a:masterClrMapping/>
+  </p:clrMapOvr>
+</p:notes>
+</file>
+
+<file path=ppt/notesSlides/notesSlide6.xml><?xml version="1.0" encoding="utf-8"?>
+<p:notes xmlns:a="http://schemas.openxmlformats.org/drawingml/2006/main" xmlns:r="http://schemas.openxmlformats.org/officeDocument/2006/relationships" xmlns:p="http://schemas.openxmlformats.org/presentationml/2006/main">
+  <p:cSld>
+    <p:spTree>
+      <p:nvGrpSpPr>
+        <p:cNvPr id="1" name=""/>
+        <p:cNvGrpSpPr/>
+        <p:nvPr/>
+      </p:nvGrpSpPr>
+      <p:grpSpPr>
+        <a:xfrm>
+          <a:off x="0" y="0"/>
+          <a:ext cx="0" cy="0"/>
+          <a:chOff x="0" y="0"/>
+          <a:chExt cx="0" cy="0"/>
+        </a:xfrm>
+      </p:grpSpPr>
+      <p:sp>
+        <p:nvSpPr>
+          <p:cNvPr id="2" name="Slide Image Placeholder 1"/>
+          <p:cNvSpPr>
+            <a:spLocks noGrp="1" noRot="1" noChangeAspect="1"/>
+          </p:cNvSpPr>
+          <p:nvPr>
+            <p:ph type="sldImg"/>
+          </p:nvPr>
+        </p:nvSpPr>
+        <p:spPr/>
+      </p:sp>
+      <p:sp>
+        <p:nvSpPr>
+          <p:cNvPr id="3" name="Notes Placeholder 2"/>
+          <p:cNvSpPr>
+            <a:spLocks noGrp="1"/>
+          </p:cNvSpPr>
+          <p:nvPr>
+            <p:ph type="body" idx="1"/>
+          </p:nvPr>
+        </p:nvSpPr>
+        <p:spPr/>
+        <p:txBody>
+          <a:bodyPr/>
+          <a:lstStyle/>
+          <a:p>
+            <a:endParaRPr lang="en-CN" dirty="0"/>
+          </a:p>
+        </p:txBody>
+      </p:sp>
+      <p:sp>
+        <p:nvSpPr>
+          <p:cNvPr id="4" name="Slide Number Placeholder 3"/>
+          <p:cNvSpPr>
+            <a:spLocks noGrp="1"/>
+          </p:cNvSpPr>
+          <p:nvPr>
+            <p:ph type="sldNum" sz="quarter" idx="5"/>
+          </p:nvPr>
+        </p:nvSpPr>
+        <p:spPr/>
+        <p:txBody>
+          <a:bodyPr/>
+          <a:lstStyle/>
+          <a:p>
+            <a:fld id="{DE81D16D-322F-844F-A853-3586DEF44CF9}" type="slidenum">
+              <a:rPr lang="en-US" smtClean="0"/>
+              <a:t>16</a:t>
+            </a:fld>
+            <a:endParaRPr lang="en-US"/>
+          </a:p>
+        </p:txBody>
+      </p:sp>
+    </p:spTree>
+    <p:extLst>
+      <p:ext uri="{BB962C8B-B14F-4D97-AF65-F5344CB8AC3E}">
+        <p14:creationId xmlns:p14="http://schemas.microsoft.com/office/powerpoint/2010/main" val="829293936"/>
+      </p:ext>
+    </p:extLst>
+  </p:cSld>
+  <p:clrMapOvr>
+    <a:masterClrMapping/>
+  </p:clrMapOvr>
+</p:notes>
+</file>
+
+<file path=ppt/notesSlides/notesSlide7.xml><?xml version="1.0" encoding="utf-8"?>
+<p:notes xmlns:a="http://schemas.openxmlformats.org/drawingml/2006/main" xmlns:r="http://schemas.openxmlformats.org/officeDocument/2006/relationships" xmlns:p="http://schemas.openxmlformats.org/presentationml/2006/main">
+  <p:cSld>
+    <p:spTree>
+      <p:nvGrpSpPr>
+        <p:cNvPr id="1" name=""/>
+        <p:cNvGrpSpPr/>
+        <p:nvPr/>
+      </p:nvGrpSpPr>
+      <p:grpSpPr>
+        <a:xfrm>
+          <a:off x="0" y="0"/>
+          <a:ext cx="0" cy="0"/>
+          <a:chOff x="0" y="0"/>
+          <a:chExt cx="0" cy="0"/>
+        </a:xfrm>
+      </p:grpSpPr>
+      <p:sp>
+        <p:nvSpPr>
+          <p:cNvPr id="2" name="Slide Image Placeholder 1"/>
+          <p:cNvSpPr>
+            <a:spLocks noGrp="1" noRot="1" noChangeAspect="1"/>
+          </p:cNvSpPr>
+          <p:nvPr>
+            <p:ph type="sldImg"/>
+          </p:nvPr>
+        </p:nvSpPr>
+        <p:spPr/>
+      </p:sp>
+      <p:sp>
+        <p:nvSpPr>
+          <p:cNvPr id="3" name="Notes Placeholder 2"/>
+          <p:cNvSpPr>
+            <a:spLocks noGrp="1"/>
+          </p:cNvSpPr>
+          <p:nvPr>
+            <p:ph type="body" idx="1"/>
+          </p:nvPr>
+        </p:nvSpPr>
+        <p:spPr/>
+        <p:txBody>
+          <a:bodyPr/>
+          <a:lstStyle/>
+          <a:p>
+            <a:endParaRPr lang="en-CN" dirty="0"/>
+          </a:p>
+        </p:txBody>
+      </p:sp>
+      <p:sp>
+        <p:nvSpPr>
+          <p:cNvPr id="4" name="Slide Number Placeholder 3"/>
+          <p:cNvSpPr>
+            <a:spLocks noGrp="1"/>
+          </p:cNvSpPr>
+          <p:nvPr>
+            <p:ph type="sldNum" sz="quarter" idx="5"/>
+          </p:nvPr>
+        </p:nvSpPr>
+        <p:spPr/>
+        <p:txBody>
+          <a:bodyPr/>
+          <a:lstStyle/>
+          <a:p>
+            <a:fld id="{DE81D16D-322F-844F-A853-3586DEF44CF9}" type="slidenum">
+              <a:rPr lang="en-US" smtClean="0"/>
+              <a:t>17</a:t>
+            </a:fld>
+            <a:endParaRPr lang="en-US"/>
+          </a:p>
+        </p:txBody>
+      </p:sp>
+    </p:spTree>
+    <p:extLst>
+      <p:ext uri="{BB962C8B-B14F-4D97-AF65-F5344CB8AC3E}">
+        <p14:creationId xmlns:p14="http://schemas.microsoft.com/office/powerpoint/2010/main" val="1745953949"/>
+      </p:ext>
+    </p:extLst>
+  </p:cSld>
+  <p:clrMapOvr>
+    <a:masterClrMapping/>
+  </p:clrMapOvr>
+</p:notes>
+</file>
+
+<file path=ppt/notesSlides/notesSlide8.xml><?xml version="1.0" encoding="utf-8"?>
+<p:notes xmlns:a="http://schemas.openxmlformats.org/drawingml/2006/main" xmlns:r="http://schemas.openxmlformats.org/officeDocument/2006/relationships" xmlns:p="http://schemas.openxmlformats.org/presentationml/2006/main">
+  <p:cSld>
+    <p:spTree>
+      <p:nvGrpSpPr>
+        <p:cNvPr id="1" name=""/>
+        <p:cNvGrpSpPr/>
+        <p:nvPr/>
+      </p:nvGrpSpPr>
+      <p:grpSpPr>
+        <a:xfrm>
+          <a:off x="0" y="0"/>
+          <a:ext cx="0" cy="0"/>
+          <a:chOff x="0" y="0"/>
+          <a:chExt cx="0" cy="0"/>
+        </a:xfrm>
+      </p:grpSpPr>
+      <p:sp>
+        <p:nvSpPr>
+          <p:cNvPr id="2" name="Slide Image Placeholder 1"/>
+          <p:cNvSpPr>
+            <a:spLocks noGrp="1" noRot="1" noChangeAspect="1"/>
+          </p:cNvSpPr>
+          <p:nvPr>
+            <p:ph type="sldImg"/>
+          </p:nvPr>
+        </p:nvSpPr>
+        <p:spPr/>
+      </p:sp>
+      <p:sp>
+        <p:nvSpPr>
+          <p:cNvPr id="3" name="Notes Placeholder 2"/>
+          <p:cNvSpPr>
+            <a:spLocks noGrp="1"/>
+          </p:cNvSpPr>
+          <p:nvPr>
+            <p:ph type="body" idx="1"/>
+          </p:nvPr>
+        </p:nvSpPr>
+        <p:spPr/>
+        <p:txBody>
+          <a:bodyPr/>
+          <a:lstStyle/>
+          <a:p>
+            <a:endParaRPr lang="en-CN" dirty="0"/>
+          </a:p>
+        </p:txBody>
+      </p:sp>
+      <p:sp>
+        <p:nvSpPr>
+          <p:cNvPr id="4" name="Slide Number Placeholder 3"/>
+          <p:cNvSpPr>
+            <a:spLocks noGrp="1"/>
+          </p:cNvSpPr>
+          <p:nvPr>
+            <p:ph type="sldNum" sz="quarter" idx="5"/>
+          </p:nvPr>
+        </p:nvSpPr>
+        <p:spPr/>
+        <p:txBody>
+          <a:bodyPr/>
+          <a:lstStyle/>
+          <a:p>
+            <a:fld id="{DE81D16D-322F-844F-A853-3586DEF44CF9}" type="slidenum">
+              <a:rPr lang="en-US" smtClean="0"/>
+              <a:t>18</a:t>
+            </a:fld>
+            <a:endParaRPr lang="en-US"/>
+          </a:p>
+        </p:txBody>
+      </p:sp>
+    </p:spTree>
+    <p:extLst>
+      <p:ext uri="{BB962C8B-B14F-4D97-AF65-F5344CB8AC3E}">
+        <p14:creationId xmlns:p14="http://schemas.microsoft.com/office/powerpoint/2010/main" val="2153539687"/>
+      </p:ext>
+    </p:extLst>
+  </p:cSld>
+  <p:clrMapOvr>
+    <a:masterClrMapping/>
+  </p:clrMapOvr>
+</p:notes>
+</file>
+
+<file path=ppt/notesSlides/notesSlide9.xml><?xml version="1.0" encoding="utf-8"?>
+<p:notes xmlns:a="http://schemas.openxmlformats.org/drawingml/2006/main" xmlns:r="http://schemas.openxmlformats.org/officeDocument/2006/relationships" xmlns:p="http://schemas.openxmlformats.org/presentationml/2006/main">
+  <p:cSld>
+    <p:spTree>
+      <p:nvGrpSpPr>
+        <p:cNvPr id="1" name=""/>
+        <p:cNvGrpSpPr/>
+        <p:nvPr/>
+      </p:nvGrpSpPr>
+      <p:grpSpPr>
+        <a:xfrm>
+          <a:off x="0" y="0"/>
+          <a:ext cx="0" cy="0"/>
+          <a:chOff x="0" y="0"/>
+          <a:chExt cx="0" cy="0"/>
+        </a:xfrm>
+      </p:grpSpPr>
+      <p:sp>
+        <p:nvSpPr>
+          <p:cNvPr id="2" name="Slide Image Placeholder 1"/>
+          <p:cNvSpPr>
+            <a:spLocks noGrp="1" noRot="1" noChangeAspect="1"/>
+          </p:cNvSpPr>
+          <p:nvPr>
+            <p:ph type="sldImg"/>
+          </p:nvPr>
+        </p:nvSpPr>
+        <p:spPr/>
+      </p:sp>
+      <p:sp>
+        <p:nvSpPr>
+          <p:cNvPr id="3" name="Notes Placeholder 2"/>
+          <p:cNvSpPr>
+            <a:spLocks noGrp="1"/>
+          </p:cNvSpPr>
+          <p:nvPr>
+            <p:ph type="body" idx="1"/>
+          </p:nvPr>
+        </p:nvSpPr>
+        <p:spPr/>
+        <p:txBody>
+          <a:bodyPr/>
+          <a:lstStyle/>
+          <a:p>
+            <a:endParaRPr lang="en-CN" dirty="0"/>
+          </a:p>
+        </p:txBody>
+      </p:sp>
+      <p:sp>
+        <p:nvSpPr>
+          <p:cNvPr id="4" name="Slide Number Placeholder 3"/>
+          <p:cNvSpPr>
+            <a:spLocks noGrp="1"/>
+          </p:cNvSpPr>
+          <p:nvPr>
+            <p:ph type="sldNum" sz="quarter" idx="5"/>
+          </p:nvPr>
+        </p:nvSpPr>
+        <p:spPr/>
+        <p:txBody>
+          <a:bodyPr/>
+          <a:lstStyle/>
+          <a:p>
+            <a:fld id="{DE81D16D-322F-844F-A853-3586DEF44CF9}" type="slidenum">
+              <a:rPr lang="en-US" smtClean="0"/>
+              <a:t>20</a:t>
+            </a:fld>
+            <a:endParaRPr lang="en-US"/>
+          </a:p>
+        </p:txBody>
+      </p:sp>
+    </p:spTree>
+    <p:extLst>
+      <p:ext uri="{BB962C8B-B14F-4D97-AF65-F5344CB8AC3E}">
+        <p14:creationId xmlns:p14="http://schemas.microsoft.com/office/powerpoint/2010/main" val="2014523457"/>
+      </p:ext>
+    </p:extLst>
+  </p:cSld>
+  <p:clrMapOvr>
+    <a:masterClrMapping/>
+  </p:clrMapOvr>
+</p:notes>
+</file>
+
 <file path=ppt/slideLayouts/slideLayout1.xml><?xml version="1.0" encoding="utf-8"?>
 <p:sldLayout xmlns:a="http://schemas.openxmlformats.org/drawingml/2006/main" xmlns:r="http://schemas.openxmlformats.org/officeDocument/2006/relationships" xmlns:p="http://schemas.openxmlformats.org/presentationml/2006/main" type="title" preserve="1">
   <p:cSld name="Title Slide">
@@ -611,7 +1377,7 @@
           <a:p>
             <a:fld id="{96C716C6-330E-FB4E-98B0-A511746D665E}" type="datetimeFigureOut">
               <a:rPr lang="en-US" smtClean="0"/>
-              <a:t>3/6/24</a:t>
+              <a:t>3/7/24</a:t>
             </a:fld>
             <a:endParaRPr lang="en-US"/>
           </a:p>
@@ -887,7 +1653,7 @@
           <a:p>
             <a:fld id="{96C716C6-330E-FB4E-98B0-A511746D665E}" type="datetimeFigureOut">
               <a:rPr lang="en-US" smtClean="0"/>
-              <a:t>3/6/24</a:t>
+              <a:t>3/7/24</a:t>
             </a:fld>
             <a:endParaRPr lang="en-US"/>
           </a:p>
@@ -1079,7 +1845,7 @@
           <a:p>
             <a:fld id="{96C716C6-330E-FB4E-98B0-A511746D665E}" type="datetimeFigureOut">
               <a:rPr lang="en-US" smtClean="0"/>
-              <a:t>3/6/24</a:t>
+              <a:t>3/7/24</a:t>
             </a:fld>
             <a:endParaRPr lang="en-US"/>
           </a:p>
@@ -1281,7 +2047,7 @@
           <a:p>
             <a:fld id="{96C716C6-330E-FB4E-98B0-A511746D665E}" type="datetimeFigureOut">
               <a:rPr lang="en-US" smtClean="0"/>
-              <a:t>3/6/24</a:t>
+              <a:t>3/7/24</a:t>
             </a:fld>
             <a:endParaRPr lang="en-US"/>
           </a:p>
@@ -1473,7 +2239,7 @@
           <a:p>
             <a:fld id="{96C716C6-330E-FB4E-98B0-A511746D665E}" type="datetimeFigureOut">
               <a:rPr lang="en-US" smtClean="0"/>
-              <a:t>3/6/24</a:t>
+              <a:t>3/7/24</a:t>
             </a:fld>
             <a:endParaRPr lang="en-US"/>
           </a:p>
@@ -1721,7 +2487,7 @@
           <a:p>
             <a:fld id="{96C716C6-330E-FB4E-98B0-A511746D665E}" type="datetimeFigureOut">
               <a:rPr lang="en-US" smtClean="0"/>
-              <a:t>3/6/24</a:t>
+              <a:t>3/7/24</a:t>
             </a:fld>
             <a:endParaRPr lang="en-US"/>
           </a:p>
@@ -1985,7 +2751,7 @@
           <a:p>
             <a:fld id="{96C716C6-330E-FB4E-98B0-A511746D665E}" type="datetimeFigureOut">
               <a:rPr lang="en-US" smtClean="0"/>
-              <a:t>3/6/24</a:t>
+              <a:t>3/7/24</a:t>
             </a:fld>
             <a:endParaRPr lang="en-US"/>
           </a:p>
@@ -2238,7 +3004,7 @@
           <a:p>
             <a:fld id="{96C716C6-330E-FB4E-98B0-A511746D665E}" type="datetimeFigureOut">
               <a:rPr lang="en-US" smtClean="0"/>
-              <a:t>3/6/24</a:t>
+              <a:t>3/7/24</a:t>
             </a:fld>
             <a:endParaRPr lang="en-US"/>
           </a:p>
@@ -2626,7 +3392,7 @@
           <a:p>
             <a:fld id="{96C716C6-330E-FB4E-98B0-A511746D665E}" type="datetimeFigureOut">
               <a:rPr lang="en-US" smtClean="0"/>
-              <a:t>3/6/24</a:t>
+              <a:t>3/7/24</a:t>
             </a:fld>
             <a:endParaRPr lang="en-US"/>
           </a:p>
@@ -2767,7 +3533,7 @@
           <a:p>
             <a:fld id="{96C716C6-330E-FB4E-98B0-A511746D665E}" type="datetimeFigureOut">
               <a:rPr lang="en-US" smtClean="0"/>
-              <a:t>3/6/24</a:t>
+              <a:t>3/7/24</a:t>
             </a:fld>
             <a:endParaRPr lang="en-US"/>
           </a:p>
@@ -2886,7 +3652,7 @@
           <a:p>
             <a:fld id="{96C716C6-330E-FB4E-98B0-A511746D665E}" type="datetimeFigureOut">
               <a:rPr lang="en-US" smtClean="0"/>
-              <a:t>3/6/24</a:t>
+              <a:t>3/7/24</a:t>
             </a:fld>
             <a:endParaRPr lang="en-US"/>
           </a:p>
@@ -3185,7 +3951,7 @@
           <a:p>
             <a:fld id="{96C716C6-330E-FB4E-98B0-A511746D665E}" type="datetimeFigureOut">
               <a:rPr lang="en-US" smtClean="0"/>
-              <a:t>3/6/24</a:t>
+              <a:t>3/7/24</a:t>
             </a:fld>
             <a:endParaRPr lang="en-US"/>
           </a:p>
@@ -4209,8 +4975,8 @@
         </p:nvSpPr>
         <p:spPr>
           <a:xfrm>
-            <a:off x="838200" y="2489760"/>
-            <a:ext cx="10515600" cy="1325563"/>
+            <a:off x="838200" y="193964"/>
+            <a:ext cx="10515600" cy="1153574"/>
           </a:xfrm>
         </p:spPr>
         <p:txBody>
@@ -4219,51 +4985,451 @@
           </a:bodyPr>
           <a:lstStyle/>
           <a:p>
-            <a:pPr algn="ctr"/>
-            <a:r>
-              <a:rPr lang="en-US" altLang="zh-CN" sz="8000" dirty="0">
-                <a:latin typeface="Chalkboard" charset="0"/>
-                <a:ea typeface="Chalkboard" charset="0"/>
-                <a:cs typeface="Chalkboard" charset="0"/>
-              </a:rPr>
-              <a:t>Q</a:t>
-            </a:r>
-            <a:r>
-              <a:rPr lang="zh-CN" altLang="en-US" sz="8000" dirty="0">
-                <a:latin typeface="Chalkboard" charset="0"/>
-                <a:ea typeface="Chalkboard" charset="0"/>
-                <a:cs typeface="Chalkboard" charset="0"/>
+            <a:pPr>
+              <a:lnSpc>
+                <a:spcPct val="150000"/>
+              </a:lnSpc>
+            </a:pPr>
+            <a:r>
+              <a:rPr lang="en-US" altLang="zh-CN" sz="2400" b="1" dirty="0" err="1">
+                <a:latin typeface="Microsoft YaHei" panose="020B0503020204020204" pitchFamily="34" charset="-122"/>
+                <a:ea typeface="Microsoft YaHei" panose="020B0503020204020204" pitchFamily="34" charset="-122"/>
+              </a:rPr>
+              <a:t>DataFrame</a:t>
+            </a:r>
+            <a:br>
+              <a:rPr lang="en-US" altLang="zh-CN" sz="1800" dirty="0">
+                <a:solidFill>
+                  <a:schemeClr val="bg1">
+                    <a:lumMod val="50000"/>
+                  </a:schemeClr>
+                </a:solidFill>
+              </a:rPr>
+            </a:br>
+            <a:r>
+              <a:rPr lang="en-US" altLang="zh-CN" sz="1800" dirty="0">
+                <a:solidFill>
+                  <a:srgbClr val="0070C0"/>
+                </a:solidFill>
+                <a:latin typeface="Pristina" panose="020F0502020204030204" pitchFamily="34" charset="0"/>
+              </a:rPr>
+              <a:t>Pandas</a:t>
+            </a:r>
+            <a:r>
+              <a:rPr lang="zh-CN" altLang="en-US" sz="1800" dirty="0">
+                <a:solidFill>
+                  <a:srgbClr val="0070C0"/>
+                </a:solidFill>
+                <a:latin typeface="Pristina" panose="020F0502020204030204" pitchFamily="34" charset="0"/>
               </a:rPr>
               <a:t> </a:t>
             </a:r>
             <a:r>
-              <a:rPr lang="en-US" altLang="zh-CN" sz="8000" dirty="0">
-                <a:latin typeface="Chalkboard" charset="0"/>
-                <a:ea typeface="Chalkboard" charset="0"/>
-                <a:cs typeface="Chalkboard" charset="0"/>
-              </a:rPr>
-              <a:t>&amp;</a:t>
-            </a:r>
-            <a:r>
-              <a:rPr lang="zh-CN" altLang="en-US" sz="8000" dirty="0">
-                <a:latin typeface="Chalkboard" charset="0"/>
-                <a:ea typeface="Chalkboard" charset="0"/>
-                <a:cs typeface="Chalkboard" charset="0"/>
+              <a:rPr lang="en-US" altLang="zh-CN" sz="1800" dirty="0">
+                <a:solidFill>
+                  <a:srgbClr val="0070C0"/>
+                </a:solidFill>
+                <a:latin typeface="Pristina" panose="020F0502020204030204" pitchFamily="34" charset="0"/>
+              </a:rPr>
+              <a:t>Dependency</a:t>
+            </a:r>
+            <a:endParaRPr lang="en-US" sz="1800" dirty="0">
+              <a:solidFill>
+                <a:srgbClr val="0070C0"/>
+              </a:solidFill>
+              <a:latin typeface="Pristina" panose="020F0502020204030204" pitchFamily="34" charset="0"/>
+              <a:cs typeface="Pristina" panose="020F0502020204030204" pitchFamily="34" charset="0"/>
+            </a:endParaRPr>
+          </a:p>
+        </p:txBody>
+      </p:sp>
+      <p:sp>
+        <p:nvSpPr>
+          <p:cNvPr id="7" name="Content Placeholder 6"/>
+          <p:cNvSpPr>
+            <a:spLocks noGrp="1"/>
+          </p:cNvSpPr>
+          <p:nvPr>
+            <p:ph idx="1"/>
+          </p:nvPr>
+        </p:nvSpPr>
+        <p:spPr>
+          <a:xfrm>
+            <a:off x="838200" y="1472665"/>
+            <a:ext cx="10515600" cy="4704298"/>
+          </a:xfrm>
+        </p:spPr>
+        <p:txBody>
+          <a:bodyPr>
+            <a:normAutofit/>
+          </a:bodyPr>
+          <a:lstStyle/>
+          <a:p>
+            <a:pPr marL="0" indent="0">
+              <a:lnSpc>
+                <a:spcPct val="150000"/>
+              </a:lnSpc>
+              <a:buNone/>
+            </a:pPr>
+            <a:r>
+              <a:rPr lang="en-US" altLang="zh-CN" sz="2000" dirty="0">
+                <a:solidFill>
+                  <a:schemeClr val="bg2">
+                    <a:lumMod val="25000"/>
+                  </a:schemeClr>
+                </a:solidFill>
+              </a:rPr>
+              <a:t>Pandas</a:t>
+            </a:r>
+          </a:p>
+          <a:p>
+            <a:pPr marL="0" indent="0">
+              <a:lnSpc>
+                <a:spcPct val="150000"/>
+              </a:lnSpc>
+              <a:buNone/>
+            </a:pPr>
+            <a:r>
+              <a:rPr lang="en-US" altLang="zh-CN" sz="1800" dirty="0">
+                <a:solidFill>
+                  <a:schemeClr val="bg2">
+                    <a:lumMod val="25000"/>
+                  </a:schemeClr>
+                </a:solidFill>
+              </a:rPr>
+              <a:t>Pandas</a:t>
+            </a:r>
+            <a:r>
+              <a:rPr lang="zh-CN" altLang="en-US" sz="1800" dirty="0">
+                <a:solidFill>
+                  <a:schemeClr val="bg2">
+                    <a:lumMod val="25000"/>
+                  </a:schemeClr>
+                </a:solidFill>
+              </a:rPr>
+              <a:t>是</a:t>
+            </a:r>
+            <a:r>
+              <a:rPr lang="en-US" altLang="zh-CN" sz="1800" dirty="0">
+                <a:solidFill>
+                  <a:schemeClr val="bg2">
+                    <a:lumMod val="25000"/>
+                  </a:schemeClr>
+                </a:solidFill>
+              </a:rPr>
+              <a:t>Python</a:t>
+            </a:r>
+            <a:r>
+              <a:rPr lang="zh-CN" altLang="en-US" sz="1800" dirty="0">
+                <a:solidFill>
+                  <a:schemeClr val="bg2">
+                    <a:lumMod val="25000"/>
+                  </a:schemeClr>
+                </a:solidFill>
+              </a:rPr>
+              <a:t>语言的一个扩展库，专用于数据分析，它的名字起源于“</a:t>
+            </a:r>
+            <a:r>
+              <a:rPr lang="en-US" altLang="zh-CN" sz="1800" dirty="0">
+                <a:solidFill>
+                  <a:schemeClr val="bg2">
+                    <a:lumMod val="25000"/>
+                  </a:schemeClr>
+                </a:solidFill>
+              </a:rPr>
+              <a:t>Panel</a:t>
+            </a:r>
+            <a:r>
+              <a:rPr lang="zh-CN" altLang="en-US" sz="1800" dirty="0">
+                <a:solidFill>
+                  <a:schemeClr val="bg2">
+                    <a:lumMod val="25000"/>
+                  </a:schemeClr>
+                </a:solidFill>
               </a:rPr>
               <a:t> </a:t>
             </a:r>
             <a:r>
-              <a:rPr lang="en-US" altLang="zh-CN" sz="8000" dirty="0">
-                <a:latin typeface="Chalkboard" charset="0"/>
-                <a:ea typeface="Chalkboard" charset="0"/>
-                <a:cs typeface="Chalkboard" charset="0"/>
-              </a:rPr>
-              <a:t>A</a:t>
-            </a:r>
-            <a:endParaRPr lang="en-US" sz="8000" dirty="0">
-              <a:latin typeface="Chalkboard" charset="0"/>
-              <a:ea typeface="Chalkboard" charset="0"/>
-              <a:cs typeface="Chalkboard" charset="0"/>
+              <a:rPr lang="en-US" altLang="zh-CN" sz="1800" dirty="0">
+                <a:solidFill>
+                  <a:schemeClr val="bg2">
+                    <a:lumMod val="25000"/>
+                  </a:schemeClr>
+                </a:solidFill>
+              </a:rPr>
+              <a:t>Data</a:t>
+            </a:r>
+            <a:r>
+              <a:rPr lang="zh-CN" altLang="en-US" sz="1800" dirty="0">
+                <a:solidFill>
+                  <a:schemeClr val="bg2">
+                    <a:lumMod val="25000"/>
+                  </a:schemeClr>
+                </a:solidFill>
+              </a:rPr>
+              <a:t>”（面板数据），是一个强大的数据分析结构化数据的工具集。作用如下：</a:t>
+            </a:r>
+            <a:endParaRPr lang="en-US" altLang="zh-CN" sz="1800" dirty="0">
+              <a:solidFill>
+                <a:schemeClr val="bg2">
+                  <a:lumMod val="25000"/>
+                </a:schemeClr>
+              </a:solidFill>
+            </a:endParaRPr>
+          </a:p>
+          <a:p>
+            <a:pPr>
+              <a:lnSpc>
+                <a:spcPct val="150000"/>
+              </a:lnSpc>
+            </a:pPr>
+            <a:r>
+              <a:rPr lang="zh-CN" altLang="en-US" sz="1800" dirty="0">
+                <a:solidFill>
+                  <a:schemeClr val="bg2">
+                    <a:lumMod val="25000"/>
+                  </a:schemeClr>
+                </a:solidFill>
+              </a:rPr>
+              <a:t>快速进行数据的统计分析</a:t>
+            </a:r>
+            <a:endParaRPr lang="en-US" altLang="zh-CN" sz="1800" dirty="0">
+              <a:solidFill>
+                <a:schemeClr val="bg2">
+                  <a:lumMod val="25000"/>
+                </a:schemeClr>
+              </a:solidFill>
+            </a:endParaRPr>
+          </a:p>
+          <a:p>
+            <a:pPr>
+              <a:lnSpc>
+                <a:spcPct val="150000"/>
+              </a:lnSpc>
+            </a:pPr>
+            <a:r>
+              <a:rPr lang="zh-CN" altLang="en-US" sz="1800" dirty="0">
+                <a:solidFill>
+                  <a:schemeClr val="bg2">
+                    <a:lumMod val="25000"/>
+                  </a:schemeClr>
+                </a:solidFill>
+              </a:rPr>
+              <a:t>操作数据库一样做多维数据操作和关联（类似</a:t>
+            </a:r>
+            <a:r>
+              <a:rPr lang="en-US" altLang="zh-CN" sz="1800" dirty="0">
+                <a:solidFill>
+                  <a:schemeClr val="bg2">
+                    <a:lumMod val="25000"/>
+                  </a:schemeClr>
+                </a:solidFill>
+              </a:rPr>
+              <a:t>SQL</a:t>
+            </a:r>
+            <a:r>
+              <a:rPr lang="zh-CN" altLang="en-US" sz="1800" dirty="0">
+                <a:solidFill>
+                  <a:schemeClr val="bg2">
+                    <a:lumMod val="25000"/>
+                  </a:schemeClr>
+                </a:solidFill>
+              </a:rPr>
+              <a:t>做</a:t>
+            </a:r>
+            <a:r>
+              <a:rPr lang="en-US" altLang="zh-CN" sz="1800" dirty="0">
+                <a:solidFill>
+                  <a:schemeClr val="bg2">
+                    <a:lumMod val="25000"/>
+                  </a:schemeClr>
+                </a:solidFill>
+              </a:rPr>
+              <a:t>SELECT</a:t>
+            </a:r>
+            <a:r>
+              <a:rPr lang="zh-CN" altLang="en-US" sz="1800" dirty="0">
+                <a:solidFill>
+                  <a:schemeClr val="bg2">
+                    <a:lumMod val="25000"/>
+                  </a:schemeClr>
+                </a:solidFill>
+              </a:rPr>
+              <a:t>、</a:t>
+            </a:r>
+            <a:r>
+              <a:rPr lang="en-US" altLang="zh-CN" sz="1800" dirty="0">
+                <a:solidFill>
+                  <a:schemeClr val="bg2">
+                    <a:lumMod val="25000"/>
+                  </a:schemeClr>
+                </a:solidFill>
+              </a:rPr>
+              <a:t>GROUP</a:t>
+            </a:r>
+            <a:r>
+              <a:rPr lang="zh-CN" altLang="en-US" sz="1800" dirty="0">
+                <a:solidFill>
+                  <a:schemeClr val="bg2">
+                    <a:lumMod val="25000"/>
+                  </a:schemeClr>
+                </a:solidFill>
+              </a:rPr>
+              <a:t> </a:t>
+            </a:r>
+            <a:r>
+              <a:rPr lang="en-US" altLang="zh-CN" sz="1800" dirty="0">
+                <a:solidFill>
+                  <a:schemeClr val="bg2">
+                    <a:lumMod val="25000"/>
+                  </a:schemeClr>
+                </a:solidFill>
+              </a:rPr>
+              <a:t>BY</a:t>
+            </a:r>
+            <a:r>
+              <a:rPr lang="zh-CN" altLang="en-US" sz="1800" dirty="0">
+                <a:solidFill>
+                  <a:schemeClr val="bg2">
+                    <a:lumMod val="25000"/>
+                  </a:schemeClr>
+                </a:solidFill>
+              </a:rPr>
+              <a:t>）</a:t>
+            </a:r>
+            <a:endParaRPr lang="en-US" altLang="zh-CN" sz="1800" dirty="0">
+              <a:solidFill>
+                <a:schemeClr val="bg2">
+                  <a:lumMod val="25000"/>
+                </a:schemeClr>
+              </a:solidFill>
+            </a:endParaRPr>
+          </a:p>
+          <a:p>
+            <a:pPr>
+              <a:lnSpc>
+                <a:spcPct val="150000"/>
+              </a:lnSpc>
+            </a:pPr>
+            <a:r>
+              <a:rPr lang="zh-CN" altLang="en-US" sz="1800" dirty="0">
+                <a:solidFill>
+                  <a:schemeClr val="bg2">
+                    <a:lumMod val="25000"/>
+                  </a:schemeClr>
+                </a:solidFill>
+              </a:rPr>
+              <a:t>预处理数据中（处理空数据、脏数据、转换、缺失值）</a:t>
+            </a:r>
+            <a:endParaRPr lang="en-US" altLang="zh-CN" sz="1800" dirty="0">
+              <a:solidFill>
+                <a:schemeClr val="bg2">
+                  <a:lumMod val="25000"/>
+                </a:schemeClr>
+              </a:solidFill>
+            </a:endParaRPr>
+          </a:p>
+          <a:p>
+            <a:pPr>
+              <a:lnSpc>
+                <a:spcPct val="150000"/>
+              </a:lnSpc>
+            </a:pPr>
+            <a:r>
+              <a:rPr lang="en-US" altLang="zh-CN" sz="1800" dirty="0">
+                <a:solidFill>
+                  <a:schemeClr val="bg2">
+                    <a:lumMod val="25000"/>
+                  </a:schemeClr>
+                </a:solidFill>
+              </a:rPr>
+              <a:t>Excel</a:t>
+            </a:r>
+            <a:r>
+              <a:rPr lang="zh-CN" altLang="en-US" sz="1800" dirty="0">
+                <a:solidFill>
+                  <a:schemeClr val="bg2">
+                    <a:lumMod val="25000"/>
+                  </a:schemeClr>
+                </a:solidFill>
+              </a:rPr>
+              <a:t>一般做多维数据透视、汇总分析</a:t>
+            </a:r>
+            <a:endParaRPr lang="en-US" altLang="zh-CN" sz="1800" dirty="0">
+              <a:solidFill>
+                <a:schemeClr val="bg2">
+                  <a:lumMod val="25000"/>
+                </a:schemeClr>
+              </a:solidFill>
+            </a:endParaRPr>
+          </a:p>
+          <a:p>
+            <a:pPr>
+              <a:lnSpc>
+                <a:spcPct val="150000"/>
+              </a:lnSpc>
+            </a:pPr>
+            <a:r>
+              <a:rPr lang="zh-CN" altLang="en-US" sz="1800" dirty="0">
+                <a:solidFill>
+                  <a:schemeClr val="bg2">
+                    <a:lumMod val="25000"/>
+                  </a:schemeClr>
+                </a:solidFill>
+              </a:rPr>
+              <a:t>绘制数据统计图表</a:t>
+            </a:r>
+            <a:endParaRPr lang="en-US" altLang="zh-CN" sz="1800" dirty="0">
+              <a:solidFill>
+                <a:schemeClr val="bg2">
+                  <a:lumMod val="25000"/>
+                </a:schemeClr>
+              </a:solidFill>
+            </a:endParaRPr>
+          </a:p>
+          <a:p>
+            <a:pPr marL="0" indent="0">
+              <a:lnSpc>
+                <a:spcPct val="150000"/>
+              </a:lnSpc>
+              <a:buNone/>
+            </a:pPr>
+            <a:endParaRPr lang="en-US" altLang="zh-CN" sz="2000" dirty="0">
+              <a:solidFill>
+                <a:schemeClr val="bg2">
+                  <a:lumMod val="25000"/>
+                </a:schemeClr>
+              </a:solidFill>
+            </a:endParaRPr>
+          </a:p>
+          <a:p>
+            <a:pPr marL="0" indent="0">
+              <a:lnSpc>
+                <a:spcPct val="150000"/>
+              </a:lnSpc>
+              <a:buNone/>
+            </a:pPr>
+            <a:endParaRPr lang="en-US" altLang="zh-CN" sz="2000" dirty="0">
+              <a:solidFill>
+                <a:schemeClr val="bg2">
+                  <a:lumMod val="25000"/>
+                </a:schemeClr>
+              </a:solidFill>
+            </a:endParaRPr>
+          </a:p>
+          <a:p>
+            <a:pPr marL="0" indent="0">
+              <a:lnSpc>
+                <a:spcPct val="150000"/>
+              </a:lnSpc>
+              <a:buNone/>
+            </a:pPr>
+            <a:endParaRPr lang="en-US" altLang="zh-CN" sz="2000" dirty="0">
+              <a:solidFill>
+                <a:schemeClr val="bg2">
+                  <a:lumMod val="25000"/>
+                </a:schemeClr>
+              </a:solidFill>
             </a:endParaRPr>
           </a:p>
         </p:txBody>
@@ -4271,7 +5437,4671 @@
     </p:spTree>
     <p:extLst>
       <p:ext uri="{BB962C8B-B14F-4D97-AF65-F5344CB8AC3E}">
-        <p14:creationId xmlns:p14="http://schemas.microsoft.com/office/powerpoint/2010/main" val="662552141"/>
+        <p14:creationId xmlns:p14="http://schemas.microsoft.com/office/powerpoint/2010/main" val="3456345956"/>
+      </p:ext>
+    </p:extLst>
+  </p:cSld>
+  <p:clrMapOvr>
+    <a:masterClrMapping/>
+  </p:clrMapOvr>
+</p:sld>
+</file>
+
+<file path=ppt/slides/slide12.xml><?xml version="1.0" encoding="utf-8"?>
+<p:sld xmlns:a="http://schemas.openxmlformats.org/drawingml/2006/main" xmlns:r="http://schemas.openxmlformats.org/officeDocument/2006/relationships" xmlns:p="http://schemas.openxmlformats.org/presentationml/2006/main">
+  <p:cSld>
+    <p:spTree>
+      <p:nvGrpSpPr>
+        <p:cNvPr id="1" name=""/>
+        <p:cNvGrpSpPr/>
+        <p:nvPr/>
+      </p:nvGrpSpPr>
+      <p:grpSpPr>
+        <a:xfrm>
+          <a:off x="0" y="0"/>
+          <a:ext cx="0" cy="0"/>
+          <a:chOff x="0" y="0"/>
+          <a:chExt cx="0" cy="0"/>
+        </a:xfrm>
+      </p:grpSpPr>
+      <p:sp>
+        <p:nvSpPr>
+          <p:cNvPr id="6" name="Title 5"/>
+          <p:cNvSpPr>
+            <a:spLocks noGrp="1"/>
+          </p:cNvSpPr>
+          <p:nvPr>
+            <p:ph type="title"/>
+          </p:nvPr>
+        </p:nvSpPr>
+        <p:spPr>
+          <a:xfrm>
+            <a:off x="838200" y="193964"/>
+            <a:ext cx="10515600" cy="1153574"/>
+          </a:xfrm>
+        </p:spPr>
+        <p:txBody>
+          <a:bodyPr>
+            <a:normAutofit/>
+          </a:bodyPr>
+          <a:lstStyle/>
+          <a:p>
+            <a:pPr>
+              <a:lnSpc>
+                <a:spcPct val="150000"/>
+              </a:lnSpc>
+            </a:pPr>
+            <a:r>
+              <a:rPr lang="en-US" altLang="zh-CN" sz="2400" b="1" dirty="0" err="1">
+                <a:latin typeface="Microsoft YaHei" panose="020B0503020204020204" pitchFamily="34" charset="-122"/>
+                <a:ea typeface="Microsoft YaHei" panose="020B0503020204020204" pitchFamily="34" charset="-122"/>
+              </a:rPr>
+              <a:t>DataFrame</a:t>
+            </a:r>
+            <a:br>
+              <a:rPr lang="en-US" altLang="zh-CN" sz="1800" dirty="0">
+                <a:solidFill>
+                  <a:schemeClr val="bg1">
+                    <a:lumMod val="50000"/>
+                  </a:schemeClr>
+                </a:solidFill>
+              </a:rPr>
+            </a:br>
+            <a:r>
+              <a:rPr lang="en-US" altLang="zh-CN" sz="1800" dirty="0">
+                <a:solidFill>
+                  <a:srgbClr val="0070C0"/>
+                </a:solidFill>
+                <a:latin typeface="Pristina" panose="020F0502020204030204" pitchFamily="34" charset="0"/>
+              </a:rPr>
+              <a:t>NumPy</a:t>
+            </a:r>
+            <a:r>
+              <a:rPr lang="zh-CN" altLang="en-US" sz="1800" dirty="0">
+                <a:solidFill>
+                  <a:srgbClr val="0070C0"/>
+                </a:solidFill>
+                <a:latin typeface="Pristina" panose="020F0502020204030204" pitchFamily="34" charset="0"/>
+              </a:rPr>
+              <a:t> </a:t>
+            </a:r>
+            <a:r>
+              <a:rPr lang="en-US" altLang="zh-CN" sz="1800" dirty="0">
+                <a:solidFill>
+                  <a:srgbClr val="0070C0"/>
+                </a:solidFill>
+                <a:latin typeface="Pristina" panose="020F0502020204030204" pitchFamily="34" charset="0"/>
+              </a:rPr>
+              <a:t>Comparing</a:t>
+            </a:r>
+            <a:endParaRPr lang="en-US" sz="1800" dirty="0">
+              <a:solidFill>
+                <a:srgbClr val="0070C0"/>
+              </a:solidFill>
+              <a:latin typeface="Pristina" panose="020F0502020204030204" pitchFamily="34" charset="0"/>
+              <a:cs typeface="Pristina" panose="020F0502020204030204" pitchFamily="34" charset="0"/>
+            </a:endParaRPr>
+          </a:p>
+        </p:txBody>
+      </p:sp>
+      <p:sp>
+        <p:nvSpPr>
+          <p:cNvPr id="7" name="Content Placeholder 6"/>
+          <p:cNvSpPr>
+            <a:spLocks noGrp="1"/>
+          </p:cNvSpPr>
+          <p:nvPr>
+            <p:ph idx="1"/>
+          </p:nvPr>
+        </p:nvSpPr>
+        <p:spPr>
+          <a:xfrm>
+            <a:off x="838200" y="1472665"/>
+            <a:ext cx="10515600" cy="4704298"/>
+          </a:xfrm>
+        </p:spPr>
+        <p:txBody>
+          <a:bodyPr>
+            <a:normAutofit/>
+          </a:bodyPr>
+          <a:lstStyle/>
+          <a:p>
+            <a:pPr marL="0" indent="0">
+              <a:lnSpc>
+                <a:spcPct val="150000"/>
+              </a:lnSpc>
+              <a:buNone/>
+            </a:pPr>
+            <a:r>
+              <a:rPr lang="en-US" altLang="zh-CN" sz="2000" dirty="0">
+                <a:solidFill>
+                  <a:schemeClr val="bg2">
+                    <a:lumMod val="25000"/>
+                  </a:schemeClr>
+                </a:solidFill>
+              </a:rPr>
+              <a:t>NumPy</a:t>
+            </a:r>
+          </a:p>
+          <a:p>
+            <a:pPr marL="0" indent="0">
+              <a:lnSpc>
+                <a:spcPct val="150000"/>
+              </a:lnSpc>
+              <a:buNone/>
+            </a:pPr>
+            <a:r>
+              <a:rPr lang="en-CN" altLang="zh-CN" sz="1800" dirty="0">
+                <a:solidFill>
+                  <a:schemeClr val="bg2">
+                    <a:lumMod val="25000"/>
+                  </a:schemeClr>
+                </a:solidFill>
+              </a:rPr>
+              <a:t>Pandas</a:t>
+            </a:r>
+            <a:r>
+              <a:rPr lang="zh-CN" altLang="en-CN" sz="1800" dirty="0">
+                <a:solidFill>
+                  <a:schemeClr val="bg2">
+                    <a:lumMod val="25000"/>
+                  </a:schemeClr>
+                </a:solidFill>
+              </a:rPr>
+              <a:t>库</a:t>
+            </a:r>
+            <a:r>
+              <a:rPr lang="zh-CN" altLang="en-US" sz="1800" dirty="0">
+                <a:solidFill>
+                  <a:schemeClr val="bg2">
+                    <a:lumMod val="25000"/>
+                  </a:schemeClr>
+                </a:solidFill>
+              </a:rPr>
+              <a:t>本身是基于</a:t>
+            </a:r>
+            <a:r>
+              <a:rPr lang="en-US" altLang="zh-CN" sz="1800" dirty="0">
+                <a:solidFill>
+                  <a:schemeClr val="bg2">
+                    <a:lumMod val="25000"/>
+                  </a:schemeClr>
+                </a:solidFill>
+              </a:rPr>
+              <a:t>NumPy</a:t>
+            </a:r>
+            <a:r>
+              <a:rPr lang="zh-CN" altLang="en-US" sz="1800" dirty="0">
+                <a:solidFill>
+                  <a:schemeClr val="bg2">
+                    <a:lumMod val="25000"/>
+                  </a:schemeClr>
+                </a:solidFill>
+              </a:rPr>
+              <a:t>构建，专用于处理二维表格、混合数据而设计。</a:t>
+            </a:r>
+            <a:endParaRPr lang="en-US" altLang="zh-CN" sz="1800" dirty="0">
+              <a:solidFill>
+                <a:schemeClr val="bg2">
+                  <a:lumMod val="25000"/>
+                </a:schemeClr>
+              </a:solidFill>
+            </a:endParaRPr>
+          </a:p>
+          <a:p>
+            <a:pPr marL="0" indent="0">
+              <a:lnSpc>
+                <a:spcPct val="150000"/>
+              </a:lnSpc>
+              <a:buNone/>
+            </a:pPr>
+            <a:endParaRPr lang="en-US" altLang="zh-CN" sz="1800" dirty="0">
+              <a:solidFill>
+                <a:schemeClr val="bg2">
+                  <a:lumMod val="25000"/>
+                </a:schemeClr>
+              </a:solidFill>
+            </a:endParaRPr>
+          </a:p>
+          <a:p>
+            <a:pPr marL="0" indent="0">
+              <a:lnSpc>
+                <a:spcPct val="150000"/>
+              </a:lnSpc>
+              <a:buNone/>
+            </a:pPr>
+            <a:endParaRPr lang="en-US" altLang="zh-CN" sz="2000" dirty="0">
+              <a:solidFill>
+                <a:schemeClr val="bg2">
+                  <a:lumMod val="25000"/>
+                </a:schemeClr>
+              </a:solidFill>
+            </a:endParaRPr>
+          </a:p>
+          <a:p>
+            <a:pPr marL="0" indent="0">
+              <a:lnSpc>
+                <a:spcPct val="150000"/>
+              </a:lnSpc>
+              <a:buNone/>
+            </a:pPr>
+            <a:endParaRPr lang="en-US" altLang="zh-CN" sz="2000" dirty="0">
+              <a:solidFill>
+                <a:schemeClr val="bg2">
+                  <a:lumMod val="25000"/>
+                </a:schemeClr>
+              </a:solidFill>
+            </a:endParaRPr>
+          </a:p>
+          <a:p>
+            <a:pPr marL="0" indent="0">
+              <a:lnSpc>
+                <a:spcPct val="150000"/>
+              </a:lnSpc>
+              <a:buNone/>
+            </a:pPr>
+            <a:endParaRPr lang="en-US" altLang="zh-CN" sz="2000" dirty="0">
+              <a:solidFill>
+                <a:schemeClr val="bg2">
+                  <a:lumMod val="25000"/>
+                </a:schemeClr>
+              </a:solidFill>
+            </a:endParaRPr>
+          </a:p>
+        </p:txBody>
+      </p:sp>
+      <p:graphicFrame>
+        <p:nvGraphicFramePr>
+          <p:cNvPr id="4" name="Table 3">
+            <a:extLst>
+              <a:ext uri="{FF2B5EF4-FFF2-40B4-BE49-F238E27FC236}">
+                <a16:creationId xmlns:a16="http://schemas.microsoft.com/office/drawing/2014/main" id="{90890AC1-B5DA-B602-6D3C-2341ED03289E}"/>
+              </a:ext>
+            </a:extLst>
+          </p:cNvPr>
+          <p:cNvGraphicFramePr>
+            <a:graphicFrameLocks noGrp="1"/>
+          </p:cNvGraphicFramePr>
+          <p:nvPr>
+            <p:extLst>
+              <p:ext uri="{D42A27DB-BD31-4B8C-83A1-F6EECF244321}">
+                <p14:modId xmlns:p14="http://schemas.microsoft.com/office/powerpoint/2010/main" val="691290977"/>
+              </p:ext>
+            </p:extLst>
+          </p:nvPr>
+        </p:nvGraphicFramePr>
+        <p:xfrm>
+          <a:off x="838200" y="2604595"/>
+          <a:ext cx="10296072" cy="2985326"/>
+        </p:xfrm>
+        <a:graphic>
+          <a:graphicData uri="http://schemas.openxmlformats.org/drawingml/2006/table">
+            <a:tbl>
+              <a:tblPr firstRow="1" bandRow="1">
+                <a:tableStyleId>{5C22544A-7EE6-4342-B048-85BDC9FD1C3A}</a:tableStyleId>
+              </a:tblPr>
+              <a:tblGrid>
+                <a:gridCol w="5128079">
+                  <a:extLst>
+                    <a:ext uri="{9D8B030D-6E8A-4147-A177-3AD203B41FA5}">
+                      <a16:colId xmlns:a16="http://schemas.microsoft.com/office/drawing/2014/main" val="833668401"/>
+                    </a:ext>
+                  </a:extLst>
+                </a:gridCol>
+                <a:gridCol w="5167993">
+                  <a:extLst>
+                    <a:ext uri="{9D8B030D-6E8A-4147-A177-3AD203B41FA5}">
+                      <a16:colId xmlns:a16="http://schemas.microsoft.com/office/drawing/2014/main" val="1539034455"/>
+                    </a:ext>
+                  </a:extLst>
+                </a:gridCol>
+              </a:tblGrid>
+              <a:tr h="370840">
+                <a:tc>
+                  <a:txBody>
+                    <a:bodyPr/>
+                    <a:lstStyle/>
+                    <a:p>
+                      <a:r>
+                        <a:rPr lang="en-US" sz="1600" dirty="0"/>
+                        <a:t>Num</a:t>
+                      </a:r>
+                      <a:r>
+                        <a:rPr lang="en-US" altLang="zh-CN" sz="1600" dirty="0"/>
+                        <a:t>Py</a:t>
+                      </a:r>
+                      <a:r>
+                        <a:rPr lang="zh-CN" altLang="en-US" sz="1600" dirty="0"/>
+                        <a:t>（</a:t>
+                      </a:r>
+                      <a:r>
+                        <a:rPr lang="en-US" altLang="zh-CN" sz="1600" dirty="0"/>
+                        <a:t>Numerical</a:t>
+                      </a:r>
+                      <a:r>
+                        <a:rPr lang="zh-CN" altLang="en-US" sz="1600" dirty="0"/>
+                        <a:t> </a:t>
+                      </a:r>
+                      <a:r>
+                        <a:rPr lang="en-US" altLang="zh-CN" sz="1600" dirty="0"/>
+                        <a:t>Python</a:t>
+                      </a:r>
+                      <a:r>
+                        <a:rPr lang="zh-CN" altLang="en-US" sz="1600" dirty="0"/>
+                        <a:t>）</a:t>
+                      </a:r>
+                      <a:endParaRPr lang="en-CN" sz="1600" dirty="0"/>
+                    </a:p>
+                  </a:txBody>
+                  <a:tcPr/>
+                </a:tc>
+                <a:tc>
+                  <a:txBody>
+                    <a:bodyPr/>
+                    <a:lstStyle/>
+                    <a:p>
+                      <a:r>
+                        <a:rPr lang="en-CN" sz="1600" dirty="0"/>
+                        <a:t>Pandas</a:t>
+                      </a:r>
+                    </a:p>
+                  </a:txBody>
+                  <a:tcPr/>
+                </a:tc>
+                <a:extLst>
+                  <a:ext uri="{0D108BD9-81ED-4DB2-BD59-A6C34878D82A}">
+                    <a16:rowId xmlns:a16="http://schemas.microsoft.com/office/drawing/2014/main" val="1411737955"/>
+                  </a:ext>
+                </a:extLst>
+              </a:tr>
+              <a:tr h="370840">
+                <a:tc>
+                  <a:txBody>
+                    <a:bodyPr/>
+                    <a:lstStyle/>
+                    <a:p>
+                      <a:pPr marL="285750" indent="-285750">
+                        <a:lnSpc>
+                          <a:spcPct val="150000"/>
+                        </a:lnSpc>
+                        <a:buFont typeface="Arial" panose="020B0604020202020204" pitchFamily="34" charset="0"/>
+                        <a:buChar char="•"/>
+                      </a:pPr>
+                      <a:r>
+                        <a:rPr lang="en-CN" sz="1600" dirty="0">
+                          <a:latin typeface="+mn-lt"/>
+                          <a:ea typeface="+mn-ea"/>
+                        </a:rPr>
+                        <a:t>基础数学计算模块</a:t>
+                      </a:r>
+                      <a:r>
+                        <a:rPr lang="zh-CN" altLang="en-US" sz="1600" dirty="0">
+                          <a:latin typeface="+mn-lt"/>
+                          <a:ea typeface="+mn-ea"/>
+                        </a:rPr>
+                        <a:t>，数据结构以矩阵为主。</a:t>
+                      </a:r>
+                      <a:endParaRPr lang="en-US" altLang="zh-CN" sz="1600" dirty="0">
+                        <a:latin typeface="+mn-lt"/>
+                        <a:ea typeface="+mn-ea"/>
+                      </a:endParaRPr>
+                    </a:p>
+                    <a:p>
+                      <a:pPr marL="285750" indent="-285750">
+                        <a:lnSpc>
+                          <a:spcPct val="150000"/>
+                        </a:lnSpc>
+                        <a:buFont typeface="Arial" panose="020B0604020202020204" pitchFamily="34" charset="0"/>
+                        <a:buChar char="•"/>
+                      </a:pPr>
+                      <a:r>
+                        <a:rPr lang="zh-CN" altLang="en-US" sz="1600" dirty="0">
+                          <a:latin typeface="+mn-lt"/>
+                          <a:ea typeface="+mn-ea"/>
+                        </a:rPr>
+                        <a:t>核心结构：</a:t>
+                      </a:r>
+                      <a:r>
+                        <a:rPr lang="en-US" altLang="zh-CN" sz="1600" dirty="0" err="1">
+                          <a:solidFill>
+                            <a:schemeClr val="accent2"/>
+                          </a:solidFill>
+                          <a:latin typeface="+mn-lt"/>
+                          <a:ea typeface="+mn-ea"/>
+                        </a:rPr>
+                        <a:t>ndarray</a:t>
+                      </a:r>
+                      <a:r>
+                        <a:rPr lang="zh-CN" altLang="en-US" sz="1600" dirty="0">
+                          <a:latin typeface="+mn-lt"/>
+                          <a:ea typeface="+mn-ea"/>
+                        </a:rPr>
+                        <a:t>，提供高性能的矩阵运算。</a:t>
+                      </a:r>
+                      <a:endParaRPr lang="en-US" altLang="zh-CN" sz="1600" dirty="0">
+                        <a:latin typeface="+mn-lt"/>
+                        <a:ea typeface="+mn-ea"/>
+                      </a:endParaRPr>
+                    </a:p>
+                    <a:p>
+                      <a:pPr marL="285750" indent="-285750">
+                        <a:lnSpc>
+                          <a:spcPct val="150000"/>
+                        </a:lnSpc>
+                        <a:buFont typeface="Arial" panose="020B0604020202020204" pitchFamily="34" charset="0"/>
+                        <a:buChar char="•"/>
+                      </a:pPr>
+                      <a:r>
+                        <a:rPr lang="zh-CN" altLang="en-US" sz="1600" dirty="0">
+                          <a:latin typeface="+mn-lt"/>
+                          <a:ea typeface="+mn-ea"/>
+                        </a:rPr>
+                        <a:t>数组只能存储同一种类型的数据，而数组提供了十分方便的统计量：平均值、标准差等。</a:t>
+                      </a:r>
+                      <a:endParaRPr lang="en-US" altLang="zh-CN" sz="1600" dirty="0">
+                        <a:latin typeface="+mn-lt"/>
+                        <a:ea typeface="+mn-ea"/>
+                      </a:endParaRPr>
+                    </a:p>
+                    <a:p>
+                      <a:pPr marL="285750" indent="-285750">
+                        <a:lnSpc>
+                          <a:spcPct val="150000"/>
+                        </a:lnSpc>
+                        <a:buFont typeface="Arial" panose="020B0604020202020204" pitchFamily="34" charset="0"/>
+                        <a:buChar char="•"/>
+                      </a:pPr>
+                      <a:r>
+                        <a:rPr lang="zh-CN" altLang="en-US" sz="1600" dirty="0">
+                          <a:latin typeface="+mn-lt"/>
+                          <a:ea typeface="+mn-ea"/>
+                        </a:rPr>
+                        <a:t>常用：</a:t>
+                      </a:r>
+                      <a:r>
+                        <a:rPr lang="zh-CN" altLang="en-US" sz="1600" dirty="0">
+                          <a:solidFill>
+                            <a:srgbClr val="00B050"/>
+                          </a:solidFill>
+                          <a:latin typeface="+mn-lt"/>
+                          <a:ea typeface="+mn-ea"/>
+                        </a:rPr>
+                        <a:t>数组生成、随机数取值、范围取值、访问元素、基本数学计算、数组变形、数组拼接、数组排序。</a:t>
+                      </a:r>
+                      <a:endParaRPr lang="en-US" altLang="zh-CN" sz="1600" dirty="0">
+                        <a:solidFill>
+                          <a:srgbClr val="00B050"/>
+                        </a:solidFill>
+                        <a:latin typeface="+mn-lt"/>
+                        <a:ea typeface="+mn-ea"/>
+                      </a:endParaRPr>
+                    </a:p>
+                  </a:txBody>
+                  <a:tcPr/>
+                </a:tc>
+                <a:tc>
+                  <a:txBody>
+                    <a:bodyPr/>
+                    <a:lstStyle/>
+                    <a:p>
+                      <a:pPr marL="285750" indent="-285750">
+                        <a:lnSpc>
+                          <a:spcPct val="150000"/>
+                        </a:lnSpc>
+                        <a:buFont typeface="Arial" panose="020B0604020202020204" pitchFamily="34" charset="0"/>
+                        <a:buChar char="•"/>
+                      </a:pPr>
+                      <a:r>
+                        <a:rPr lang="en-CN" sz="1600" dirty="0"/>
+                        <a:t>基于Num</a:t>
+                      </a:r>
+                      <a:r>
+                        <a:rPr lang="en-US" altLang="zh-CN" sz="1600" dirty="0"/>
+                        <a:t>P</a:t>
+                      </a:r>
+                      <a:r>
+                        <a:rPr lang="en-CN" sz="1600" dirty="0"/>
+                        <a:t>y构建</a:t>
+                      </a:r>
+                      <a:r>
+                        <a:rPr lang="zh-CN" altLang="en-US" sz="1600" dirty="0"/>
+                        <a:t>，处理表格和混杂数据。</a:t>
+                      </a:r>
+                      <a:endParaRPr lang="en-US" altLang="zh-CN" sz="1600" dirty="0"/>
+                    </a:p>
+                    <a:p>
+                      <a:pPr marL="285750" indent="-285750">
+                        <a:lnSpc>
+                          <a:spcPct val="150000"/>
+                        </a:lnSpc>
+                        <a:buFont typeface="Arial" panose="020B0604020202020204" pitchFamily="34" charset="0"/>
+                        <a:buChar char="•"/>
+                      </a:pPr>
+                      <a:r>
+                        <a:rPr lang="zh-CN" altLang="en-US" sz="1600" dirty="0"/>
+                        <a:t>处理结构化数据，契合统计分析中的表结构。</a:t>
+                      </a:r>
+                      <a:endParaRPr lang="en-US" altLang="zh-CN" sz="1600" dirty="0"/>
+                    </a:p>
+                    <a:p>
+                      <a:pPr marL="285750" indent="-285750">
+                        <a:lnSpc>
+                          <a:spcPct val="150000"/>
+                        </a:lnSpc>
+                        <a:buFont typeface="Arial" panose="020B0604020202020204" pitchFamily="34" charset="0"/>
+                        <a:buChar char="•"/>
+                      </a:pPr>
+                      <a:r>
+                        <a:rPr lang="en-CN" sz="1600" dirty="0"/>
+                        <a:t>核心结构</a:t>
+                      </a:r>
+                      <a:r>
+                        <a:rPr lang="zh-CN" altLang="en-US" sz="1600" dirty="0"/>
+                        <a:t>：一维数组 </a:t>
+                      </a:r>
+                      <a:r>
+                        <a:rPr lang="en-US" altLang="zh-CN" sz="1600" dirty="0">
+                          <a:solidFill>
+                            <a:schemeClr val="accent2"/>
+                          </a:solidFill>
+                        </a:rPr>
+                        <a:t>Series</a:t>
+                      </a:r>
+                      <a:r>
+                        <a:rPr lang="zh-CN" altLang="en-US" sz="1600" dirty="0"/>
+                        <a:t>、二维表 </a:t>
+                      </a:r>
+                      <a:r>
+                        <a:rPr lang="en-US" altLang="zh-CN" sz="1600" dirty="0" err="1">
+                          <a:solidFill>
+                            <a:schemeClr val="accent2"/>
+                          </a:solidFill>
+                        </a:rPr>
+                        <a:t>DataFrame</a:t>
+                      </a:r>
+                      <a:r>
+                        <a:rPr lang="zh-CN" altLang="en-US" sz="1600" dirty="0"/>
+                        <a:t>。</a:t>
+                      </a:r>
+                      <a:endParaRPr lang="en-US" altLang="zh-CN" sz="1600" dirty="0"/>
+                    </a:p>
+                    <a:p>
+                      <a:pPr marL="285750" indent="-285750">
+                        <a:lnSpc>
+                          <a:spcPct val="150000"/>
+                        </a:lnSpc>
+                        <a:buFont typeface="Arial" panose="020B0604020202020204" pitchFamily="34" charset="0"/>
+                        <a:buChar char="•"/>
+                      </a:pPr>
+                      <a:r>
+                        <a:rPr lang="zh-CN" altLang="en-US" sz="1600" dirty="0"/>
+                        <a:t>常用：</a:t>
+                      </a:r>
+                      <a:r>
+                        <a:rPr lang="zh-CN" altLang="en-US" sz="1600" dirty="0">
+                          <a:solidFill>
+                            <a:srgbClr val="00B050"/>
+                          </a:solidFill>
+                        </a:rPr>
+                        <a:t>数据读取、清洗、转换、分组、聚合</a:t>
+                      </a:r>
+                      <a:r>
+                        <a:rPr lang="zh-CN" altLang="en-US" sz="1600" dirty="0"/>
+                        <a:t>。</a:t>
+                      </a:r>
+                      <a:endParaRPr lang="en-US" altLang="zh-CN" sz="1600" dirty="0"/>
+                    </a:p>
+                    <a:p>
+                      <a:pPr marL="285750" indent="-285750">
+                        <a:lnSpc>
+                          <a:spcPct val="150000"/>
+                        </a:lnSpc>
+                        <a:buFont typeface="Arial" panose="020B0604020202020204" pitchFamily="34" charset="0"/>
+                        <a:buChar char="•"/>
+                      </a:pPr>
+                      <a:endParaRPr lang="en-CN" sz="1600" dirty="0"/>
+                    </a:p>
+                  </a:txBody>
+                  <a:tcPr/>
+                </a:tc>
+                <a:extLst>
+                  <a:ext uri="{0D108BD9-81ED-4DB2-BD59-A6C34878D82A}">
+                    <a16:rowId xmlns:a16="http://schemas.microsoft.com/office/drawing/2014/main" val="197482587"/>
+                  </a:ext>
+                </a:extLst>
+              </a:tr>
+            </a:tbl>
+          </a:graphicData>
+        </a:graphic>
+      </p:graphicFrame>
+      <p:sp>
+        <p:nvSpPr>
+          <p:cNvPr id="8" name="TextBox 7">
+            <a:extLst>
+              <a:ext uri="{FF2B5EF4-FFF2-40B4-BE49-F238E27FC236}">
+                <a16:creationId xmlns:a16="http://schemas.microsoft.com/office/drawing/2014/main" id="{2D237A1B-C4AF-26BA-49A0-586661600BF4}"/>
+              </a:ext>
+            </a:extLst>
+          </p:cNvPr>
+          <p:cNvSpPr txBox="1"/>
+          <p:nvPr/>
+        </p:nvSpPr>
+        <p:spPr>
+          <a:xfrm>
+            <a:off x="838200" y="5698776"/>
+            <a:ext cx="7996420" cy="369332"/>
+          </a:xfrm>
+          <a:prstGeom prst="rect">
+            <a:avLst/>
+          </a:prstGeom>
+          <a:noFill/>
+        </p:spPr>
+        <p:txBody>
+          <a:bodyPr wrap="none" rtlCol="0">
+            <a:spAutoFit/>
+          </a:bodyPr>
+          <a:lstStyle/>
+          <a:p>
+            <a:r>
+              <a:rPr lang="en-CN" dirty="0">
+                <a:solidFill>
+                  <a:srgbClr val="C00000"/>
+                </a:solidFill>
+              </a:rPr>
+              <a:t>Numpy适合处理统一数值</a:t>
+            </a:r>
+            <a:r>
+              <a:rPr lang="zh-CN" altLang="en-US" dirty="0">
+                <a:solidFill>
+                  <a:srgbClr val="C00000"/>
+                </a:solidFill>
+              </a:rPr>
+              <a:t>、数组数据，</a:t>
+            </a:r>
+            <a:r>
+              <a:rPr lang="en-US" altLang="zh-CN" dirty="0">
+                <a:solidFill>
+                  <a:srgbClr val="C00000"/>
+                </a:solidFill>
+              </a:rPr>
+              <a:t>Pandas</a:t>
+            </a:r>
+            <a:r>
+              <a:rPr lang="zh-CN" altLang="en-US" dirty="0">
+                <a:solidFill>
+                  <a:srgbClr val="C00000"/>
+                </a:solidFill>
+              </a:rPr>
+              <a:t>则适合处理表格型、异构数据。</a:t>
+            </a:r>
+            <a:endParaRPr lang="en-CN" dirty="0">
+              <a:solidFill>
+                <a:srgbClr val="C00000"/>
+              </a:solidFill>
+            </a:endParaRPr>
+          </a:p>
+        </p:txBody>
+      </p:sp>
+    </p:spTree>
+    <p:extLst>
+      <p:ext uri="{BB962C8B-B14F-4D97-AF65-F5344CB8AC3E}">
+        <p14:creationId xmlns:p14="http://schemas.microsoft.com/office/powerpoint/2010/main" val="106353394"/>
+      </p:ext>
+    </p:extLst>
+  </p:cSld>
+  <p:clrMapOvr>
+    <a:masterClrMapping/>
+  </p:clrMapOvr>
+</p:sld>
+</file>
+
+<file path=ppt/slides/slide13.xml><?xml version="1.0" encoding="utf-8"?>
+<p:sld xmlns:a="http://schemas.openxmlformats.org/drawingml/2006/main" xmlns:r="http://schemas.openxmlformats.org/officeDocument/2006/relationships" xmlns:p="http://schemas.openxmlformats.org/presentationml/2006/main">
+  <p:cSld>
+    <p:spTree>
+      <p:nvGrpSpPr>
+        <p:cNvPr id="1" name=""/>
+        <p:cNvGrpSpPr/>
+        <p:nvPr/>
+      </p:nvGrpSpPr>
+      <p:grpSpPr>
+        <a:xfrm>
+          <a:off x="0" y="0"/>
+          <a:ext cx="0" cy="0"/>
+          <a:chOff x="0" y="0"/>
+          <a:chExt cx="0" cy="0"/>
+        </a:xfrm>
+      </p:grpSpPr>
+      <p:sp>
+        <p:nvSpPr>
+          <p:cNvPr id="6" name="Title 5"/>
+          <p:cNvSpPr>
+            <a:spLocks noGrp="1"/>
+          </p:cNvSpPr>
+          <p:nvPr>
+            <p:ph type="title"/>
+          </p:nvPr>
+        </p:nvSpPr>
+        <p:spPr>
+          <a:xfrm>
+            <a:off x="838200" y="193964"/>
+            <a:ext cx="10515600" cy="1153574"/>
+          </a:xfrm>
+        </p:spPr>
+        <p:txBody>
+          <a:bodyPr>
+            <a:normAutofit/>
+          </a:bodyPr>
+          <a:lstStyle/>
+          <a:p>
+            <a:pPr>
+              <a:lnSpc>
+                <a:spcPct val="150000"/>
+              </a:lnSpc>
+            </a:pPr>
+            <a:r>
+              <a:rPr lang="en-US" altLang="zh-CN" sz="2400" b="1" dirty="0" err="1">
+                <a:latin typeface="Microsoft YaHei" panose="020B0503020204020204" pitchFamily="34" charset="-122"/>
+                <a:ea typeface="Microsoft YaHei" panose="020B0503020204020204" pitchFamily="34" charset="-122"/>
+              </a:rPr>
+              <a:t>DataFrame</a:t>
+            </a:r>
+            <a:br>
+              <a:rPr lang="en-US" altLang="zh-CN" sz="1800" dirty="0">
+                <a:solidFill>
+                  <a:schemeClr val="bg1">
+                    <a:lumMod val="50000"/>
+                  </a:schemeClr>
+                </a:solidFill>
+              </a:rPr>
+            </a:br>
+            <a:r>
+              <a:rPr lang="en-CN" altLang="zh-CN" sz="1800" dirty="0">
+                <a:solidFill>
+                  <a:srgbClr val="0070C0"/>
+                </a:solidFill>
+                <a:latin typeface="Pristina" panose="020F0502020204030204" pitchFamily="34" charset="0"/>
+              </a:rPr>
+              <a:t>ndarray</a:t>
+            </a:r>
+            <a:r>
+              <a:rPr lang="zh-CN" altLang="en-US" sz="1800" dirty="0">
+                <a:solidFill>
+                  <a:srgbClr val="0070C0"/>
+                </a:solidFill>
+                <a:latin typeface="Pristina" panose="020F0502020204030204" pitchFamily="34" charset="0"/>
+              </a:rPr>
+              <a:t> </a:t>
+            </a:r>
+            <a:r>
+              <a:rPr lang="en-US" altLang="zh-CN" sz="1800" dirty="0">
+                <a:solidFill>
+                  <a:srgbClr val="0070C0"/>
+                </a:solidFill>
+                <a:latin typeface="Pristina" panose="020F0502020204030204" pitchFamily="34" charset="0"/>
+              </a:rPr>
+              <a:t>Data</a:t>
+            </a:r>
+            <a:r>
+              <a:rPr lang="zh-CN" altLang="en-US" sz="1800" dirty="0">
+                <a:solidFill>
+                  <a:srgbClr val="0070C0"/>
+                </a:solidFill>
+                <a:latin typeface="Pristina" panose="020F0502020204030204" pitchFamily="34" charset="0"/>
+              </a:rPr>
+              <a:t> </a:t>
+            </a:r>
+            <a:r>
+              <a:rPr lang="en-US" altLang="zh-CN" sz="1800" dirty="0">
+                <a:solidFill>
+                  <a:srgbClr val="0070C0"/>
+                </a:solidFill>
+                <a:latin typeface="Pristina" panose="020F0502020204030204" pitchFamily="34" charset="0"/>
+              </a:rPr>
+              <a:t>Structure</a:t>
+            </a:r>
+            <a:endParaRPr lang="en-US" sz="1800" dirty="0">
+              <a:solidFill>
+                <a:srgbClr val="0070C0"/>
+              </a:solidFill>
+              <a:latin typeface="Pristina" panose="020F0502020204030204" pitchFamily="34" charset="0"/>
+              <a:cs typeface="Pristina" panose="020F0502020204030204" pitchFamily="34" charset="0"/>
+            </a:endParaRPr>
+          </a:p>
+        </p:txBody>
+      </p:sp>
+      <p:sp>
+        <p:nvSpPr>
+          <p:cNvPr id="7" name="Content Placeholder 6"/>
+          <p:cNvSpPr>
+            <a:spLocks noGrp="1"/>
+          </p:cNvSpPr>
+          <p:nvPr>
+            <p:ph idx="1"/>
+          </p:nvPr>
+        </p:nvSpPr>
+        <p:spPr>
+          <a:xfrm>
+            <a:off x="838200" y="1472665"/>
+            <a:ext cx="10515600" cy="4704298"/>
+          </a:xfrm>
+        </p:spPr>
+        <p:txBody>
+          <a:bodyPr>
+            <a:normAutofit lnSpcReduction="10000"/>
+          </a:bodyPr>
+          <a:lstStyle/>
+          <a:p>
+            <a:pPr marL="0" indent="0">
+              <a:lnSpc>
+                <a:spcPct val="150000"/>
+              </a:lnSpc>
+              <a:buNone/>
+            </a:pPr>
+            <a:r>
+              <a:rPr lang="en-US" altLang="zh-CN" sz="2000" dirty="0" err="1">
+                <a:solidFill>
+                  <a:schemeClr val="bg2">
+                    <a:lumMod val="25000"/>
+                  </a:schemeClr>
+                </a:solidFill>
+              </a:rPr>
+              <a:t>ndarray</a:t>
+            </a:r>
+            <a:r>
+              <a:rPr lang="zh-CN" altLang="en-US" sz="2000" dirty="0">
+                <a:solidFill>
+                  <a:schemeClr val="bg2">
+                    <a:lumMod val="25000"/>
+                  </a:schemeClr>
+                </a:solidFill>
+              </a:rPr>
+              <a:t>对象</a:t>
+            </a:r>
+            <a:endParaRPr lang="en-US" altLang="zh-CN" sz="2000" dirty="0">
+              <a:solidFill>
+                <a:schemeClr val="bg2">
+                  <a:lumMod val="25000"/>
+                </a:schemeClr>
+              </a:solidFill>
+            </a:endParaRPr>
+          </a:p>
+          <a:p>
+            <a:pPr marL="0" indent="0">
+              <a:lnSpc>
+                <a:spcPct val="150000"/>
+              </a:lnSpc>
+              <a:buNone/>
+            </a:pPr>
+            <a:r>
+              <a:rPr lang="en-US" altLang="zh-CN" sz="1800" dirty="0">
+                <a:solidFill>
+                  <a:schemeClr val="bg2">
+                    <a:lumMod val="25000"/>
+                  </a:schemeClr>
+                </a:solidFill>
+              </a:rPr>
+              <a:t>NumPy</a:t>
+            </a:r>
+            <a:r>
+              <a:rPr lang="zh-CN" altLang="en-US" sz="1800" dirty="0">
+                <a:solidFill>
+                  <a:schemeClr val="bg2">
+                    <a:lumMod val="25000"/>
+                  </a:schemeClr>
+                </a:solidFill>
+              </a:rPr>
+              <a:t>中的 </a:t>
+            </a:r>
+            <a:r>
+              <a:rPr lang="en-US" altLang="zh-CN" sz="1800" dirty="0" err="1">
+                <a:solidFill>
+                  <a:schemeClr val="bg2">
+                    <a:lumMod val="25000"/>
+                  </a:schemeClr>
+                </a:solidFill>
+              </a:rPr>
+              <a:t>ndarray</a:t>
+            </a:r>
+            <a:r>
+              <a:rPr lang="zh-CN" altLang="en-US" sz="1800" dirty="0">
+                <a:solidFill>
+                  <a:schemeClr val="bg2">
+                    <a:lumMod val="25000"/>
+                  </a:schemeClr>
+                </a:solidFill>
+              </a:rPr>
+              <a:t> 和数组不同，它不仅包含数据信息、还包含描述信息（元数据），从使用上可以表示“多维数组”，</a:t>
+            </a:r>
+            <a:r>
+              <a:rPr lang="en-US" altLang="zh-CN" sz="1800" dirty="0" err="1">
+                <a:solidFill>
+                  <a:schemeClr val="bg2">
+                    <a:lumMod val="25000"/>
+                  </a:schemeClr>
+                </a:solidFill>
+              </a:rPr>
+              <a:t>nd</a:t>
+            </a:r>
+            <a:r>
+              <a:rPr lang="zh-CN" altLang="en-US" sz="1800" dirty="0">
+                <a:solidFill>
+                  <a:schemeClr val="bg2">
+                    <a:lumMod val="25000"/>
+                  </a:schemeClr>
+                </a:solidFill>
+              </a:rPr>
+              <a:t> </a:t>
+            </a:r>
+            <a:r>
+              <a:rPr lang="en-US" altLang="zh-CN" sz="1800" dirty="0">
+                <a:solidFill>
+                  <a:schemeClr val="bg2">
+                    <a:lumMod val="25000"/>
+                  </a:schemeClr>
+                </a:solidFill>
+              </a:rPr>
+              <a:t>=</a:t>
+            </a:r>
+            <a:r>
+              <a:rPr lang="zh-CN" altLang="en-US" sz="1800" dirty="0">
+                <a:solidFill>
+                  <a:schemeClr val="bg2">
+                    <a:lumMod val="25000"/>
+                  </a:schemeClr>
+                </a:solidFill>
+              </a:rPr>
+              <a:t> </a:t>
+            </a:r>
+            <a:r>
+              <a:rPr lang="en-US" altLang="zh-CN" sz="1800" dirty="0">
+                <a:solidFill>
+                  <a:schemeClr val="accent2"/>
+                </a:solidFill>
+              </a:rPr>
+              <a:t>N</a:t>
+            </a:r>
+            <a:r>
+              <a:rPr lang="zh-CN" altLang="en-US" sz="1800" dirty="0">
+                <a:solidFill>
+                  <a:schemeClr val="bg2">
+                    <a:lumMod val="25000"/>
+                  </a:schemeClr>
+                </a:solidFill>
+              </a:rPr>
+              <a:t> </a:t>
+            </a:r>
+            <a:r>
+              <a:rPr lang="en-US" altLang="zh-CN" sz="1800" dirty="0">
+                <a:solidFill>
+                  <a:schemeClr val="accent2"/>
+                </a:solidFill>
+              </a:rPr>
+              <a:t>Dimension</a:t>
+            </a:r>
+            <a:r>
+              <a:rPr lang="zh-CN" altLang="en-US" sz="1800" dirty="0">
+                <a:solidFill>
+                  <a:schemeClr val="bg2">
+                    <a:lumMod val="25000"/>
+                  </a:schemeClr>
+                </a:solidFill>
+              </a:rPr>
+              <a:t>。它的内部包括以下内容：</a:t>
+            </a:r>
+            <a:endParaRPr lang="en-US" altLang="zh-CN" sz="1800" dirty="0">
+              <a:solidFill>
+                <a:schemeClr val="bg2">
+                  <a:lumMod val="25000"/>
+                </a:schemeClr>
+              </a:solidFill>
+            </a:endParaRPr>
+          </a:p>
+          <a:p>
+            <a:pPr>
+              <a:lnSpc>
+                <a:spcPct val="150000"/>
+              </a:lnSpc>
+            </a:pPr>
+            <a:r>
+              <a:rPr lang="zh-CN" altLang="en-US" sz="1800" dirty="0">
+                <a:solidFill>
+                  <a:schemeClr val="bg2">
+                    <a:lumMod val="25000"/>
+                  </a:schemeClr>
+                </a:solidFill>
+              </a:rPr>
+              <a:t>数据指针</a:t>
+            </a:r>
+            <a:endParaRPr lang="en-US" altLang="zh-CN" sz="1800" dirty="0">
+              <a:solidFill>
+                <a:schemeClr val="bg2">
+                  <a:lumMod val="25000"/>
+                </a:schemeClr>
+              </a:solidFill>
+            </a:endParaRPr>
+          </a:p>
+          <a:p>
+            <a:pPr>
+              <a:lnSpc>
+                <a:spcPct val="150000"/>
+              </a:lnSpc>
+            </a:pPr>
+            <a:r>
+              <a:rPr lang="zh-CN" altLang="en-US" sz="1800" dirty="0">
+                <a:solidFill>
+                  <a:schemeClr val="bg2">
+                    <a:lumMod val="25000"/>
+                  </a:schemeClr>
+                </a:solidFill>
+              </a:rPr>
+              <a:t>数据类型（</a:t>
+            </a:r>
+            <a:r>
+              <a:rPr lang="en-US" altLang="zh-CN" sz="1800" dirty="0" err="1">
+                <a:solidFill>
+                  <a:schemeClr val="bg2">
+                    <a:lumMod val="25000"/>
+                  </a:schemeClr>
+                </a:solidFill>
+              </a:rPr>
+              <a:t>dtype</a:t>
+            </a:r>
+            <a:r>
+              <a:rPr lang="zh-CN" altLang="en-US" sz="1800" dirty="0">
+                <a:solidFill>
+                  <a:schemeClr val="bg2">
+                    <a:lumMod val="25000"/>
+                  </a:schemeClr>
+                </a:solidFill>
+              </a:rPr>
+              <a:t>）</a:t>
+            </a:r>
+            <a:endParaRPr lang="en-US" altLang="zh-CN" sz="1800" dirty="0">
+              <a:solidFill>
+                <a:schemeClr val="bg2">
+                  <a:lumMod val="25000"/>
+                </a:schemeClr>
+              </a:solidFill>
+            </a:endParaRPr>
+          </a:p>
+          <a:p>
+            <a:pPr>
+              <a:lnSpc>
+                <a:spcPct val="150000"/>
+              </a:lnSpc>
+            </a:pPr>
+            <a:r>
+              <a:rPr lang="zh-CN" altLang="en-US" sz="1800" dirty="0">
+                <a:solidFill>
+                  <a:schemeClr val="bg2">
+                    <a:lumMod val="25000"/>
+                  </a:schemeClr>
+                </a:solidFill>
+              </a:rPr>
+              <a:t>维度（</a:t>
+            </a:r>
+            <a:r>
+              <a:rPr lang="en-US" altLang="zh-CN" sz="1800" dirty="0">
+                <a:solidFill>
+                  <a:schemeClr val="bg2">
+                    <a:lumMod val="25000"/>
+                  </a:schemeClr>
+                </a:solidFill>
+              </a:rPr>
+              <a:t>shape</a:t>
+            </a:r>
+            <a:r>
+              <a:rPr lang="zh-CN" altLang="en-US" sz="1800" dirty="0">
+                <a:solidFill>
+                  <a:schemeClr val="bg2">
+                    <a:lumMod val="25000"/>
+                  </a:schemeClr>
+                </a:solidFill>
+              </a:rPr>
+              <a:t>）</a:t>
+            </a:r>
+            <a:endParaRPr lang="en-US" altLang="zh-CN" sz="1800" dirty="0">
+              <a:solidFill>
+                <a:schemeClr val="bg2">
+                  <a:lumMod val="25000"/>
+                </a:schemeClr>
+              </a:solidFill>
+            </a:endParaRPr>
+          </a:p>
+          <a:p>
+            <a:pPr>
+              <a:lnSpc>
+                <a:spcPct val="150000"/>
+              </a:lnSpc>
+            </a:pPr>
+            <a:r>
+              <a:rPr lang="zh-CN" altLang="en-US" sz="1800" dirty="0">
+                <a:solidFill>
+                  <a:schemeClr val="bg2">
+                    <a:lumMod val="25000"/>
+                  </a:schemeClr>
+                </a:solidFill>
+              </a:rPr>
+              <a:t>跨度（</a:t>
+            </a:r>
+            <a:r>
+              <a:rPr lang="en-US" altLang="zh-CN" sz="1800" dirty="0">
+                <a:solidFill>
+                  <a:schemeClr val="bg2">
+                    <a:lumMod val="25000"/>
+                  </a:schemeClr>
+                </a:solidFill>
+              </a:rPr>
+              <a:t>strides</a:t>
+            </a:r>
+            <a:r>
+              <a:rPr lang="zh-CN" altLang="en-US" sz="1800" dirty="0">
+                <a:solidFill>
+                  <a:schemeClr val="bg2">
+                    <a:lumMod val="25000"/>
+                  </a:schemeClr>
+                </a:solidFill>
+              </a:rPr>
+              <a:t>）</a:t>
+            </a:r>
+            <a:endParaRPr lang="en-US" altLang="zh-CN" sz="1800" dirty="0">
+              <a:solidFill>
+                <a:schemeClr val="bg2">
+                  <a:lumMod val="25000"/>
+                </a:schemeClr>
+              </a:solidFill>
+            </a:endParaRPr>
+          </a:p>
+          <a:p>
+            <a:pPr marL="0" indent="0">
+              <a:lnSpc>
+                <a:spcPct val="150000"/>
+              </a:lnSpc>
+              <a:buNone/>
+            </a:pPr>
+            <a:r>
+              <a:rPr lang="zh-CN" altLang="en-US" sz="1800" dirty="0">
+                <a:solidFill>
+                  <a:srgbClr val="C00000"/>
+                </a:solidFill>
+              </a:rPr>
+              <a:t>数据实际存储在均匀连续的内存块中，</a:t>
+            </a:r>
+            <a:endParaRPr lang="en-US" altLang="zh-CN" sz="1800" dirty="0">
+              <a:solidFill>
+                <a:srgbClr val="C00000"/>
+              </a:solidFill>
+            </a:endParaRPr>
+          </a:p>
+          <a:p>
+            <a:pPr marL="0" indent="0">
+              <a:lnSpc>
+                <a:spcPct val="150000"/>
+              </a:lnSpc>
+              <a:buNone/>
+            </a:pPr>
+            <a:r>
+              <a:rPr lang="zh-CN" altLang="en-US" sz="1800" dirty="0">
+                <a:solidFill>
+                  <a:srgbClr val="C00000"/>
+                </a:solidFill>
+              </a:rPr>
+              <a:t>以一维数组的方式存储。</a:t>
+            </a:r>
+            <a:endParaRPr lang="en-US" altLang="zh-CN" sz="1800" dirty="0">
+              <a:solidFill>
+                <a:srgbClr val="C00000"/>
+              </a:solidFill>
+            </a:endParaRPr>
+          </a:p>
+          <a:p>
+            <a:pPr marL="0" indent="0">
+              <a:lnSpc>
+                <a:spcPct val="150000"/>
+              </a:lnSpc>
+              <a:buNone/>
+            </a:pPr>
+            <a:endParaRPr lang="en-US" altLang="zh-CN" sz="2000" dirty="0">
+              <a:solidFill>
+                <a:schemeClr val="bg2">
+                  <a:lumMod val="25000"/>
+                </a:schemeClr>
+              </a:solidFill>
+            </a:endParaRPr>
+          </a:p>
+        </p:txBody>
+      </p:sp>
+      <p:pic>
+        <p:nvPicPr>
+          <p:cNvPr id="1026" name="Picture 2" descr="Fig. 1">
+            <a:extLst>
+              <a:ext uri="{FF2B5EF4-FFF2-40B4-BE49-F238E27FC236}">
+                <a16:creationId xmlns:a16="http://schemas.microsoft.com/office/drawing/2014/main" id="{16DBF821-9FC0-55C7-6A91-314A3F5E3CF1}"/>
+              </a:ext>
+            </a:extLst>
+          </p:cNvPr>
+          <p:cNvPicPr>
+            <a:picLocks noChangeAspect="1" noChangeArrowheads="1"/>
+          </p:cNvPicPr>
+          <p:nvPr/>
+        </p:nvPicPr>
+        <p:blipFill>
+          <a:blip r:embed="rId3">
+            <a:extLst>
+              <a:ext uri="{28A0092B-C50C-407E-A947-70E740481C1C}">
+                <a14:useLocalDpi xmlns:a14="http://schemas.microsoft.com/office/drawing/2010/main" val="0"/>
+              </a:ext>
+            </a:extLst>
+          </a:blip>
+          <a:srcRect/>
+          <a:stretch>
+            <a:fillRect/>
+          </a:stretch>
+        </p:blipFill>
+        <p:spPr bwMode="auto">
+          <a:xfrm>
+            <a:off x="5021148" y="3146095"/>
+            <a:ext cx="6332652" cy="2897518"/>
+          </a:xfrm>
+          <a:prstGeom prst="rect">
+            <a:avLst/>
+          </a:prstGeom>
+          <a:noFill/>
+          <a:extLst>
+            <a:ext uri="{909E8E84-426E-40DD-AFC4-6F175D3DCCD1}">
+              <a14:hiddenFill xmlns:a14="http://schemas.microsoft.com/office/drawing/2010/main">
+                <a:solidFill>
+                  <a:srgbClr val="FFFFFF"/>
+                </a:solidFill>
+              </a14:hiddenFill>
+            </a:ext>
+          </a:extLst>
+        </p:spPr>
+      </p:pic>
+      <p:sp>
+        <p:nvSpPr>
+          <p:cNvPr id="2" name="TextBox 1">
+            <a:extLst>
+              <a:ext uri="{FF2B5EF4-FFF2-40B4-BE49-F238E27FC236}">
+                <a16:creationId xmlns:a16="http://schemas.microsoft.com/office/drawing/2014/main" id="{3D8BE1C1-51FF-E4AD-BC7B-8706AD4861DD}"/>
+              </a:ext>
+            </a:extLst>
+          </p:cNvPr>
+          <p:cNvSpPr txBox="1"/>
+          <p:nvPr/>
+        </p:nvSpPr>
+        <p:spPr>
+          <a:xfrm>
+            <a:off x="5021148" y="6148201"/>
+            <a:ext cx="4628062" cy="307777"/>
+          </a:xfrm>
+          <a:prstGeom prst="rect">
+            <a:avLst/>
+          </a:prstGeom>
+          <a:noFill/>
+        </p:spPr>
+        <p:txBody>
+          <a:bodyPr wrap="none" rtlCol="0">
+            <a:spAutoFit/>
+          </a:bodyPr>
+          <a:lstStyle/>
+          <a:p>
+            <a:r>
+              <a:rPr lang="en-US" sz="1400" dirty="0" err="1"/>
+              <a:t>图源</a:t>
+            </a:r>
+            <a:r>
+              <a:rPr lang="zh-CN" altLang="en-US" sz="1400" dirty="0"/>
+              <a:t>：</a:t>
+            </a:r>
+            <a:r>
+              <a:rPr lang="en-US" altLang="zh-CN" sz="1400" dirty="0">
+                <a:hlinkClick r:id="rId4"/>
+              </a:rPr>
+              <a:t>https://www.nature.com/articles/s41586-020-2649-2</a:t>
+            </a:r>
+            <a:r>
+              <a:rPr lang="zh-CN" altLang="en-US" sz="1400" dirty="0"/>
+              <a:t> </a:t>
+            </a:r>
+            <a:endParaRPr lang="en-CN" sz="1400" dirty="0"/>
+          </a:p>
+        </p:txBody>
+      </p:sp>
+    </p:spTree>
+    <p:extLst>
+      <p:ext uri="{BB962C8B-B14F-4D97-AF65-F5344CB8AC3E}">
+        <p14:creationId xmlns:p14="http://schemas.microsoft.com/office/powerpoint/2010/main" val="3431119291"/>
+      </p:ext>
+    </p:extLst>
+  </p:cSld>
+  <p:clrMapOvr>
+    <a:masterClrMapping/>
+  </p:clrMapOvr>
+</p:sld>
+</file>
+
+<file path=ppt/slides/slide14.xml><?xml version="1.0" encoding="utf-8"?>
+<p:sld xmlns:a="http://schemas.openxmlformats.org/drawingml/2006/main" xmlns:r="http://schemas.openxmlformats.org/officeDocument/2006/relationships" xmlns:p="http://schemas.openxmlformats.org/presentationml/2006/main">
+  <p:cSld>
+    <p:spTree>
+      <p:nvGrpSpPr>
+        <p:cNvPr id="1" name=""/>
+        <p:cNvGrpSpPr/>
+        <p:nvPr/>
+      </p:nvGrpSpPr>
+      <p:grpSpPr>
+        <a:xfrm>
+          <a:off x="0" y="0"/>
+          <a:ext cx="0" cy="0"/>
+          <a:chOff x="0" y="0"/>
+          <a:chExt cx="0" cy="0"/>
+        </a:xfrm>
+      </p:grpSpPr>
+      <p:sp>
+        <p:nvSpPr>
+          <p:cNvPr id="6" name="Title 5"/>
+          <p:cNvSpPr>
+            <a:spLocks noGrp="1"/>
+          </p:cNvSpPr>
+          <p:nvPr>
+            <p:ph type="title"/>
+          </p:nvPr>
+        </p:nvSpPr>
+        <p:spPr>
+          <a:xfrm>
+            <a:off x="838200" y="193964"/>
+            <a:ext cx="10515600" cy="1153574"/>
+          </a:xfrm>
+        </p:spPr>
+        <p:txBody>
+          <a:bodyPr>
+            <a:normAutofit/>
+          </a:bodyPr>
+          <a:lstStyle/>
+          <a:p>
+            <a:pPr>
+              <a:lnSpc>
+                <a:spcPct val="150000"/>
+              </a:lnSpc>
+            </a:pPr>
+            <a:r>
+              <a:rPr lang="en-US" altLang="zh-CN" sz="2400" b="1" dirty="0" err="1">
+                <a:latin typeface="Microsoft YaHei" panose="020B0503020204020204" pitchFamily="34" charset="-122"/>
+                <a:ea typeface="Microsoft YaHei" panose="020B0503020204020204" pitchFamily="34" charset="-122"/>
+              </a:rPr>
+              <a:t>DataFrame</a:t>
+            </a:r>
+            <a:br>
+              <a:rPr lang="en-US" altLang="zh-CN" sz="1800" dirty="0">
+                <a:solidFill>
+                  <a:schemeClr val="bg1">
+                    <a:lumMod val="50000"/>
+                  </a:schemeClr>
+                </a:solidFill>
+              </a:rPr>
+            </a:br>
+            <a:r>
+              <a:rPr lang="en-CN" altLang="zh-CN" sz="1800" dirty="0">
+                <a:solidFill>
+                  <a:srgbClr val="0070C0"/>
+                </a:solidFill>
+                <a:latin typeface="Pristina" panose="020F0502020204030204" pitchFamily="34" charset="0"/>
+              </a:rPr>
+              <a:t>ndarray</a:t>
+            </a:r>
+            <a:r>
+              <a:rPr lang="zh-CN" altLang="en-US" sz="1800" dirty="0">
+                <a:solidFill>
+                  <a:srgbClr val="0070C0"/>
+                </a:solidFill>
+                <a:latin typeface="Pristina" panose="020F0502020204030204" pitchFamily="34" charset="0"/>
+              </a:rPr>
+              <a:t> </a:t>
+            </a:r>
+            <a:r>
+              <a:rPr lang="en-US" altLang="zh-CN" sz="1800" dirty="0">
+                <a:solidFill>
+                  <a:srgbClr val="0070C0"/>
+                </a:solidFill>
+                <a:latin typeface="Pristina" panose="020F0502020204030204" pitchFamily="34" charset="0"/>
+              </a:rPr>
+              <a:t>Operation</a:t>
+            </a:r>
+            <a:endParaRPr lang="en-US" sz="1800" dirty="0">
+              <a:solidFill>
+                <a:srgbClr val="0070C0"/>
+              </a:solidFill>
+              <a:latin typeface="Pristina" panose="020F0502020204030204" pitchFamily="34" charset="0"/>
+              <a:cs typeface="Pristina" panose="020F0502020204030204" pitchFamily="34" charset="0"/>
+            </a:endParaRPr>
+          </a:p>
+        </p:txBody>
+      </p:sp>
+      <p:sp>
+        <p:nvSpPr>
+          <p:cNvPr id="7" name="Content Placeholder 6"/>
+          <p:cNvSpPr>
+            <a:spLocks noGrp="1"/>
+          </p:cNvSpPr>
+          <p:nvPr>
+            <p:ph idx="1"/>
+          </p:nvPr>
+        </p:nvSpPr>
+        <p:spPr>
+          <a:xfrm>
+            <a:off x="838200" y="1472665"/>
+            <a:ext cx="10515600" cy="4704298"/>
+          </a:xfrm>
+        </p:spPr>
+        <p:txBody>
+          <a:bodyPr>
+            <a:normAutofit/>
+          </a:bodyPr>
+          <a:lstStyle/>
+          <a:p>
+            <a:pPr marL="0" indent="0">
+              <a:lnSpc>
+                <a:spcPct val="150000"/>
+              </a:lnSpc>
+              <a:buNone/>
+            </a:pPr>
+            <a:r>
+              <a:rPr lang="en-US" altLang="zh-CN" sz="2000" dirty="0" err="1">
+                <a:solidFill>
+                  <a:schemeClr val="bg2">
+                    <a:lumMod val="25000"/>
+                  </a:schemeClr>
+                </a:solidFill>
+              </a:rPr>
+              <a:t>ndarray</a:t>
+            </a:r>
+            <a:r>
+              <a:rPr lang="zh-CN" altLang="en-US" sz="2000" dirty="0">
+                <a:solidFill>
+                  <a:schemeClr val="bg2">
+                    <a:lumMod val="25000"/>
+                  </a:schemeClr>
+                </a:solidFill>
+              </a:rPr>
+              <a:t>操作</a:t>
+            </a:r>
+            <a:endParaRPr lang="en-US" altLang="zh-CN" sz="2000" dirty="0">
+              <a:solidFill>
+                <a:schemeClr val="bg2">
+                  <a:lumMod val="25000"/>
+                </a:schemeClr>
+              </a:solidFill>
+            </a:endParaRPr>
+          </a:p>
+          <a:p>
+            <a:pPr marL="0" indent="0">
+              <a:lnSpc>
+                <a:spcPct val="150000"/>
+              </a:lnSpc>
+              <a:buNone/>
+            </a:pPr>
+            <a:r>
+              <a:rPr lang="zh-CN" altLang="en-US" sz="1800" dirty="0">
+                <a:solidFill>
+                  <a:srgbClr val="C00000"/>
+                </a:solidFill>
+              </a:rPr>
+              <a:t>缺点：只能存储一种数据类型的数据，通用性比较差。</a:t>
+            </a:r>
+            <a:endParaRPr lang="en-US" altLang="zh-CN" sz="1800" dirty="0">
+              <a:solidFill>
+                <a:srgbClr val="C00000"/>
+              </a:solidFill>
+            </a:endParaRPr>
+          </a:p>
+          <a:p>
+            <a:pPr marL="0" indent="0">
+              <a:lnSpc>
+                <a:spcPct val="150000"/>
+              </a:lnSpc>
+              <a:buNone/>
+            </a:pPr>
+            <a:r>
+              <a:rPr lang="zh-CN" altLang="en-US" sz="1800" dirty="0">
+                <a:solidFill>
+                  <a:schemeClr val="bg2">
+                    <a:lumMod val="25000"/>
+                  </a:schemeClr>
+                </a:solidFill>
+              </a:rPr>
+              <a:t>考试常用的 </a:t>
+            </a:r>
+            <a:r>
+              <a:rPr lang="en-US" altLang="zh-CN" sz="1800" dirty="0" err="1">
+                <a:solidFill>
+                  <a:schemeClr val="bg2">
+                    <a:lumMod val="25000"/>
+                  </a:schemeClr>
+                </a:solidFill>
+              </a:rPr>
+              <a:t>ndarray</a:t>
+            </a:r>
+            <a:r>
+              <a:rPr lang="zh-CN" altLang="en-US" sz="1800" dirty="0">
+                <a:solidFill>
+                  <a:schemeClr val="bg2">
+                    <a:lumMod val="25000"/>
+                  </a:schemeClr>
+                </a:solidFill>
+              </a:rPr>
+              <a:t> 操作：</a:t>
+            </a:r>
+            <a:endParaRPr lang="en-US" altLang="zh-CN" sz="1800" dirty="0">
+              <a:solidFill>
+                <a:schemeClr val="bg2">
+                  <a:lumMod val="25000"/>
+                </a:schemeClr>
+              </a:solidFill>
+            </a:endParaRPr>
+          </a:p>
+          <a:p>
+            <a:pPr>
+              <a:lnSpc>
+                <a:spcPct val="150000"/>
+              </a:lnSpc>
+            </a:pPr>
+            <a:r>
+              <a:rPr lang="en-US" altLang="zh-CN" sz="1800" dirty="0" err="1">
+                <a:solidFill>
+                  <a:srgbClr val="0070C0"/>
+                </a:solidFill>
+              </a:rPr>
+              <a:t>ndarray</a:t>
+            </a:r>
+            <a:r>
+              <a:rPr lang="en-US" altLang="zh-CN" sz="1800" dirty="0" err="1">
+                <a:solidFill>
+                  <a:schemeClr val="bg2">
+                    <a:lumMod val="25000"/>
+                  </a:schemeClr>
+                </a:solidFill>
+              </a:rPr>
+              <a:t>.reshape</a:t>
+            </a:r>
+            <a:r>
+              <a:rPr lang="en-US" altLang="zh-CN" sz="1800" dirty="0">
+                <a:solidFill>
+                  <a:schemeClr val="bg2">
+                    <a:lumMod val="25000"/>
+                  </a:schemeClr>
+                </a:solidFill>
+              </a:rPr>
+              <a:t>(...)</a:t>
+            </a:r>
+            <a:r>
+              <a:rPr lang="zh-CN" altLang="en-US" sz="1800" dirty="0">
+                <a:solidFill>
+                  <a:schemeClr val="bg2">
+                    <a:lumMod val="25000"/>
+                  </a:schemeClr>
+                </a:solidFill>
+              </a:rPr>
+              <a:t>：不改变数组元素，返回一个具有指定形状 </a:t>
+            </a:r>
+            <a:r>
+              <a:rPr lang="en-US" altLang="zh-CN" sz="1800" dirty="0">
+                <a:solidFill>
+                  <a:schemeClr val="bg2">
+                    <a:lumMod val="25000"/>
+                  </a:schemeClr>
+                </a:solidFill>
+              </a:rPr>
+              <a:t>shape</a:t>
+            </a:r>
+            <a:r>
+              <a:rPr lang="zh-CN" altLang="en-US" sz="1800" dirty="0">
+                <a:solidFill>
+                  <a:schemeClr val="bg2">
+                    <a:lumMod val="25000"/>
+                  </a:schemeClr>
+                </a:solidFill>
+              </a:rPr>
+              <a:t> 的新数组。</a:t>
+            </a:r>
+            <a:endParaRPr lang="en-US" altLang="zh-CN" sz="1800" dirty="0">
+              <a:solidFill>
+                <a:schemeClr val="bg2">
+                  <a:lumMod val="25000"/>
+                </a:schemeClr>
+              </a:solidFill>
+            </a:endParaRPr>
+          </a:p>
+          <a:p>
+            <a:pPr>
+              <a:lnSpc>
+                <a:spcPct val="150000"/>
+              </a:lnSpc>
+            </a:pPr>
+            <a:r>
+              <a:rPr lang="en-US" altLang="zh-CN" sz="1800" dirty="0" err="1">
+                <a:solidFill>
+                  <a:srgbClr val="0070C0"/>
+                </a:solidFill>
+              </a:rPr>
+              <a:t>numpy</a:t>
+            </a:r>
+            <a:r>
+              <a:rPr lang="en-US" altLang="zh-CN" sz="1800" dirty="0" err="1">
+                <a:solidFill>
+                  <a:schemeClr val="bg2">
+                    <a:lumMod val="25000"/>
+                  </a:schemeClr>
+                </a:solidFill>
+              </a:rPr>
+              <a:t>.vstack</a:t>
+            </a:r>
+            <a:r>
+              <a:rPr lang="en-US" altLang="zh-CN" sz="1800" dirty="0">
+                <a:solidFill>
+                  <a:schemeClr val="bg2">
+                    <a:lumMod val="25000"/>
+                  </a:schemeClr>
+                </a:solidFill>
+              </a:rPr>
+              <a:t>(...)</a:t>
+            </a:r>
+            <a:r>
+              <a:rPr lang="zh-CN" altLang="en-US" sz="1800" dirty="0">
+                <a:solidFill>
+                  <a:schemeClr val="bg2">
+                    <a:lumMod val="25000"/>
+                  </a:schemeClr>
+                </a:solidFill>
+              </a:rPr>
+              <a:t>：垂直方向（行顺序）堆叠数组，将多个数组按行连成新数组（维度一致）。</a:t>
+            </a:r>
+            <a:endParaRPr lang="en-US" altLang="zh-CN" sz="1800" dirty="0">
+              <a:solidFill>
+                <a:schemeClr val="bg2">
+                  <a:lumMod val="25000"/>
+                </a:schemeClr>
+              </a:solidFill>
+            </a:endParaRPr>
+          </a:p>
+          <a:p>
+            <a:pPr>
+              <a:lnSpc>
+                <a:spcPct val="150000"/>
+              </a:lnSpc>
+            </a:pPr>
+            <a:r>
+              <a:rPr lang="en-US" altLang="zh-CN" sz="1800" dirty="0" err="1">
+                <a:solidFill>
+                  <a:srgbClr val="0070C0"/>
+                </a:solidFill>
+              </a:rPr>
+              <a:t>numpy</a:t>
+            </a:r>
+            <a:r>
+              <a:rPr lang="en-US" altLang="zh-CN" sz="1800" dirty="0" err="1">
+                <a:solidFill>
+                  <a:schemeClr val="bg2">
+                    <a:lumMod val="25000"/>
+                  </a:schemeClr>
+                </a:solidFill>
+              </a:rPr>
+              <a:t>.hstack</a:t>
+            </a:r>
+            <a:r>
+              <a:rPr lang="en-US" altLang="zh-CN" sz="1800" dirty="0">
+                <a:solidFill>
+                  <a:schemeClr val="bg2">
+                    <a:lumMod val="25000"/>
+                  </a:schemeClr>
+                </a:solidFill>
+              </a:rPr>
+              <a:t>(...)</a:t>
+            </a:r>
+            <a:r>
+              <a:rPr lang="zh-CN" altLang="en-US" sz="1800" dirty="0">
+                <a:solidFill>
+                  <a:schemeClr val="bg2">
+                    <a:lumMod val="25000"/>
+                  </a:schemeClr>
+                </a:solidFill>
+              </a:rPr>
+              <a:t>：水平方向（列顺序）堆叠数组，将多个数组按列连成新数组（维度一致）。</a:t>
+            </a:r>
+            <a:endParaRPr lang="en-US" altLang="zh-CN" sz="1800" dirty="0">
+              <a:solidFill>
+                <a:schemeClr val="bg2">
+                  <a:lumMod val="25000"/>
+                </a:schemeClr>
+              </a:solidFill>
+            </a:endParaRPr>
+          </a:p>
+          <a:p>
+            <a:pPr marL="0" indent="0">
+              <a:lnSpc>
+                <a:spcPct val="150000"/>
+              </a:lnSpc>
+              <a:buNone/>
+            </a:pPr>
+            <a:r>
+              <a:rPr lang="zh-CN" altLang="en-US" sz="1800" dirty="0">
+                <a:solidFill>
+                  <a:srgbClr val="C00000"/>
+                </a:solidFill>
+              </a:rPr>
+              <a:t>有了 </a:t>
+            </a:r>
+            <a:r>
+              <a:rPr lang="en-US" altLang="zh-CN" sz="1800" dirty="0" err="1">
+                <a:solidFill>
+                  <a:srgbClr val="C00000"/>
+                </a:solidFill>
+              </a:rPr>
+              <a:t>DataFrame</a:t>
+            </a:r>
+            <a:r>
+              <a:rPr lang="zh-CN" altLang="en-US" sz="1800" dirty="0">
+                <a:solidFill>
+                  <a:srgbClr val="C00000"/>
+                </a:solidFill>
+              </a:rPr>
+              <a:t>，为什么还用 </a:t>
+            </a:r>
+            <a:r>
+              <a:rPr lang="en-US" altLang="zh-CN" sz="1800" dirty="0" err="1">
+                <a:solidFill>
+                  <a:srgbClr val="C00000"/>
+                </a:solidFill>
+              </a:rPr>
+              <a:t>ndarray</a:t>
+            </a:r>
+            <a:r>
+              <a:rPr lang="zh-CN" altLang="en-US" sz="1800" dirty="0">
+                <a:solidFill>
+                  <a:srgbClr val="C00000"/>
+                </a:solidFill>
+              </a:rPr>
+              <a:t>？</a:t>
+            </a:r>
+            <a:endParaRPr lang="en-US" altLang="zh-CN" sz="1800" dirty="0">
+              <a:solidFill>
+                <a:srgbClr val="C00000"/>
+              </a:solidFill>
+            </a:endParaRPr>
+          </a:p>
+          <a:p>
+            <a:pPr marL="0" indent="0">
+              <a:lnSpc>
+                <a:spcPct val="150000"/>
+              </a:lnSpc>
+              <a:buNone/>
+            </a:pPr>
+            <a:r>
+              <a:rPr lang="zh-CN" altLang="en-US" sz="1800" dirty="0">
+                <a:solidFill>
+                  <a:schemeClr val="bg1">
+                    <a:lumMod val="50000"/>
+                  </a:schemeClr>
+                </a:solidFill>
+              </a:rPr>
+              <a:t>性能优化、特定算法要求、低级操作（</a:t>
+            </a:r>
+            <a:r>
+              <a:rPr lang="en-US" altLang="zh-CN" sz="1800" dirty="0">
+                <a:solidFill>
+                  <a:schemeClr val="bg1">
+                    <a:lumMod val="50000"/>
+                  </a:schemeClr>
+                </a:solidFill>
+              </a:rPr>
+              <a:t>C</a:t>
+            </a:r>
+            <a:r>
+              <a:rPr lang="zh-CN" altLang="en-US" sz="1800" dirty="0">
+                <a:solidFill>
+                  <a:schemeClr val="bg1">
+                    <a:lumMod val="50000"/>
+                  </a:schemeClr>
+                </a:solidFill>
+              </a:rPr>
+              <a:t>、</a:t>
+            </a:r>
+            <a:r>
+              <a:rPr lang="en-US" altLang="zh-CN" sz="1800" dirty="0">
+                <a:solidFill>
+                  <a:schemeClr val="bg1">
+                    <a:lumMod val="50000"/>
+                  </a:schemeClr>
+                </a:solidFill>
+              </a:rPr>
+              <a:t>Fortran</a:t>
+            </a:r>
+            <a:r>
+              <a:rPr lang="zh-CN" altLang="en-US" sz="1800" dirty="0">
+                <a:solidFill>
+                  <a:schemeClr val="bg1">
+                    <a:lumMod val="50000"/>
+                  </a:schemeClr>
+                </a:solidFill>
+              </a:rPr>
+              <a:t>代码交互）。</a:t>
+            </a:r>
+            <a:endParaRPr lang="en-US" altLang="zh-CN" sz="1800" dirty="0">
+              <a:solidFill>
+                <a:schemeClr val="bg1">
+                  <a:lumMod val="50000"/>
+                </a:schemeClr>
+              </a:solidFill>
+            </a:endParaRPr>
+          </a:p>
+        </p:txBody>
+      </p:sp>
+    </p:spTree>
+    <p:extLst>
+      <p:ext uri="{BB962C8B-B14F-4D97-AF65-F5344CB8AC3E}">
+        <p14:creationId xmlns:p14="http://schemas.microsoft.com/office/powerpoint/2010/main" val="1549051506"/>
+      </p:ext>
+    </p:extLst>
+  </p:cSld>
+  <p:clrMapOvr>
+    <a:masterClrMapping/>
+  </p:clrMapOvr>
+</p:sld>
+</file>
+
+<file path=ppt/slides/slide15.xml><?xml version="1.0" encoding="utf-8"?>
+<p:sld xmlns:a="http://schemas.openxmlformats.org/drawingml/2006/main" xmlns:r="http://schemas.openxmlformats.org/officeDocument/2006/relationships" xmlns:p="http://schemas.openxmlformats.org/presentationml/2006/main">
+  <p:cSld>
+    <p:spTree>
+      <p:nvGrpSpPr>
+        <p:cNvPr id="1" name=""/>
+        <p:cNvGrpSpPr/>
+        <p:nvPr/>
+      </p:nvGrpSpPr>
+      <p:grpSpPr>
+        <a:xfrm>
+          <a:off x="0" y="0"/>
+          <a:ext cx="0" cy="0"/>
+          <a:chOff x="0" y="0"/>
+          <a:chExt cx="0" cy="0"/>
+        </a:xfrm>
+      </p:grpSpPr>
+      <p:sp>
+        <p:nvSpPr>
+          <p:cNvPr id="6" name="Title 5"/>
+          <p:cNvSpPr>
+            <a:spLocks noGrp="1"/>
+          </p:cNvSpPr>
+          <p:nvPr>
+            <p:ph type="title"/>
+          </p:nvPr>
+        </p:nvSpPr>
+        <p:spPr>
+          <a:xfrm>
+            <a:off x="838200" y="193964"/>
+            <a:ext cx="10515600" cy="1153574"/>
+          </a:xfrm>
+        </p:spPr>
+        <p:txBody>
+          <a:bodyPr>
+            <a:normAutofit/>
+          </a:bodyPr>
+          <a:lstStyle/>
+          <a:p>
+            <a:pPr>
+              <a:lnSpc>
+                <a:spcPct val="150000"/>
+              </a:lnSpc>
+            </a:pPr>
+            <a:r>
+              <a:rPr lang="en-US" altLang="zh-CN" sz="2400" b="1" dirty="0" err="1">
+                <a:latin typeface="Microsoft YaHei" panose="020B0503020204020204" pitchFamily="34" charset="-122"/>
+                <a:ea typeface="Microsoft YaHei" panose="020B0503020204020204" pitchFamily="34" charset="-122"/>
+              </a:rPr>
+              <a:t>DataFrame</a:t>
+            </a:r>
+            <a:br>
+              <a:rPr lang="en-US" altLang="zh-CN" sz="1800" dirty="0">
+                <a:solidFill>
+                  <a:schemeClr val="bg1">
+                    <a:lumMod val="50000"/>
+                  </a:schemeClr>
+                </a:solidFill>
+              </a:rPr>
+            </a:br>
+            <a:r>
+              <a:rPr lang="en-US" altLang="zh-CN" sz="1800" dirty="0" err="1">
+                <a:solidFill>
+                  <a:srgbClr val="0070C0"/>
+                </a:solidFill>
+                <a:latin typeface="Pristina" panose="020F0502020204030204" pitchFamily="34" charset="0"/>
+              </a:rPr>
+              <a:t>DataFrame</a:t>
+            </a:r>
+            <a:r>
+              <a:rPr lang="zh-CN" altLang="en-US" sz="1800" dirty="0">
+                <a:solidFill>
+                  <a:srgbClr val="0070C0"/>
+                </a:solidFill>
+                <a:latin typeface="Pristina" panose="020F0502020204030204" pitchFamily="34" charset="0"/>
+              </a:rPr>
+              <a:t> </a:t>
+            </a:r>
+            <a:r>
+              <a:rPr lang="en-US" altLang="zh-CN" sz="1800" dirty="0">
+                <a:solidFill>
+                  <a:srgbClr val="0070C0"/>
+                </a:solidFill>
+                <a:latin typeface="Pristina" panose="020F0502020204030204" pitchFamily="34" charset="0"/>
+              </a:rPr>
+              <a:t>Data</a:t>
+            </a:r>
+            <a:r>
+              <a:rPr lang="zh-CN" altLang="en-US" sz="1800" dirty="0">
+                <a:solidFill>
+                  <a:srgbClr val="0070C0"/>
+                </a:solidFill>
+                <a:latin typeface="Pristina" panose="020F0502020204030204" pitchFamily="34" charset="0"/>
+              </a:rPr>
+              <a:t> </a:t>
+            </a:r>
+            <a:r>
+              <a:rPr lang="en-US" altLang="zh-CN" sz="1800" dirty="0">
+                <a:solidFill>
+                  <a:srgbClr val="0070C0"/>
+                </a:solidFill>
+                <a:latin typeface="Pristina" panose="020F0502020204030204" pitchFamily="34" charset="0"/>
+              </a:rPr>
+              <a:t>Structure</a:t>
+            </a:r>
+            <a:endParaRPr lang="en-US" sz="1800" dirty="0">
+              <a:solidFill>
+                <a:srgbClr val="0070C0"/>
+              </a:solidFill>
+              <a:latin typeface="Pristina" panose="020F0502020204030204" pitchFamily="34" charset="0"/>
+              <a:cs typeface="Pristina" panose="020F0502020204030204" pitchFamily="34" charset="0"/>
+            </a:endParaRPr>
+          </a:p>
+        </p:txBody>
+      </p:sp>
+      <p:sp>
+        <p:nvSpPr>
+          <p:cNvPr id="7" name="Content Placeholder 6"/>
+          <p:cNvSpPr>
+            <a:spLocks noGrp="1"/>
+          </p:cNvSpPr>
+          <p:nvPr>
+            <p:ph idx="1"/>
+          </p:nvPr>
+        </p:nvSpPr>
+        <p:spPr>
+          <a:xfrm>
+            <a:off x="838200" y="1472665"/>
+            <a:ext cx="10515600" cy="4704298"/>
+          </a:xfrm>
+        </p:spPr>
+        <p:txBody>
+          <a:bodyPr>
+            <a:normAutofit/>
+          </a:bodyPr>
+          <a:lstStyle/>
+          <a:p>
+            <a:pPr marL="0" indent="0">
+              <a:lnSpc>
+                <a:spcPct val="150000"/>
+              </a:lnSpc>
+              <a:buNone/>
+            </a:pPr>
+            <a:r>
+              <a:rPr lang="en-US" altLang="zh-CN" sz="2000" dirty="0" err="1">
+                <a:solidFill>
+                  <a:schemeClr val="bg2">
+                    <a:lumMod val="25000"/>
+                  </a:schemeClr>
+                </a:solidFill>
+              </a:rPr>
+              <a:t>DataFrame</a:t>
+            </a:r>
+            <a:r>
+              <a:rPr lang="zh-CN" altLang="en-US" sz="2000" dirty="0">
+                <a:solidFill>
+                  <a:schemeClr val="bg2">
+                    <a:lumMod val="25000"/>
+                  </a:schemeClr>
+                </a:solidFill>
+              </a:rPr>
+              <a:t>结构</a:t>
+            </a:r>
+            <a:endParaRPr lang="en-US" altLang="zh-CN" sz="2000" dirty="0">
+              <a:solidFill>
+                <a:schemeClr val="bg2">
+                  <a:lumMod val="25000"/>
+                </a:schemeClr>
+              </a:solidFill>
+            </a:endParaRPr>
+          </a:p>
+          <a:p>
+            <a:pPr>
+              <a:lnSpc>
+                <a:spcPct val="150000"/>
+              </a:lnSpc>
+            </a:pPr>
+            <a:r>
+              <a:rPr lang="en-US" altLang="zh-CN" sz="1800" dirty="0">
+                <a:solidFill>
+                  <a:srgbClr val="C00000"/>
+                </a:solidFill>
+              </a:rPr>
+              <a:t>AXIS</a:t>
+            </a:r>
+            <a:r>
+              <a:rPr lang="zh-CN" altLang="en-US" sz="1800" dirty="0">
+                <a:solidFill>
+                  <a:schemeClr val="bg2">
+                    <a:lumMod val="25000"/>
+                  </a:schemeClr>
+                </a:solidFill>
+              </a:rPr>
+              <a:t>：表示数据的维度</a:t>
+            </a:r>
+            <a:endParaRPr lang="en-US" altLang="zh-CN" sz="1800" dirty="0">
+              <a:solidFill>
+                <a:schemeClr val="bg2">
+                  <a:lumMod val="25000"/>
+                </a:schemeClr>
+              </a:solidFill>
+            </a:endParaRPr>
+          </a:p>
+          <a:p>
+            <a:pPr>
+              <a:lnSpc>
+                <a:spcPct val="150000"/>
+              </a:lnSpc>
+            </a:pPr>
+            <a:r>
+              <a:rPr lang="en-US" altLang="zh-CN" sz="1800" dirty="0">
+                <a:solidFill>
+                  <a:srgbClr val="C00000"/>
+                </a:solidFill>
+              </a:rPr>
+              <a:t>SERIES</a:t>
+            </a:r>
+            <a:r>
+              <a:rPr lang="zh-CN" altLang="en-US" sz="1800" dirty="0">
+                <a:solidFill>
+                  <a:schemeClr val="bg2">
+                    <a:lumMod val="25000"/>
+                  </a:schemeClr>
+                </a:solidFill>
+              </a:rPr>
+              <a:t>：一个一维数组，可存储</a:t>
+            </a:r>
+            <a:br>
+              <a:rPr lang="en-US" altLang="zh-CN" sz="1800" dirty="0">
+                <a:solidFill>
+                  <a:schemeClr val="bg2">
+                    <a:lumMod val="25000"/>
+                  </a:schemeClr>
+                </a:solidFill>
+              </a:rPr>
+            </a:br>
+            <a:r>
+              <a:rPr lang="zh-CN" altLang="en-US" sz="1800" dirty="0">
+                <a:solidFill>
+                  <a:schemeClr val="bg2">
+                    <a:lumMod val="25000"/>
+                  </a:schemeClr>
+                </a:solidFill>
+              </a:rPr>
+              <a:t>任何数据，包含一个索引。</a:t>
+            </a:r>
+            <a:endParaRPr lang="en-US" altLang="zh-CN" sz="1800" dirty="0">
+              <a:solidFill>
+                <a:schemeClr val="bg2">
+                  <a:lumMod val="25000"/>
+                </a:schemeClr>
+              </a:solidFill>
+            </a:endParaRPr>
+          </a:p>
+          <a:p>
+            <a:pPr>
+              <a:lnSpc>
+                <a:spcPct val="150000"/>
+              </a:lnSpc>
+            </a:pPr>
+            <a:r>
+              <a:rPr lang="en-US" altLang="zh-CN" sz="1800" dirty="0">
+                <a:solidFill>
+                  <a:srgbClr val="C00000"/>
+                </a:solidFill>
+              </a:rPr>
+              <a:t>INDICES</a:t>
+            </a:r>
+            <a:r>
+              <a:rPr lang="zh-CN" altLang="en-US" sz="1800" dirty="0">
+                <a:solidFill>
+                  <a:schemeClr val="bg2">
+                    <a:lumMod val="25000"/>
+                  </a:schemeClr>
+                </a:solidFill>
+              </a:rPr>
+              <a:t>：不可变数组或列表，</a:t>
+            </a:r>
+            <a:br>
+              <a:rPr lang="en-US" altLang="zh-CN" sz="1800" dirty="0">
+                <a:solidFill>
+                  <a:schemeClr val="bg2">
+                    <a:lumMod val="25000"/>
+                  </a:schemeClr>
+                </a:solidFill>
+              </a:rPr>
+            </a:br>
+            <a:r>
+              <a:rPr lang="zh-CN" altLang="en-US" sz="1800" dirty="0">
+                <a:solidFill>
+                  <a:schemeClr val="bg2">
+                    <a:lumMod val="25000"/>
+                  </a:schemeClr>
+                </a:solidFill>
+              </a:rPr>
+              <a:t>提供行列唯一标识。</a:t>
+            </a:r>
+            <a:endParaRPr lang="en-US" altLang="zh-CN" sz="1800" dirty="0">
+              <a:solidFill>
+                <a:schemeClr val="bg2">
+                  <a:lumMod val="25000"/>
+                </a:schemeClr>
+              </a:solidFill>
+            </a:endParaRPr>
+          </a:p>
+          <a:p>
+            <a:pPr>
+              <a:lnSpc>
+                <a:spcPct val="150000"/>
+              </a:lnSpc>
+            </a:pPr>
+            <a:r>
+              <a:rPr lang="en-US" altLang="zh-CN" sz="1800" dirty="0">
+                <a:solidFill>
+                  <a:srgbClr val="C00000"/>
+                </a:solidFill>
+              </a:rPr>
+              <a:t>LABELS</a:t>
+            </a:r>
+            <a:r>
+              <a:rPr lang="zh-CN" altLang="en-US" sz="1800" dirty="0">
+                <a:solidFill>
+                  <a:schemeClr val="bg2">
+                    <a:lumMod val="25000"/>
+                  </a:schemeClr>
+                </a:solidFill>
+              </a:rPr>
+              <a:t>：访问行名或列名。</a:t>
+            </a:r>
+            <a:endParaRPr lang="en-US" altLang="zh-CN" sz="1800" dirty="0">
+              <a:solidFill>
+                <a:schemeClr val="bg2">
+                  <a:lumMod val="25000"/>
+                </a:schemeClr>
+              </a:solidFill>
+            </a:endParaRPr>
+          </a:p>
+          <a:p>
+            <a:pPr>
+              <a:lnSpc>
+                <a:spcPct val="150000"/>
+              </a:lnSpc>
+            </a:pPr>
+            <a:r>
+              <a:rPr lang="en-US" altLang="zh-CN" sz="1800" dirty="0">
+                <a:solidFill>
+                  <a:srgbClr val="C00000"/>
+                </a:solidFill>
+              </a:rPr>
+              <a:t>DATA</a:t>
+            </a:r>
+            <a:r>
+              <a:rPr lang="zh-CN" altLang="en-US" sz="1800" dirty="0">
+                <a:solidFill>
+                  <a:schemeClr val="bg2">
+                    <a:lumMod val="25000"/>
+                  </a:schemeClr>
+                </a:solidFill>
+              </a:rPr>
+              <a:t>：存储的实际信息</a:t>
+            </a:r>
+            <a:endParaRPr lang="en-US" altLang="zh-CN" sz="1800" dirty="0">
+              <a:solidFill>
+                <a:schemeClr val="bg2">
+                  <a:lumMod val="25000"/>
+                </a:schemeClr>
+              </a:solidFill>
+            </a:endParaRPr>
+          </a:p>
+          <a:p>
+            <a:pPr marL="0" indent="0">
+              <a:lnSpc>
+                <a:spcPct val="150000"/>
+              </a:lnSpc>
+              <a:buNone/>
+            </a:pPr>
+            <a:endParaRPr lang="en-US" altLang="zh-CN" sz="2000" dirty="0">
+              <a:solidFill>
+                <a:schemeClr val="bg2">
+                  <a:lumMod val="25000"/>
+                </a:schemeClr>
+              </a:solidFill>
+            </a:endParaRPr>
+          </a:p>
+          <a:p>
+            <a:pPr marL="0" indent="0">
+              <a:lnSpc>
+                <a:spcPct val="150000"/>
+              </a:lnSpc>
+              <a:buNone/>
+            </a:pPr>
+            <a:endParaRPr lang="en-US" altLang="zh-CN" sz="2000" dirty="0">
+              <a:solidFill>
+                <a:schemeClr val="bg2">
+                  <a:lumMod val="25000"/>
+                </a:schemeClr>
+              </a:solidFill>
+            </a:endParaRPr>
+          </a:p>
+        </p:txBody>
+      </p:sp>
+      <p:pic>
+        <p:nvPicPr>
+          <p:cNvPr id="3074" name="Picture 2" descr="Anatomy of a Pandas DataFrame. Source: Birchard 2017.">
+            <a:extLst>
+              <a:ext uri="{FF2B5EF4-FFF2-40B4-BE49-F238E27FC236}">
+                <a16:creationId xmlns:a16="http://schemas.microsoft.com/office/drawing/2014/main" id="{1874BDE3-DA9C-894B-0D34-7A7DD0CC94C6}"/>
+              </a:ext>
+            </a:extLst>
+          </p:cNvPr>
+          <p:cNvPicPr>
+            <a:picLocks noChangeAspect="1" noChangeArrowheads="1"/>
+          </p:cNvPicPr>
+          <p:nvPr/>
+        </p:nvPicPr>
+        <p:blipFill>
+          <a:blip r:embed="rId3">
+            <a:extLst>
+              <a:ext uri="{28A0092B-C50C-407E-A947-70E740481C1C}">
+                <a14:useLocalDpi xmlns:a14="http://schemas.microsoft.com/office/drawing/2010/main" val="0"/>
+              </a:ext>
+            </a:extLst>
+          </a:blip>
+          <a:srcRect/>
+          <a:stretch>
+            <a:fillRect/>
+          </a:stretch>
+        </p:blipFill>
+        <p:spPr bwMode="auto">
+          <a:xfrm>
+            <a:off x="4783137" y="1414000"/>
+            <a:ext cx="6773863" cy="4612719"/>
+          </a:xfrm>
+          <a:prstGeom prst="rect">
+            <a:avLst/>
+          </a:prstGeom>
+          <a:noFill/>
+          <a:extLst>
+            <a:ext uri="{909E8E84-426E-40DD-AFC4-6F175D3DCCD1}">
+              <a14:hiddenFill xmlns:a14="http://schemas.microsoft.com/office/drawing/2010/main">
+                <a:solidFill>
+                  <a:srgbClr val="FFFFFF"/>
+                </a:solidFill>
+              </a14:hiddenFill>
+            </a:ext>
+          </a:extLst>
+        </p:spPr>
+      </p:pic>
+      <p:sp>
+        <p:nvSpPr>
+          <p:cNvPr id="2" name="TextBox 1">
+            <a:extLst>
+              <a:ext uri="{FF2B5EF4-FFF2-40B4-BE49-F238E27FC236}">
+                <a16:creationId xmlns:a16="http://schemas.microsoft.com/office/drawing/2014/main" id="{423D363C-6483-314F-D70C-6A1F9524EB91}"/>
+              </a:ext>
+            </a:extLst>
+          </p:cNvPr>
+          <p:cNvSpPr txBox="1"/>
+          <p:nvPr/>
+        </p:nvSpPr>
+        <p:spPr>
+          <a:xfrm>
+            <a:off x="4783137" y="6081739"/>
+            <a:ext cx="4149790" cy="307777"/>
+          </a:xfrm>
+          <a:prstGeom prst="rect">
+            <a:avLst/>
+          </a:prstGeom>
+          <a:noFill/>
+        </p:spPr>
+        <p:txBody>
+          <a:bodyPr wrap="none" rtlCol="0">
+            <a:spAutoFit/>
+          </a:bodyPr>
+          <a:lstStyle/>
+          <a:p>
+            <a:r>
+              <a:rPr lang="en-CN" sz="1400" dirty="0"/>
+              <a:t>图源</a:t>
+            </a:r>
+            <a:r>
+              <a:rPr lang="zh-CN" altLang="en-US" sz="1400" dirty="0"/>
+              <a:t>：</a:t>
+            </a:r>
+            <a:r>
+              <a:rPr lang="en-US" altLang="zh-CN" sz="1400" dirty="0">
+                <a:hlinkClick r:id="rId4"/>
+              </a:rPr>
+              <a:t>https://devopedia.org/pandas-data-structures</a:t>
+            </a:r>
+            <a:r>
+              <a:rPr lang="zh-CN" altLang="en-US" sz="1400" dirty="0"/>
+              <a:t> </a:t>
+            </a:r>
+            <a:endParaRPr lang="en-CN" sz="1400" dirty="0"/>
+          </a:p>
+        </p:txBody>
+      </p:sp>
+    </p:spTree>
+    <p:extLst>
+      <p:ext uri="{BB962C8B-B14F-4D97-AF65-F5344CB8AC3E}">
+        <p14:creationId xmlns:p14="http://schemas.microsoft.com/office/powerpoint/2010/main" val="1408342407"/>
+      </p:ext>
+    </p:extLst>
+  </p:cSld>
+  <p:clrMapOvr>
+    <a:masterClrMapping/>
+  </p:clrMapOvr>
+</p:sld>
+</file>
+
+<file path=ppt/slides/slide16.xml><?xml version="1.0" encoding="utf-8"?>
+<p:sld xmlns:a="http://schemas.openxmlformats.org/drawingml/2006/main" xmlns:r="http://schemas.openxmlformats.org/officeDocument/2006/relationships" xmlns:p="http://schemas.openxmlformats.org/presentationml/2006/main">
+  <p:cSld>
+    <p:spTree>
+      <p:nvGrpSpPr>
+        <p:cNvPr id="1" name=""/>
+        <p:cNvGrpSpPr/>
+        <p:nvPr/>
+      </p:nvGrpSpPr>
+      <p:grpSpPr>
+        <a:xfrm>
+          <a:off x="0" y="0"/>
+          <a:ext cx="0" cy="0"/>
+          <a:chOff x="0" y="0"/>
+          <a:chExt cx="0" cy="0"/>
+        </a:xfrm>
+      </p:grpSpPr>
+      <p:sp>
+        <p:nvSpPr>
+          <p:cNvPr id="6" name="Title 5"/>
+          <p:cNvSpPr>
+            <a:spLocks noGrp="1"/>
+          </p:cNvSpPr>
+          <p:nvPr>
+            <p:ph type="title"/>
+          </p:nvPr>
+        </p:nvSpPr>
+        <p:spPr>
+          <a:xfrm>
+            <a:off x="838200" y="193964"/>
+            <a:ext cx="10515600" cy="1153574"/>
+          </a:xfrm>
+        </p:spPr>
+        <p:txBody>
+          <a:bodyPr>
+            <a:normAutofit/>
+          </a:bodyPr>
+          <a:lstStyle/>
+          <a:p>
+            <a:pPr>
+              <a:lnSpc>
+                <a:spcPct val="150000"/>
+              </a:lnSpc>
+            </a:pPr>
+            <a:r>
+              <a:rPr lang="en-US" altLang="zh-CN" sz="2400" b="1" dirty="0" err="1">
+                <a:latin typeface="Microsoft YaHei" panose="020B0503020204020204" pitchFamily="34" charset="-122"/>
+                <a:ea typeface="Microsoft YaHei" panose="020B0503020204020204" pitchFamily="34" charset="-122"/>
+              </a:rPr>
+              <a:t>DataFrame</a:t>
+            </a:r>
+            <a:br>
+              <a:rPr lang="en-US" altLang="zh-CN" sz="1800" dirty="0">
+                <a:solidFill>
+                  <a:schemeClr val="bg1">
+                    <a:lumMod val="50000"/>
+                  </a:schemeClr>
+                </a:solidFill>
+              </a:rPr>
+            </a:br>
+            <a:r>
+              <a:rPr lang="en-CN" altLang="zh-CN" sz="1800" dirty="0">
+                <a:solidFill>
+                  <a:srgbClr val="0070C0"/>
+                </a:solidFill>
+                <a:latin typeface="Pristina" panose="020F0502020204030204" pitchFamily="34" charset="0"/>
+              </a:rPr>
+              <a:t>DataFrame</a:t>
+            </a:r>
+            <a:r>
+              <a:rPr lang="zh-CN" altLang="en-US" sz="1800" dirty="0">
+                <a:solidFill>
+                  <a:srgbClr val="0070C0"/>
+                </a:solidFill>
+                <a:latin typeface="Pristina" panose="020F0502020204030204" pitchFamily="34" charset="0"/>
+              </a:rPr>
+              <a:t> </a:t>
+            </a:r>
+            <a:r>
+              <a:rPr lang="en-US" altLang="zh-CN" sz="1800" dirty="0">
+                <a:solidFill>
+                  <a:srgbClr val="0070C0"/>
+                </a:solidFill>
+                <a:latin typeface="Pristina" panose="020F0502020204030204" pitchFamily="34" charset="0"/>
+              </a:rPr>
+              <a:t>Operation</a:t>
+            </a:r>
+            <a:endParaRPr lang="en-US" sz="1800" dirty="0">
+              <a:solidFill>
+                <a:srgbClr val="0070C0"/>
+              </a:solidFill>
+              <a:latin typeface="Pristina" panose="020F0502020204030204" pitchFamily="34" charset="0"/>
+              <a:cs typeface="Pristina" panose="020F0502020204030204" pitchFamily="34" charset="0"/>
+            </a:endParaRPr>
+          </a:p>
+        </p:txBody>
+      </p:sp>
+      <p:sp>
+        <p:nvSpPr>
+          <p:cNvPr id="7" name="Content Placeholder 6"/>
+          <p:cNvSpPr>
+            <a:spLocks noGrp="1"/>
+          </p:cNvSpPr>
+          <p:nvPr>
+            <p:ph idx="1"/>
+          </p:nvPr>
+        </p:nvSpPr>
+        <p:spPr>
+          <a:xfrm>
+            <a:off x="838200" y="1472665"/>
+            <a:ext cx="10515600" cy="4704298"/>
+          </a:xfrm>
+        </p:spPr>
+        <p:txBody>
+          <a:bodyPr>
+            <a:normAutofit/>
+          </a:bodyPr>
+          <a:lstStyle/>
+          <a:p>
+            <a:pPr marL="0" indent="0">
+              <a:lnSpc>
+                <a:spcPct val="150000"/>
+              </a:lnSpc>
+              <a:buNone/>
+            </a:pPr>
+            <a:r>
+              <a:rPr lang="en-US" altLang="zh-CN" sz="2000" dirty="0" err="1">
+                <a:solidFill>
+                  <a:schemeClr val="bg2">
+                    <a:lumMod val="25000"/>
+                  </a:schemeClr>
+                </a:solidFill>
+              </a:rPr>
+              <a:t>DataFrame</a:t>
+            </a:r>
+            <a:r>
+              <a:rPr lang="zh-CN" altLang="en-US" sz="1800" dirty="0">
+                <a:solidFill>
+                  <a:schemeClr val="bg2">
+                    <a:lumMod val="25000"/>
+                  </a:schemeClr>
+                </a:solidFill>
+              </a:rPr>
+              <a:t>操作</a:t>
+            </a:r>
+            <a:endParaRPr lang="en-US" altLang="zh-CN" sz="1800" dirty="0">
+              <a:solidFill>
+                <a:schemeClr val="bg2">
+                  <a:lumMod val="25000"/>
+                </a:schemeClr>
+              </a:solidFill>
+            </a:endParaRPr>
+          </a:p>
+        </p:txBody>
+      </p:sp>
+      <p:graphicFrame>
+        <p:nvGraphicFramePr>
+          <p:cNvPr id="3" name="Table 2">
+            <a:extLst>
+              <a:ext uri="{FF2B5EF4-FFF2-40B4-BE49-F238E27FC236}">
+                <a16:creationId xmlns:a16="http://schemas.microsoft.com/office/drawing/2014/main" id="{C90DF3DA-4F38-D4BA-74FC-434ECA62A3A1}"/>
+              </a:ext>
+            </a:extLst>
+          </p:cNvPr>
+          <p:cNvGraphicFramePr>
+            <a:graphicFrameLocks noGrp="1"/>
+          </p:cNvGraphicFramePr>
+          <p:nvPr>
+            <p:extLst>
+              <p:ext uri="{D42A27DB-BD31-4B8C-83A1-F6EECF244321}">
+                <p14:modId xmlns:p14="http://schemas.microsoft.com/office/powerpoint/2010/main" val="3932029599"/>
+              </p:ext>
+            </p:extLst>
+          </p:nvPr>
+        </p:nvGraphicFramePr>
+        <p:xfrm>
+          <a:off x="907143" y="2033209"/>
+          <a:ext cx="10261600" cy="3390903"/>
+        </p:xfrm>
+        <a:graphic>
+          <a:graphicData uri="http://schemas.openxmlformats.org/drawingml/2006/table">
+            <a:tbl>
+              <a:tblPr firstRow="1" bandRow="1">
+                <a:tableStyleId>{5C22544A-7EE6-4342-B048-85BDC9FD1C3A}</a:tableStyleId>
+              </a:tblPr>
+              <a:tblGrid>
+                <a:gridCol w="1886857">
+                  <a:extLst>
+                    <a:ext uri="{9D8B030D-6E8A-4147-A177-3AD203B41FA5}">
+                      <a16:colId xmlns:a16="http://schemas.microsoft.com/office/drawing/2014/main" val="2808679351"/>
+                    </a:ext>
+                  </a:extLst>
+                </a:gridCol>
+                <a:gridCol w="3243943">
+                  <a:extLst>
+                    <a:ext uri="{9D8B030D-6E8A-4147-A177-3AD203B41FA5}">
+                      <a16:colId xmlns:a16="http://schemas.microsoft.com/office/drawing/2014/main" val="1048514875"/>
+                    </a:ext>
+                  </a:extLst>
+                </a:gridCol>
+                <a:gridCol w="1698171">
+                  <a:extLst>
+                    <a:ext uri="{9D8B030D-6E8A-4147-A177-3AD203B41FA5}">
+                      <a16:colId xmlns:a16="http://schemas.microsoft.com/office/drawing/2014/main" val="1824195772"/>
+                    </a:ext>
+                  </a:extLst>
+                </a:gridCol>
+                <a:gridCol w="3432629">
+                  <a:extLst>
+                    <a:ext uri="{9D8B030D-6E8A-4147-A177-3AD203B41FA5}">
+                      <a16:colId xmlns:a16="http://schemas.microsoft.com/office/drawing/2014/main" val="3219608664"/>
+                    </a:ext>
+                  </a:extLst>
+                </a:gridCol>
+              </a:tblGrid>
+              <a:tr h="376767">
+                <a:tc>
+                  <a:txBody>
+                    <a:bodyPr/>
+                    <a:lstStyle/>
+                    <a:p>
+                      <a:r>
+                        <a:rPr lang="en-US" sz="1600" dirty="0" err="1"/>
+                        <a:t>功能</a:t>
+                      </a:r>
+                      <a:endParaRPr lang="en-CN" sz="1600" dirty="0"/>
+                    </a:p>
+                  </a:txBody>
+                  <a:tcPr/>
+                </a:tc>
+                <a:tc>
+                  <a:txBody>
+                    <a:bodyPr/>
+                    <a:lstStyle/>
+                    <a:p>
+                      <a:r>
+                        <a:rPr lang="en-CN" sz="1600" dirty="0"/>
+                        <a:t>函数</a:t>
+                      </a:r>
+                    </a:p>
+                  </a:txBody>
+                  <a:tcPr/>
+                </a:tc>
+                <a:tc>
+                  <a:txBody>
+                    <a:bodyPr/>
+                    <a:lstStyle/>
+                    <a:p>
+                      <a:r>
+                        <a:rPr lang="en-CN" sz="1600" dirty="0"/>
+                        <a:t>功能</a:t>
+                      </a:r>
+                    </a:p>
+                  </a:txBody>
+                  <a:tcPr/>
+                </a:tc>
+                <a:tc>
+                  <a:txBody>
+                    <a:bodyPr/>
+                    <a:lstStyle/>
+                    <a:p>
+                      <a:r>
+                        <a:rPr lang="en-CN" sz="1600" dirty="0"/>
+                        <a:t>函数</a:t>
+                      </a:r>
+                    </a:p>
+                  </a:txBody>
+                  <a:tcPr/>
+                </a:tc>
+                <a:extLst>
+                  <a:ext uri="{0D108BD9-81ED-4DB2-BD59-A6C34878D82A}">
+                    <a16:rowId xmlns:a16="http://schemas.microsoft.com/office/drawing/2014/main" val="55325459"/>
+                  </a:ext>
+                </a:extLst>
+              </a:tr>
+              <a:tr h="376767">
+                <a:tc>
+                  <a:txBody>
+                    <a:bodyPr/>
+                    <a:lstStyle/>
+                    <a:p>
+                      <a:r>
+                        <a:rPr lang="en-CN" sz="1600" dirty="0"/>
+                        <a:t>创建</a:t>
+                      </a:r>
+                      <a:r>
+                        <a:rPr lang="zh-CN" altLang="en-US" sz="1600" dirty="0"/>
+                        <a:t>、读取</a:t>
+                      </a:r>
+                      <a:endParaRPr lang="en-CN" sz="1600" dirty="0"/>
+                    </a:p>
+                  </a:txBody>
+                  <a:tcPr/>
+                </a:tc>
+                <a:tc>
+                  <a:txBody>
+                    <a:bodyPr/>
+                    <a:lstStyle/>
+                    <a:p>
+                      <a:r>
+                        <a:rPr lang="en-US" altLang="zh-CN" sz="1600" dirty="0" err="1">
+                          <a:solidFill>
+                            <a:srgbClr val="C00000"/>
+                          </a:solidFill>
+                        </a:rPr>
+                        <a:t>read_csv</a:t>
+                      </a:r>
+                      <a:r>
+                        <a:rPr lang="en-US" altLang="zh-CN" sz="1600" dirty="0"/>
+                        <a:t>()</a:t>
+                      </a:r>
+                      <a:r>
+                        <a:rPr lang="zh-CN" altLang="en-US" sz="1600" dirty="0"/>
+                        <a:t>、</a:t>
+                      </a:r>
+                      <a:r>
+                        <a:rPr lang="en-US" altLang="zh-CN" sz="1600" dirty="0" err="1">
+                          <a:solidFill>
+                            <a:srgbClr val="C00000"/>
+                          </a:solidFill>
+                        </a:rPr>
+                        <a:t>read_excel</a:t>
+                      </a:r>
+                      <a:r>
+                        <a:rPr lang="en-US" altLang="zh-CN" sz="1600" dirty="0"/>
+                        <a:t>()</a:t>
+                      </a:r>
+                      <a:endParaRPr lang="en-CN" sz="1600" dirty="0"/>
+                    </a:p>
+                  </a:txBody>
+                  <a:tcPr/>
+                </a:tc>
+                <a:tc>
+                  <a:txBody>
+                    <a:bodyPr/>
+                    <a:lstStyle/>
+                    <a:p>
+                      <a:r>
+                        <a:rPr lang="en-US" sz="1600" dirty="0" err="1"/>
+                        <a:t>数据查看</a:t>
+                      </a:r>
+                      <a:endParaRPr lang="en-CN" sz="1600" dirty="0"/>
+                    </a:p>
+                  </a:txBody>
+                  <a:tcPr/>
+                </a:tc>
+                <a:tc>
+                  <a:txBody>
+                    <a:bodyPr/>
+                    <a:lstStyle/>
+                    <a:p>
+                      <a:r>
+                        <a:rPr lang="en-US" altLang="zh-CN" sz="1600" dirty="0"/>
+                        <a:t>head()</a:t>
+                      </a:r>
+                      <a:r>
+                        <a:rPr lang="zh-CN" altLang="en-US" sz="1600" dirty="0"/>
+                        <a:t>、</a:t>
+                      </a:r>
+                      <a:r>
+                        <a:rPr lang="en-US" altLang="zh-CN" sz="1600" dirty="0"/>
+                        <a:t>tail()</a:t>
+                      </a:r>
+                      <a:r>
+                        <a:rPr lang="zh-CN" altLang="en-US" sz="1600" dirty="0"/>
+                        <a:t>、</a:t>
+                      </a:r>
+                      <a:r>
+                        <a:rPr lang="en-US" altLang="zh-CN" sz="1600" dirty="0"/>
+                        <a:t>describe()</a:t>
+                      </a:r>
+                      <a:endParaRPr lang="en-CN" sz="1600" dirty="0"/>
+                    </a:p>
+                  </a:txBody>
+                  <a:tcPr/>
+                </a:tc>
+                <a:extLst>
+                  <a:ext uri="{0D108BD9-81ED-4DB2-BD59-A6C34878D82A}">
+                    <a16:rowId xmlns:a16="http://schemas.microsoft.com/office/drawing/2014/main" val="342026297"/>
+                  </a:ext>
+                </a:extLst>
+              </a:tr>
+              <a:tr h="376767">
+                <a:tc>
+                  <a:txBody>
+                    <a:bodyPr/>
+                    <a:lstStyle/>
+                    <a:p>
+                      <a:r>
+                        <a:rPr lang="en-CN" sz="1600" dirty="0"/>
+                        <a:t>选择</a:t>
+                      </a:r>
+                      <a:r>
+                        <a:rPr lang="zh-CN" altLang="en-US" sz="1600" dirty="0"/>
+                        <a:t>、索引</a:t>
+                      </a:r>
+                      <a:endParaRPr lang="en-CN" sz="1600" dirty="0"/>
+                    </a:p>
+                  </a:txBody>
+                  <a:tcPr/>
+                </a:tc>
+                <a:tc>
+                  <a:txBody>
+                    <a:bodyPr/>
+                    <a:lstStyle/>
+                    <a:p>
+                      <a:r>
+                        <a:rPr lang="en-US" altLang="zh-CN" sz="1600" dirty="0"/>
+                        <a:t>loc[]</a:t>
+                      </a:r>
+                      <a:r>
+                        <a:rPr lang="zh-CN" altLang="en-US" sz="1600" dirty="0"/>
+                        <a:t>、</a:t>
+                      </a:r>
+                      <a:r>
+                        <a:rPr lang="en-US" altLang="zh-CN" sz="1600" dirty="0" err="1"/>
+                        <a:t>iloc</a:t>
+                      </a:r>
+                      <a:r>
+                        <a:rPr lang="en-US" altLang="zh-CN" sz="1600" dirty="0"/>
+                        <a:t>[]</a:t>
+                      </a:r>
+                      <a:endParaRPr lang="en-CN" sz="1600" dirty="0"/>
+                    </a:p>
+                  </a:txBody>
+                  <a:tcPr/>
+                </a:tc>
+                <a:tc>
+                  <a:txBody>
+                    <a:bodyPr/>
+                    <a:lstStyle/>
+                    <a:p>
+                      <a:r>
+                        <a:rPr lang="en-US" sz="1600" dirty="0" err="1"/>
+                        <a:t>数据清洗</a:t>
+                      </a:r>
+                      <a:endParaRPr lang="en-CN" sz="1600" dirty="0"/>
+                    </a:p>
+                  </a:txBody>
+                  <a:tcPr/>
+                </a:tc>
+                <a:tc>
+                  <a:txBody>
+                    <a:bodyPr/>
+                    <a:lstStyle/>
+                    <a:p>
+                      <a:r>
+                        <a:rPr lang="en-US" altLang="zh-CN" sz="1600" dirty="0" err="1">
+                          <a:solidFill>
+                            <a:srgbClr val="C00000"/>
+                          </a:solidFill>
+                        </a:rPr>
+                        <a:t>dropna</a:t>
+                      </a:r>
+                      <a:r>
+                        <a:rPr lang="en-US" altLang="zh-CN" sz="1600" dirty="0"/>
+                        <a:t>()</a:t>
+                      </a:r>
+                      <a:r>
+                        <a:rPr lang="zh-CN" altLang="en-US" sz="1600" dirty="0"/>
+                        <a:t>、</a:t>
+                      </a:r>
+                      <a:r>
+                        <a:rPr lang="en-US" altLang="zh-CN" sz="1600" dirty="0" err="1"/>
+                        <a:t>fillna</a:t>
+                      </a:r>
+                      <a:r>
+                        <a:rPr lang="en-US" altLang="zh-CN" sz="1600" dirty="0"/>
+                        <a:t>()</a:t>
+                      </a:r>
+                      <a:r>
+                        <a:rPr lang="zh-CN" altLang="en-US" sz="1600" dirty="0"/>
+                        <a:t>、</a:t>
+                      </a:r>
+                      <a:r>
+                        <a:rPr lang="en-US" altLang="zh-CN" sz="1600" dirty="0">
+                          <a:solidFill>
+                            <a:srgbClr val="C00000"/>
+                          </a:solidFill>
+                        </a:rPr>
+                        <a:t>drop</a:t>
+                      </a:r>
+                      <a:r>
+                        <a:rPr lang="en-US" altLang="zh-CN" sz="1600" dirty="0"/>
+                        <a:t>()</a:t>
+                      </a:r>
+                      <a:r>
+                        <a:rPr lang="zh-CN" altLang="en-US" sz="1600" dirty="0"/>
+                        <a:t>、</a:t>
+                      </a:r>
+                      <a:r>
+                        <a:rPr lang="en-US" altLang="zh-CN" sz="1600" dirty="0" err="1">
+                          <a:solidFill>
+                            <a:srgbClr val="C00000"/>
+                          </a:solidFill>
+                        </a:rPr>
+                        <a:t>isnull</a:t>
+                      </a:r>
+                      <a:r>
+                        <a:rPr lang="en-US" altLang="zh-CN" sz="1600" dirty="0"/>
+                        <a:t>()</a:t>
+                      </a:r>
+                      <a:endParaRPr lang="en-CN" sz="1600" dirty="0"/>
+                    </a:p>
+                  </a:txBody>
+                  <a:tcPr/>
+                </a:tc>
+                <a:extLst>
+                  <a:ext uri="{0D108BD9-81ED-4DB2-BD59-A6C34878D82A}">
+                    <a16:rowId xmlns:a16="http://schemas.microsoft.com/office/drawing/2014/main" val="978603460"/>
+                  </a:ext>
+                </a:extLst>
+              </a:tr>
+              <a:tr h="376767">
+                <a:tc>
+                  <a:txBody>
+                    <a:bodyPr/>
+                    <a:lstStyle/>
+                    <a:p>
+                      <a:r>
+                        <a:rPr lang="en-CN" sz="1600" dirty="0"/>
+                        <a:t>数据转换</a:t>
+                      </a:r>
+                    </a:p>
+                  </a:txBody>
+                  <a:tcPr/>
+                </a:tc>
+                <a:tc>
+                  <a:txBody>
+                    <a:bodyPr/>
+                    <a:lstStyle/>
+                    <a:p>
+                      <a:r>
+                        <a:rPr lang="en-US" altLang="zh-CN" sz="1600" dirty="0"/>
+                        <a:t>apply()</a:t>
+                      </a:r>
+                      <a:r>
+                        <a:rPr lang="zh-CN" altLang="en-US" sz="1600" dirty="0"/>
+                        <a:t>、</a:t>
+                      </a:r>
+                      <a:r>
+                        <a:rPr lang="en-US" altLang="zh-CN" sz="1600" dirty="0" err="1"/>
+                        <a:t>groupby</a:t>
+                      </a:r>
+                      <a:r>
+                        <a:rPr lang="en-US" altLang="zh-CN" sz="1600" dirty="0"/>
+                        <a:t>()</a:t>
+                      </a:r>
+                      <a:endParaRPr lang="en-CN" sz="1600" dirty="0"/>
+                    </a:p>
+                  </a:txBody>
+                  <a:tcPr/>
+                </a:tc>
+                <a:tc>
+                  <a:txBody>
+                    <a:bodyPr/>
+                    <a:lstStyle/>
+                    <a:p>
+                      <a:r>
+                        <a:rPr lang="en-CN" sz="1600" dirty="0"/>
+                        <a:t>数据合并</a:t>
+                      </a:r>
+                    </a:p>
+                  </a:txBody>
+                  <a:tcPr/>
+                </a:tc>
+                <a:tc>
+                  <a:txBody>
+                    <a:bodyPr/>
+                    <a:lstStyle/>
+                    <a:p>
+                      <a:r>
+                        <a:rPr lang="en-US" altLang="zh-CN" sz="1600" dirty="0"/>
+                        <a:t>merge()</a:t>
+                      </a:r>
+                      <a:r>
+                        <a:rPr lang="zh-CN" altLang="en-US" sz="1600" dirty="0"/>
+                        <a:t>、</a:t>
+                      </a:r>
+                      <a:r>
+                        <a:rPr lang="en-US" altLang="zh-CN" sz="1600" dirty="0" err="1"/>
+                        <a:t>concat</a:t>
+                      </a:r>
+                      <a:r>
+                        <a:rPr lang="en-US" altLang="zh-CN" sz="1600" dirty="0"/>
+                        <a:t>()</a:t>
+                      </a:r>
+                      <a:endParaRPr lang="en-CN" sz="1600" dirty="0"/>
+                    </a:p>
+                  </a:txBody>
+                  <a:tcPr/>
+                </a:tc>
+                <a:extLst>
+                  <a:ext uri="{0D108BD9-81ED-4DB2-BD59-A6C34878D82A}">
+                    <a16:rowId xmlns:a16="http://schemas.microsoft.com/office/drawing/2014/main" val="3549178341"/>
+                  </a:ext>
+                </a:extLst>
+              </a:tr>
+              <a:tr h="376767">
+                <a:tc>
+                  <a:txBody>
+                    <a:bodyPr/>
+                    <a:lstStyle/>
+                    <a:p>
+                      <a:r>
+                        <a:rPr lang="en-CN" sz="1600" dirty="0"/>
+                        <a:t>数据排序</a:t>
+                      </a:r>
+                    </a:p>
+                  </a:txBody>
+                  <a:tcPr/>
+                </a:tc>
+                <a:tc>
+                  <a:txBody>
+                    <a:bodyPr/>
+                    <a:lstStyle/>
+                    <a:p>
+                      <a:r>
+                        <a:rPr lang="en-US" altLang="zh-CN" sz="1600" dirty="0" err="1"/>
+                        <a:t>sort_values</a:t>
+                      </a:r>
+                      <a:r>
+                        <a:rPr lang="en-US" altLang="zh-CN" sz="1600" dirty="0"/>
+                        <a:t>()</a:t>
+                      </a:r>
+                      <a:r>
+                        <a:rPr lang="zh-CN" altLang="en-US" sz="1600" dirty="0"/>
+                        <a:t>、</a:t>
+                      </a:r>
+                      <a:r>
+                        <a:rPr lang="en-US" altLang="zh-CN" sz="1600" dirty="0"/>
+                        <a:t>rank()</a:t>
+                      </a:r>
+                      <a:endParaRPr lang="en-CN" sz="1600" dirty="0"/>
+                    </a:p>
+                  </a:txBody>
+                  <a:tcPr/>
+                </a:tc>
+                <a:tc>
+                  <a:txBody>
+                    <a:bodyPr/>
+                    <a:lstStyle/>
+                    <a:p>
+                      <a:r>
+                        <a:rPr lang="en-CN" sz="1600" dirty="0"/>
+                        <a:t>数据聚合</a:t>
+                      </a:r>
+                    </a:p>
+                  </a:txBody>
+                  <a:tcPr/>
+                </a:tc>
+                <a:tc>
+                  <a:txBody>
+                    <a:bodyPr/>
+                    <a:lstStyle/>
+                    <a:p>
+                      <a:r>
+                        <a:rPr lang="en-US" altLang="zh-CN" sz="1600" dirty="0"/>
+                        <a:t>sum()</a:t>
+                      </a:r>
+                      <a:r>
+                        <a:rPr lang="zh-CN" altLang="en-US" sz="1600" dirty="0"/>
+                        <a:t>、</a:t>
+                      </a:r>
+                      <a:r>
+                        <a:rPr lang="en-US" altLang="zh-CN" sz="1600" dirty="0"/>
+                        <a:t>mean()</a:t>
+                      </a:r>
+                      <a:endParaRPr lang="en-CN" sz="1600" dirty="0"/>
+                    </a:p>
+                  </a:txBody>
+                  <a:tcPr/>
+                </a:tc>
+                <a:extLst>
+                  <a:ext uri="{0D108BD9-81ED-4DB2-BD59-A6C34878D82A}">
+                    <a16:rowId xmlns:a16="http://schemas.microsoft.com/office/drawing/2014/main" val="888359874"/>
+                  </a:ext>
+                </a:extLst>
+              </a:tr>
+              <a:tr h="376767">
+                <a:tc>
+                  <a:txBody>
+                    <a:bodyPr/>
+                    <a:lstStyle/>
+                    <a:p>
+                      <a:r>
+                        <a:rPr lang="en-CN" sz="1600" dirty="0"/>
+                        <a:t>数据输出</a:t>
+                      </a:r>
+                    </a:p>
+                  </a:txBody>
+                  <a:tcPr/>
+                </a:tc>
+                <a:tc>
+                  <a:txBody>
+                    <a:bodyPr/>
+                    <a:lstStyle/>
+                    <a:p>
+                      <a:r>
+                        <a:rPr lang="en-CN" sz="1600" dirty="0">
+                          <a:solidFill>
+                            <a:srgbClr val="C00000"/>
+                          </a:solidFill>
+                        </a:rPr>
+                        <a:t>to</a:t>
+                      </a:r>
+                      <a:r>
+                        <a:rPr lang="en-US" altLang="zh-CN" sz="1600" dirty="0">
+                          <a:solidFill>
+                            <a:srgbClr val="C00000"/>
+                          </a:solidFill>
+                        </a:rPr>
+                        <a:t>_csv</a:t>
+                      </a:r>
+                      <a:r>
+                        <a:rPr lang="en-US" altLang="zh-CN" sz="1600" dirty="0"/>
+                        <a:t>()</a:t>
+                      </a:r>
+                      <a:r>
+                        <a:rPr lang="zh-CN" altLang="en-US" sz="1600" dirty="0"/>
+                        <a:t>、</a:t>
+                      </a:r>
+                      <a:r>
+                        <a:rPr lang="en-US" altLang="zh-CN" sz="1600" dirty="0" err="1">
+                          <a:solidFill>
+                            <a:srgbClr val="C00000"/>
+                          </a:solidFill>
+                        </a:rPr>
+                        <a:t>to_excel</a:t>
+                      </a:r>
+                      <a:r>
+                        <a:rPr lang="en-US" altLang="zh-CN" sz="1600" dirty="0"/>
+                        <a:t>()</a:t>
+                      </a:r>
+                      <a:endParaRPr lang="en-CN" sz="1600" dirty="0"/>
+                    </a:p>
+                  </a:txBody>
+                  <a:tcPr/>
+                </a:tc>
+                <a:tc>
+                  <a:txBody>
+                    <a:bodyPr/>
+                    <a:lstStyle/>
+                    <a:p>
+                      <a:r>
+                        <a:rPr lang="en-CN" sz="1600" dirty="0"/>
+                        <a:t>绘图</a:t>
+                      </a:r>
+                    </a:p>
+                  </a:txBody>
+                  <a:tcPr/>
+                </a:tc>
+                <a:tc>
+                  <a:txBody>
+                    <a:bodyPr/>
+                    <a:lstStyle/>
+                    <a:p>
+                      <a:r>
+                        <a:rPr lang="en-US" altLang="zh-CN" sz="1600" dirty="0"/>
+                        <a:t>plot()</a:t>
+                      </a:r>
+                      <a:endParaRPr lang="en-CN" sz="1600" dirty="0"/>
+                    </a:p>
+                  </a:txBody>
+                  <a:tcPr/>
+                </a:tc>
+                <a:extLst>
+                  <a:ext uri="{0D108BD9-81ED-4DB2-BD59-A6C34878D82A}">
+                    <a16:rowId xmlns:a16="http://schemas.microsoft.com/office/drawing/2014/main" val="1947564996"/>
+                  </a:ext>
+                </a:extLst>
+              </a:tr>
+              <a:tr h="376767">
+                <a:tc>
+                  <a:txBody>
+                    <a:bodyPr/>
+                    <a:lstStyle/>
+                    <a:p>
+                      <a:r>
+                        <a:rPr lang="en-CN" sz="1600" dirty="0"/>
+                        <a:t>数据重塑</a:t>
+                      </a:r>
+                    </a:p>
+                  </a:txBody>
+                  <a:tcPr/>
+                </a:tc>
+                <a:tc>
+                  <a:txBody>
+                    <a:bodyPr/>
+                    <a:lstStyle/>
+                    <a:p>
+                      <a:r>
+                        <a:rPr lang="en-US" altLang="zh-CN" sz="1600" dirty="0"/>
+                        <a:t>pivot()</a:t>
+                      </a:r>
+                      <a:r>
+                        <a:rPr lang="zh-CN" altLang="en-US" sz="1600" dirty="0"/>
+                        <a:t>、</a:t>
+                      </a:r>
+                      <a:r>
+                        <a:rPr lang="en-US" altLang="zh-CN" sz="1600" dirty="0"/>
+                        <a:t>melt()</a:t>
+                      </a:r>
+                      <a:endParaRPr lang="en-CN" sz="1600" dirty="0"/>
+                    </a:p>
+                  </a:txBody>
+                  <a:tcPr/>
+                </a:tc>
+                <a:tc>
+                  <a:txBody>
+                    <a:bodyPr/>
+                    <a:lstStyle/>
+                    <a:p>
+                      <a:r>
+                        <a:rPr lang="en-US" sz="1600" dirty="0" err="1"/>
+                        <a:t>时间序列处理</a:t>
+                      </a:r>
+                      <a:endParaRPr lang="en-CN" sz="1600" dirty="0"/>
+                    </a:p>
+                  </a:txBody>
+                  <a:tcPr/>
+                </a:tc>
+                <a:tc>
+                  <a:txBody>
+                    <a:bodyPr/>
+                    <a:lstStyle/>
+                    <a:p>
+                      <a:r>
+                        <a:rPr lang="en-US" altLang="zh-CN" sz="1600" dirty="0" err="1"/>
+                        <a:t>to_datetime</a:t>
+                      </a:r>
+                      <a:r>
+                        <a:rPr lang="en-US" altLang="zh-CN" sz="1600" dirty="0"/>
+                        <a:t>()</a:t>
+                      </a:r>
+                      <a:r>
+                        <a:rPr lang="zh-CN" altLang="en-US" sz="1600" dirty="0"/>
+                        <a:t>、</a:t>
+                      </a:r>
+                      <a:r>
+                        <a:rPr lang="en-US" altLang="zh-CN" sz="1600" dirty="0"/>
+                        <a:t>resample()</a:t>
+                      </a:r>
+                      <a:endParaRPr lang="en-CN" sz="1600" dirty="0"/>
+                    </a:p>
+                  </a:txBody>
+                  <a:tcPr/>
+                </a:tc>
+                <a:extLst>
+                  <a:ext uri="{0D108BD9-81ED-4DB2-BD59-A6C34878D82A}">
+                    <a16:rowId xmlns:a16="http://schemas.microsoft.com/office/drawing/2014/main" val="1363636065"/>
+                  </a:ext>
+                </a:extLst>
+              </a:tr>
+              <a:tr h="376767">
+                <a:tc>
+                  <a:txBody>
+                    <a:bodyPr/>
+                    <a:lstStyle/>
+                    <a:p>
+                      <a:r>
+                        <a:rPr lang="en-CN" sz="1600" dirty="0"/>
+                        <a:t>内存优化</a:t>
+                      </a:r>
+                    </a:p>
+                  </a:txBody>
+                  <a:tcPr/>
+                </a:tc>
+                <a:tc>
+                  <a:txBody>
+                    <a:bodyPr/>
+                    <a:lstStyle/>
+                    <a:p>
+                      <a:r>
+                        <a:rPr lang="en-US" altLang="zh-CN" sz="1600" dirty="0" err="1">
+                          <a:solidFill>
+                            <a:srgbClr val="C00000"/>
+                          </a:solidFill>
+                        </a:rPr>
+                        <a:t>astype</a:t>
+                      </a:r>
+                      <a:r>
+                        <a:rPr lang="en-US" altLang="zh-CN" sz="1600" dirty="0"/>
+                        <a:t>()</a:t>
+                      </a:r>
+                      <a:endParaRPr lang="en-CN" sz="1600" dirty="0"/>
+                    </a:p>
+                  </a:txBody>
+                  <a:tcPr/>
+                </a:tc>
+                <a:tc>
+                  <a:txBody>
+                    <a:bodyPr/>
+                    <a:lstStyle/>
+                    <a:p>
+                      <a:r>
+                        <a:rPr lang="en-CN" sz="1600" dirty="0"/>
+                        <a:t>数据统计</a:t>
+                      </a:r>
+                    </a:p>
+                  </a:txBody>
+                  <a:tcPr/>
+                </a:tc>
+                <a:tc>
+                  <a:txBody>
+                    <a:bodyPr/>
+                    <a:lstStyle/>
+                    <a:p>
+                      <a:r>
+                        <a:rPr lang="en-US" altLang="zh-CN" sz="1600" dirty="0" err="1"/>
+                        <a:t>value_counts</a:t>
+                      </a:r>
+                      <a:r>
+                        <a:rPr lang="en-US" altLang="zh-CN" sz="1600" dirty="0"/>
+                        <a:t>()</a:t>
+                      </a:r>
+                      <a:r>
+                        <a:rPr lang="zh-CN" altLang="en-US" sz="1600" dirty="0"/>
+                        <a:t>、</a:t>
+                      </a:r>
+                      <a:r>
+                        <a:rPr lang="en-US" altLang="zh-CN" sz="1600" dirty="0"/>
+                        <a:t>cut()</a:t>
+                      </a:r>
+                      <a:endParaRPr lang="en-CN" sz="1600" dirty="0"/>
+                    </a:p>
+                  </a:txBody>
+                  <a:tcPr/>
+                </a:tc>
+                <a:extLst>
+                  <a:ext uri="{0D108BD9-81ED-4DB2-BD59-A6C34878D82A}">
+                    <a16:rowId xmlns:a16="http://schemas.microsoft.com/office/drawing/2014/main" val="2866638676"/>
+                  </a:ext>
+                </a:extLst>
+              </a:tr>
+              <a:tr h="376767">
+                <a:tc>
+                  <a:txBody>
+                    <a:bodyPr/>
+                    <a:lstStyle/>
+                    <a:p>
+                      <a:r>
+                        <a:rPr lang="en-CN" sz="1600" dirty="0"/>
+                        <a:t>编解码数据</a:t>
+                      </a:r>
+                    </a:p>
+                  </a:txBody>
+                  <a:tcPr/>
+                </a:tc>
+                <a:tc>
+                  <a:txBody>
+                    <a:bodyPr/>
+                    <a:lstStyle/>
+                    <a:p>
+                      <a:r>
+                        <a:rPr lang="en-US" altLang="zh-CN" sz="1600" dirty="0" err="1">
+                          <a:solidFill>
+                            <a:srgbClr val="C00000"/>
+                          </a:solidFill>
+                        </a:rPr>
+                        <a:t>get_dummies</a:t>
+                      </a:r>
+                      <a:r>
+                        <a:rPr lang="en-US" altLang="zh-CN" sz="1600" dirty="0"/>
+                        <a:t>()</a:t>
+                      </a:r>
+                      <a:r>
+                        <a:rPr lang="zh-CN" altLang="en-US" sz="1600" dirty="0"/>
+                        <a:t>、</a:t>
+                      </a:r>
+                      <a:r>
+                        <a:rPr lang="en-US" altLang="zh-CN" sz="1600" dirty="0"/>
+                        <a:t>factorize()</a:t>
+                      </a:r>
+                      <a:endParaRPr lang="en-CN" sz="1600" dirty="0"/>
+                    </a:p>
+                  </a:txBody>
+                  <a:tcPr/>
+                </a:tc>
+                <a:tc>
+                  <a:txBody>
+                    <a:bodyPr/>
+                    <a:lstStyle/>
+                    <a:p>
+                      <a:endParaRPr lang="en-CN" sz="1600" dirty="0"/>
+                    </a:p>
+                  </a:txBody>
+                  <a:tcPr/>
+                </a:tc>
+                <a:tc>
+                  <a:txBody>
+                    <a:bodyPr/>
+                    <a:lstStyle/>
+                    <a:p>
+                      <a:endParaRPr lang="en-CN" sz="1600" dirty="0"/>
+                    </a:p>
+                  </a:txBody>
+                  <a:tcPr/>
+                </a:tc>
+                <a:extLst>
+                  <a:ext uri="{0D108BD9-81ED-4DB2-BD59-A6C34878D82A}">
+                    <a16:rowId xmlns:a16="http://schemas.microsoft.com/office/drawing/2014/main" val="2253369967"/>
+                  </a:ext>
+                </a:extLst>
+              </a:tr>
+            </a:tbl>
+          </a:graphicData>
+        </a:graphic>
+      </p:graphicFrame>
+    </p:spTree>
+    <p:extLst>
+      <p:ext uri="{BB962C8B-B14F-4D97-AF65-F5344CB8AC3E}">
+        <p14:creationId xmlns:p14="http://schemas.microsoft.com/office/powerpoint/2010/main" val="1778058547"/>
+      </p:ext>
+    </p:extLst>
+  </p:cSld>
+  <p:clrMapOvr>
+    <a:masterClrMapping/>
+  </p:clrMapOvr>
+</p:sld>
+</file>
+
+<file path=ppt/slides/slide17.xml><?xml version="1.0" encoding="utf-8"?>
+<p:sld xmlns:a="http://schemas.openxmlformats.org/drawingml/2006/main" xmlns:r="http://schemas.openxmlformats.org/officeDocument/2006/relationships" xmlns:p="http://schemas.openxmlformats.org/presentationml/2006/main">
+  <p:cSld>
+    <p:spTree>
+      <p:nvGrpSpPr>
+        <p:cNvPr id="1" name=""/>
+        <p:cNvGrpSpPr/>
+        <p:nvPr/>
+      </p:nvGrpSpPr>
+      <p:grpSpPr>
+        <a:xfrm>
+          <a:off x="0" y="0"/>
+          <a:ext cx="0" cy="0"/>
+          <a:chOff x="0" y="0"/>
+          <a:chExt cx="0" cy="0"/>
+        </a:xfrm>
+      </p:grpSpPr>
+      <p:sp>
+        <p:nvSpPr>
+          <p:cNvPr id="6" name="Title 5"/>
+          <p:cNvSpPr>
+            <a:spLocks noGrp="1"/>
+          </p:cNvSpPr>
+          <p:nvPr>
+            <p:ph type="title"/>
+          </p:nvPr>
+        </p:nvSpPr>
+        <p:spPr>
+          <a:xfrm>
+            <a:off x="838200" y="193964"/>
+            <a:ext cx="10515600" cy="1153574"/>
+          </a:xfrm>
+        </p:spPr>
+        <p:txBody>
+          <a:bodyPr>
+            <a:normAutofit/>
+          </a:bodyPr>
+          <a:lstStyle/>
+          <a:p>
+            <a:pPr>
+              <a:lnSpc>
+                <a:spcPct val="150000"/>
+              </a:lnSpc>
+            </a:pPr>
+            <a:r>
+              <a:rPr lang="en-US" altLang="zh-CN" sz="2400" b="1" dirty="0" err="1">
+                <a:latin typeface="Microsoft YaHei" panose="020B0503020204020204" pitchFamily="34" charset="-122"/>
+                <a:ea typeface="Microsoft YaHei" panose="020B0503020204020204" pitchFamily="34" charset="-122"/>
+              </a:rPr>
+              <a:t>DataFrame</a:t>
+            </a:r>
+            <a:br>
+              <a:rPr lang="en-US" altLang="zh-CN" sz="1800" dirty="0">
+                <a:solidFill>
+                  <a:schemeClr val="bg1">
+                    <a:lumMod val="50000"/>
+                  </a:schemeClr>
+                </a:solidFill>
+              </a:rPr>
+            </a:br>
+            <a:r>
+              <a:rPr lang="en-CN" altLang="zh-CN" sz="1800" dirty="0">
+                <a:solidFill>
+                  <a:srgbClr val="0070C0"/>
+                </a:solidFill>
+                <a:latin typeface="Pristina" panose="020F0502020204030204" pitchFamily="34" charset="0"/>
+              </a:rPr>
+              <a:t>DataFrame</a:t>
+            </a:r>
+            <a:r>
+              <a:rPr lang="zh-CN" altLang="en-US" sz="1800" dirty="0">
+                <a:solidFill>
+                  <a:srgbClr val="0070C0"/>
+                </a:solidFill>
+                <a:latin typeface="Pristina" panose="020F0502020204030204" pitchFamily="34" charset="0"/>
+              </a:rPr>
+              <a:t> </a:t>
+            </a:r>
+            <a:r>
+              <a:rPr lang="en-US" altLang="zh-CN" sz="1800" dirty="0">
+                <a:solidFill>
+                  <a:srgbClr val="0070C0"/>
+                </a:solidFill>
+                <a:latin typeface="Pristina" panose="020F0502020204030204" pitchFamily="34" charset="0"/>
+              </a:rPr>
+              <a:t>Conversion</a:t>
+            </a:r>
+            <a:endParaRPr lang="en-US" sz="1800" dirty="0">
+              <a:solidFill>
+                <a:srgbClr val="0070C0"/>
+              </a:solidFill>
+              <a:latin typeface="Pristina" panose="020F0502020204030204" pitchFamily="34" charset="0"/>
+              <a:cs typeface="Pristina" panose="020F0502020204030204" pitchFamily="34" charset="0"/>
+            </a:endParaRPr>
+          </a:p>
+        </p:txBody>
+      </p:sp>
+      <p:sp>
+        <p:nvSpPr>
+          <p:cNvPr id="7" name="Content Placeholder 6"/>
+          <p:cNvSpPr>
+            <a:spLocks noGrp="1"/>
+          </p:cNvSpPr>
+          <p:nvPr>
+            <p:ph idx="1"/>
+          </p:nvPr>
+        </p:nvSpPr>
+        <p:spPr>
+          <a:xfrm>
+            <a:off x="838200" y="1472665"/>
+            <a:ext cx="10515600" cy="4704298"/>
+          </a:xfrm>
+        </p:spPr>
+        <p:txBody>
+          <a:bodyPr>
+            <a:normAutofit/>
+          </a:bodyPr>
+          <a:lstStyle/>
+          <a:p>
+            <a:pPr marL="0" indent="0">
+              <a:lnSpc>
+                <a:spcPct val="150000"/>
+              </a:lnSpc>
+              <a:buNone/>
+            </a:pPr>
+            <a:r>
+              <a:rPr lang="en-US" altLang="zh-CN" sz="2000" dirty="0" err="1">
+                <a:solidFill>
+                  <a:schemeClr val="bg2">
+                    <a:lumMod val="25000"/>
+                  </a:schemeClr>
+                </a:solidFill>
+              </a:rPr>
+              <a:t>DataFrame</a:t>
+            </a:r>
+            <a:r>
+              <a:rPr lang="zh-CN" altLang="en-US" sz="2000" dirty="0">
+                <a:solidFill>
+                  <a:schemeClr val="bg2">
+                    <a:lumMod val="25000"/>
+                  </a:schemeClr>
+                </a:solidFill>
+              </a:rPr>
+              <a:t>转换</a:t>
+            </a:r>
+            <a:endParaRPr lang="en-US" altLang="zh-CN" sz="2000" dirty="0">
+              <a:solidFill>
+                <a:schemeClr val="bg2">
+                  <a:lumMod val="25000"/>
+                </a:schemeClr>
+              </a:solidFill>
+            </a:endParaRPr>
+          </a:p>
+        </p:txBody>
+      </p:sp>
+      <p:pic>
+        <p:nvPicPr>
+          <p:cNvPr id="4" name="Picture 3">
+            <a:extLst>
+              <a:ext uri="{FF2B5EF4-FFF2-40B4-BE49-F238E27FC236}">
+                <a16:creationId xmlns:a16="http://schemas.microsoft.com/office/drawing/2014/main" id="{34023F69-EA1A-DD87-CF6A-11C75264A466}"/>
+              </a:ext>
+            </a:extLst>
+          </p:cNvPr>
+          <p:cNvPicPr>
+            <a:picLocks noChangeAspect="1"/>
+          </p:cNvPicPr>
+          <p:nvPr/>
+        </p:nvPicPr>
+        <p:blipFill>
+          <a:blip r:embed="rId3"/>
+          <a:stretch>
+            <a:fillRect/>
+          </a:stretch>
+        </p:blipFill>
+        <p:spPr>
+          <a:xfrm>
+            <a:off x="928914" y="2432676"/>
+            <a:ext cx="5089984" cy="2534022"/>
+          </a:xfrm>
+          <a:prstGeom prst="rect">
+            <a:avLst/>
+          </a:prstGeom>
+        </p:spPr>
+      </p:pic>
+      <p:pic>
+        <p:nvPicPr>
+          <p:cNvPr id="8" name="Picture 7">
+            <a:extLst>
+              <a:ext uri="{FF2B5EF4-FFF2-40B4-BE49-F238E27FC236}">
+                <a16:creationId xmlns:a16="http://schemas.microsoft.com/office/drawing/2014/main" id="{2B37B4E2-2F60-B8CD-8593-886054F274AB}"/>
+              </a:ext>
+            </a:extLst>
+          </p:cNvPr>
+          <p:cNvPicPr>
+            <a:picLocks noChangeAspect="1"/>
+          </p:cNvPicPr>
+          <p:nvPr/>
+        </p:nvPicPr>
+        <p:blipFill>
+          <a:blip r:embed="rId4"/>
+          <a:stretch>
+            <a:fillRect/>
+          </a:stretch>
+        </p:blipFill>
+        <p:spPr>
+          <a:xfrm>
+            <a:off x="6173102" y="2432676"/>
+            <a:ext cx="5089984" cy="1386112"/>
+          </a:xfrm>
+          <a:prstGeom prst="rect">
+            <a:avLst/>
+          </a:prstGeom>
+        </p:spPr>
+      </p:pic>
+      <p:sp>
+        <p:nvSpPr>
+          <p:cNvPr id="10" name="TextBox 9">
+            <a:extLst>
+              <a:ext uri="{FF2B5EF4-FFF2-40B4-BE49-F238E27FC236}">
+                <a16:creationId xmlns:a16="http://schemas.microsoft.com/office/drawing/2014/main" id="{04AEF7F5-79B9-402A-51F0-167DEE9D6870}"/>
+              </a:ext>
+            </a:extLst>
+          </p:cNvPr>
+          <p:cNvSpPr txBox="1"/>
+          <p:nvPr/>
+        </p:nvSpPr>
+        <p:spPr>
+          <a:xfrm>
+            <a:off x="861225" y="5322995"/>
+            <a:ext cx="10541027" cy="584775"/>
+          </a:xfrm>
+          <a:prstGeom prst="rect">
+            <a:avLst/>
+          </a:prstGeom>
+          <a:noFill/>
+        </p:spPr>
+        <p:txBody>
+          <a:bodyPr wrap="none" rtlCol="0">
+            <a:spAutoFit/>
+          </a:bodyPr>
+          <a:lstStyle/>
+          <a:p>
+            <a:r>
+              <a:rPr lang="en-CN" sz="1600" dirty="0">
+                <a:solidFill>
+                  <a:schemeClr val="bg1">
+                    <a:lumMod val="50000"/>
+                  </a:schemeClr>
+                </a:solidFill>
+              </a:rPr>
+              <a:t>关于</a:t>
+            </a:r>
+            <a:r>
+              <a:rPr lang="zh-CN" altLang="en-US" sz="1600" dirty="0">
+                <a:solidFill>
+                  <a:schemeClr val="bg1">
+                    <a:lumMod val="50000"/>
+                  </a:schemeClr>
+                </a:solidFill>
+              </a:rPr>
+              <a:t> </a:t>
+            </a:r>
+            <a:r>
+              <a:rPr lang="en-CN" sz="1600" dirty="0">
+                <a:solidFill>
+                  <a:schemeClr val="bg1">
+                    <a:lumMod val="50000"/>
+                  </a:schemeClr>
+                </a:solidFill>
+              </a:rPr>
+              <a:t>Data</a:t>
+            </a:r>
+            <a:r>
+              <a:rPr lang="en-US" altLang="zh-CN" sz="1600" dirty="0">
+                <a:solidFill>
+                  <a:schemeClr val="bg1">
+                    <a:lumMod val="50000"/>
+                  </a:schemeClr>
+                </a:solidFill>
+              </a:rPr>
+              <a:t>Frame</a:t>
+            </a:r>
+            <a:r>
+              <a:rPr lang="zh-CN" altLang="en-US" sz="1600" dirty="0">
+                <a:solidFill>
+                  <a:schemeClr val="bg1">
+                    <a:lumMod val="50000"/>
+                  </a:schemeClr>
+                </a:solidFill>
+              </a:rPr>
+              <a:t> 和 </a:t>
+            </a:r>
+            <a:r>
+              <a:rPr lang="en-US" altLang="zh-CN" sz="1600" dirty="0" err="1">
+                <a:solidFill>
+                  <a:schemeClr val="bg1">
+                    <a:lumMod val="50000"/>
+                  </a:schemeClr>
+                </a:solidFill>
+              </a:rPr>
+              <a:t>ndarray</a:t>
+            </a:r>
+            <a:r>
+              <a:rPr lang="zh-CN" altLang="en-US" sz="1600" dirty="0">
+                <a:solidFill>
+                  <a:schemeClr val="bg1">
+                    <a:lumMod val="50000"/>
+                  </a:schemeClr>
+                </a:solidFill>
+              </a:rPr>
+              <a:t> 之间的相互转换，您一定要十分熟悉它们的操作以及处理成自己想要的数据结构，这部分</a:t>
+            </a:r>
+            <a:endParaRPr lang="en-US" altLang="zh-CN" sz="1600" dirty="0">
+              <a:solidFill>
+                <a:schemeClr val="bg1">
+                  <a:lumMod val="50000"/>
+                </a:schemeClr>
+              </a:solidFill>
+            </a:endParaRPr>
+          </a:p>
+          <a:p>
+            <a:r>
+              <a:rPr lang="zh-CN" altLang="en-US" sz="1600" dirty="0">
+                <a:solidFill>
+                  <a:schemeClr val="bg1">
+                    <a:lumMod val="50000"/>
+                  </a:schemeClr>
+                </a:solidFill>
+              </a:rPr>
+              <a:t>内容在编码、调试过程中最容易出错。</a:t>
+            </a:r>
+            <a:endParaRPr lang="en-CN" sz="1600" dirty="0">
+              <a:solidFill>
+                <a:schemeClr val="bg1">
+                  <a:lumMod val="50000"/>
+                </a:schemeClr>
+              </a:solidFill>
+            </a:endParaRPr>
+          </a:p>
+        </p:txBody>
+      </p:sp>
+      <p:sp>
+        <p:nvSpPr>
+          <p:cNvPr id="11" name="TextBox 10">
+            <a:extLst>
+              <a:ext uri="{FF2B5EF4-FFF2-40B4-BE49-F238E27FC236}">
+                <a16:creationId xmlns:a16="http://schemas.microsoft.com/office/drawing/2014/main" id="{2D3B1F70-5DE1-D942-2C51-0F1B35D257F2}"/>
+              </a:ext>
+            </a:extLst>
+          </p:cNvPr>
+          <p:cNvSpPr txBox="1"/>
+          <p:nvPr/>
+        </p:nvSpPr>
+        <p:spPr>
+          <a:xfrm>
+            <a:off x="838200" y="2063344"/>
+            <a:ext cx="2269083" cy="369332"/>
+          </a:xfrm>
+          <a:prstGeom prst="rect">
+            <a:avLst/>
+          </a:prstGeom>
+          <a:noFill/>
+        </p:spPr>
+        <p:txBody>
+          <a:bodyPr wrap="none" rtlCol="0">
+            <a:spAutoFit/>
+          </a:bodyPr>
+          <a:lstStyle/>
+          <a:p>
+            <a:r>
+              <a:rPr lang="en-US" altLang="zh-CN" dirty="0" err="1">
+                <a:solidFill>
+                  <a:srgbClr val="0070C0"/>
+                </a:solidFill>
+              </a:rPr>
+              <a:t>ndarray</a:t>
+            </a:r>
+            <a:r>
+              <a:rPr lang="zh-CN" altLang="en-US" dirty="0">
+                <a:solidFill>
+                  <a:srgbClr val="0070C0"/>
+                </a:solidFill>
+              </a:rPr>
+              <a:t> 转 </a:t>
+            </a:r>
+            <a:r>
+              <a:rPr lang="en-US" altLang="zh-CN" dirty="0" err="1">
+                <a:solidFill>
+                  <a:srgbClr val="0070C0"/>
+                </a:solidFill>
+              </a:rPr>
+              <a:t>DataFrame</a:t>
+            </a:r>
+            <a:endParaRPr lang="en-CN" dirty="0">
+              <a:solidFill>
+                <a:srgbClr val="0070C0"/>
+              </a:solidFill>
+            </a:endParaRPr>
+          </a:p>
+        </p:txBody>
+      </p:sp>
+      <p:sp>
+        <p:nvSpPr>
+          <p:cNvPr id="12" name="TextBox 11">
+            <a:extLst>
+              <a:ext uri="{FF2B5EF4-FFF2-40B4-BE49-F238E27FC236}">
+                <a16:creationId xmlns:a16="http://schemas.microsoft.com/office/drawing/2014/main" id="{3B19BB97-1207-C34F-6762-99671AE9523B}"/>
+              </a:ext>
+            </a:extLst>
+          </p:cNvPr>
+          <p:cNvSpPr txBox="1"/>
+          <p:nvPr/>
+        </p:nvSpPr>
+        <p:spPr>
+          <a:xfrm>
+            <a:off x="6082388" y="2063344"/>
+            <a:ext cx="2269083" cy="369332"/>
+          </a:xfrm>
+          <a:prstGeom prst="rect">
+            <a:avLst/>
+          </a:prstGeom>
+          <a:noFill/>
+        </p:spPr>
+        <p:txBody>
+          <a:bodyPr wrap="none" rtlCol="0">
+            <a:spAutoFit/>
+          </a:bodyPr>
+          <a:lstStyle/>
+          <a:p>
+            <a:r>
+              <a:rPr lang="en-US" altLang="zh-CN" dirty="0" err="1">
+                <a:solidFill>
+                  <a:srgbClr val="0070C0"/>
+                </a:solidFill>
+              </a:rPr>
+              <a:t>DataFrame</a:t>
+            </a:r>
+            <a:r>
+              <a:rPr lang="zh-CN" altLang="en-US" dirty="0">
+                <a:solidFill>
+                  <a:srgbClr val="0070C0"/>
+                </a:solidFill>
+              </a:rPr>
+              <a:t> 转 </a:t>
+            </a:r>
+            <a:r>
+              <a:rPr lang="en-US" altLang="zh-CN" dirty="0" err="1">
+                <a:solidFill>
+                  <a:srgbClr val="0070C0"/>
+                </a:solidFill>
+              </a:rPr>
+              <a:t>ndarray</a:t>
+            </a:r>
+            <a:endParaRPr lang="en-CN" dirty="0">
+              <a:solidFill>
+                <a:srgbClr val="0070C0"/>
+              </a:solidFill>
+            </a:endParaRPr>
+          </a:p>
+        </p:txBody>
+      </p:sp>
+    </p:spTree>
+    <p:extLst>
+      <p:ext uri="{BB962C8B-B14F-4D97-AF65-F5344CB8AC3E}">
+        <p14:creationId xmlns:p14="http://schemas.microsoft.com/office/powerpoint/2010/main" val="3351923774"/>
+      </p:ext>
+    </p:extLst>
+  </p:cSld>
+  <p:clrMapOvr>
+    <a:masterClrMapping/>
+  </p:clrMapOvr>
+</p:sld>
+</file>
+
+<file path=ppt/slides/slide18.xml><?xml version="1.0" encoding="utf-8"?>
+<p:sld xmlns:a="http://schemas.openxmlformats.org/drawingml/2006/main" xmlns:r="http://schemas.openxmlformats.org/officeDocument/2006/relationships" xmlns:p="http://schemas.openxmlformats.org/presentationml/2006/main">
+  <p:cSld>
+    <p:spTree>
+      <p:nvGrpSpPr>
+        <p:cNvPr id="1" name=""/>
+        <p:cNvGrpSpPr/>
+        <p:nvPr/>
+      </p:nvGrpSpPr>
+      <p:grpSpPr>
+        <a:xfrm>
+          <a:off x="0" y="0"/>
+          <a:ext cx="0" cy="0"/>
+          <a:chOff x="0" y="0"/>
+          <a:chExt cx="0" cy="0"/>
+        </a:xfrm>
+      </p:grpSpPr>
+      <p:sp>
+        <p:nvSpPr>
+          <p:cNvPr id="6" name="Title 5"/>
+          <p:cNvSpPr>
+            <a:spLocks noGrp="1"/>
+          </p:cNvSpPr>
+          <p:nvPr>
+            <p:ph type="title"/>
+          </p:nvPr>
+        </p:nvSpPr>
+        <p:spPr>
+          <a:xfrm>
+            <a:off x="838200" y="193964"/>
+            <a:ext cx="10515600" cy="1153574"/>
+          </a:xfrm>
+        </p:spPr>
+        <p:txBody>
+          <a:bodyPr>
+            <a:normAutofit/>
+          </a:bodyPr>
+          <a:lstStyle/>
+          <a:p>
+            <a:pPr>
+              <a:lnSpc>
+                <a:spcPct val="150000"/>
+              </a:lnSpc>
+            </a:pPr>
+            <a:r>
+              <a:rPr lang="en-US" altLang="zh-CN" sz="2400" b="1" dirty="0" err="1">
+                <a:latin typeface="Microsoft YaHei" panose="020B0503020204020204" pitchFamily="34" charset="-122"/>
+                <a:ea typeface="Microsoft YaHei" panose="020B0503020204020204" pitchFamily="34" charset="-122"/>
+              </a:rPr>
+              <a:t>DataFrame</a:t>
+            </a:r>
+            <a:br>
+              <a:rPr lang="en-US" altLang="zh-CN" sz="1800" dirty="0">
+                <a:solidFill>
+                  <a:schemeClr val="bg1">
+                    <a:lumMod val="50000"/>
+                  </a:schemeClr>
+                </a:solidFill>
+              </a:rPr>
+            </a:br>
+            <a:r>
+              <a:rPr lang="en-CN" altLang="zh-CN" sz="1800" dirty="0">
+                <a:solidFill>
+                  <a:srgbClr val="0070C0"/>
+                </a:solidFill>
+                <a:latin typeface="Pristina" panose="020F0502020204030204" pitchFamily="34" charset="0"/>
+              </a:rPr>
+              <a:t>DataFrame</a:t>
+            </a:r>
+            <a:r>
+              <a:rPr lang="zh-CN" altLang="en-US" sz="1800" dirty="0">
+                <a:solidFill>
+                  <a:srgbClr val="0070C0"/>
+                </a:solidFill>
+                <a:latin typeface="Pristina" panose="020F0502020204030204" pitchFamily="34" charset="0"/>
+              </a:rPr>
+              <a:t> </a:t>
+            </a:r>
+            <a:r>
+              <a:rPr lang="en-US" altLang="zh-CN" sz="1800" dirty="0">
+                <a:solidFill>
+                  <a:srgbClr val="0070C0"/>
+                </a:solidFill>
+                <a:latin typeface="Pristina" panose="020F0502020204030204" pitchFamily="34" charset="0"/>
+              </a:rPr>
+              <a:t>Conversion</a:t>
+            </a:r>
+            <a:endParaRPr lang="en-US" sz="1800" dirty="0">
+              <a:solidFill>
+                <a:srgbClr val="0070C0"/>
+              </a:solidFill>
+              <a:latin typeface="Pristina" panose="020F0502020204030204" pitchFamily="34" charset="0"/>
+              <a:cs typeface="Pristina" panose="020F0502020204030204" pitchFamily="34" charset="0"/>
+            </a:endParaRPr>
+          </a:p>
+        </p:txBody>
+      </p:sp>
+      <p:sp>
+        <p:nvSpPr>
+          <p:cNvPr id="7" name="Content Placeholder 6"/>
+          <p:cNvSpPr>
+            <a:spLocks noGrp="1"/>
+          </p:cNvSpPr>
+          <p:nvPr>
+            <p:ph idx="1"/>
+          </p:nvPr>
+        </p:nvSpPr>
+        <p:spPr>
+          <a:xfrm>
+            <a:off x="838200" y="1472665"/>
+            <a:ext cx="10515600" cy="4704298"/>
+          </a:xfrm>
+        </p:spPr>
+        <p:txBody>
+          <a:bodyPr>
+            <a:normAutofit/>
+          </a:bodyPr>
+          <a:lstStyle/>
+          <a:p>
+            <a:pPr marL="0" indent="0">
+              <a:lnSpc>
+                <a:spcPct val="150000"/>
+              </a:lnSpc>
+              <a:buNone/>
+            </a:pPr>
+            <a:r>
+              <a:rPr lang="en-US" altLang="zh-CN" sz="2000" dirty="0" err="1">
+                <a:solidFill>
+                  <a:schemeClr val="bg2">
+                    <a:lumMod val="25000"/>
+                  </a:schemeClr>
+                </a:solidFill>
+              </a:rPr>
+              <a:t>DataFrame</a:t>
+            </a:r>
+            <a:r>
+              <a:rPr lang="zh-CN" altLang="en-US" sz="2000" dirty="0">
+                <a:solidFill>
+                  <a:schemeClr val="bg2">
+                    <a:lumMod val="25000"/>
+                  </a:schemeClr>
+                </a:solidFill>
+              </a:rPr>
+              <a:t>、</a:t>
+            </a:r>
+            <a:r>
+              <a:rPr lang="en-US" altLang="zh-CN" sz="2000" dirty="0">
+                <a:solidFill>
+                  <a:schemeClr val="bg2">
+                    <a:lumMod val="25000"/>
+                  </a:schemeClr>
+                </a:solidFill>
+              </a:rPr>
+              <a:t>Index</a:t>
+            </a:r>
+            <a:r>
+              <a:rPr lang="zh-CN" altLang="en-US" sz="2000" dirty="0">
+                <a:solidFill>
+                  <a:schemeClr val="bg2">
+                    <a:lumMod val="25000"/>
+                  </a:schemeClr>
+                </a:solidFill>
+              </a:rPr>
+              <a:t>、</a:t>
+            </a:r>
+            <a:r>
+              <a:rPr lang="en-US" altLang="zh-CN" sz="2000" dirty="0">
+                <a:solidFill>
+                  <a:schemeClr val="bg2">
+                    <a:lumMod val="25000"/>
+                  </a:schemeClr>
+                </a:solidFill>
+              </a:rPr>
+              <a:t>Series</a:t>
+            </a:r>
+            <a:endParaRPr lang="en-US" altLang="zh-CN" sz="1800" dirty="0">
+              <a:solidFill>
+                <a:schemeClr val="bg2">
+                  <a:lumMod val="25000"/>
+                </a:schemeClr>
+              </a:solidFill>
+            </a:endParaRPr>
+          </a:p>
+        </p:txBody>
+      </p:sp>
+      <p:sp>
+        <p:nvSpPr>
+          <p:cNvPr id="10" name="TextBox 9">
+            <a:extLst>
+              <a:ext uri="{FF2B5EF4-FFF2-40B4-BE49-F238E27FC236}">
+                <a16:creationId xmlns:a16="http://schemas.microsoft.com/office/drawing/2014/main" id="{04AEF7F5-79B9-402A-51F0-167DEE9D6870}"/>
+              </a:ext>
+            </a:extLst>
+          </p:cNvPr>
+          <p:cNvSpPr txBox="1"/>
+          <p:nvPr/>
+        </p:nvSpPr>
+        <p:spPr>
+          <a:xfrm>
+            <a:off x="838199" y="5634967"/>
+            <a:ext cx="5608010" cy="338554"/>
+          </a:xfrm>
+          <a:prstGeom prst="rect">
+            <a:avLst/>
+          </a:prstGeom>
+          <a:noFill/>
+        </p:spPr>
+        <p:txBody>
+          <a:bodyPr wrap="none" rtlCol="0">
+            <a:spAutoFit/>
+          </a:bodyPr>
+          <a:lstStyle/>
+          <a:p>
+            <a:r>
+              <a:rPr lang="en-US" sz="1600" dirty="0" err="1">
+                <a:solidFill>
+                  <a:schemeClr val="bg1">
+                    <a:lumMod val="50000"/>
+                  </a:schemeClr>
+                </a:solidFill>
+              </a:rPr>
+              <a:t>不解释</a:t>
+            </a:r>
+            <a:r>
+              <a:rPr lang="zh-CN" altLang="en-US" sz="1600" dirty="0">
+                <a:solidFill>
+                  <a:schemeClr val="bg1">
+                    <a:lumMod val="50000"/>
+                  </a:schemeClr>
+                </a:solidFill>
+              </a:rPr>
+              <a:t>，又一个高频出错的位置（</a:t>
+            </a:r>
+            <a:r>
+              <a:rPr lang="en-US" altLang="zh-CN" sz="1600" dirty="0">
+                <a:solidFill>
+                  <a:schemeClr val="bg1">
+                    <a:lumMod val="50000"/>
+                  </a:schemeClr>
+                </a:solidFill>
+              </a:rPr>
+              <a:t> ChatGPT-4.0</a:t>
+            </a:r>
+            <a:r>
+              <a:rPr lang="zh-CN" altLang="en-US" sz="1600" dirty="0">
+                <a:solidFill>
+                  <a:schemeClr val="bg1">
+                    <a:lumMod val="50000"/>
+                  </a:schemeClr>
+                </a:solidFill>
+              </a:rPr>
+              <a:t> 提供代码）。</a:t>
+            </a:r>
+            <a:endParaRPr lang="en-CN" sz="1600" dirty="0">
+              <a:solidFill>
+                <a:schemeClr val="bg1">
+                  <a:lumMod val="50000"/>
+                </a:schemeClr>
+              </a:solidFill>
+            </a:endParaRPr>
+          </a:p>
+        </p:txBody>
+      </p:sp>
+      <p:sp>
+        <p:nvSpPr>
+          <p:cNvPr id="3" name="TextBox 2">
+            <a:extLst>
+              <a:ext uri="{FF2B5EF4-FFF2-40B4-BE49-F238E27FC236}">
+                <a16:creationId xmlns:a16="http://schemas.microsoft.com/office/drawing/2014/main" id="{FA28C596-3BD0-B4DA-23BE-B2083AB4E041}"/>
+              </a:ext>
+            </a:extLst>
+          </p:cNvPr>
+          <p:cNvSpPr txBox="1"/>
+          <p:nvPr/>
+        </p:nvSpPr>
+        <p:spPr>
+          <a:xfrm>
+            <a:off x="838200" y="2070601"/>
+            <a:ext cx="1593450" cy="369332"/>
+          </a:xfrm>
+          <a:prstGeom prst="rect">
+            <a:avLst/>
+          </a:prstGeom>
+          <a:noFill/>
+        </p:spPr>
+        <p:txBody>
+          <a:bodyPr wrap="none" rtlCol="0">
+            <a:spAutoFit/>
+          </a:bodyPr>
+          <a:lstStyle/>
+          <a:p>
+            <a:r>
+              <a:rPr lang="en-US" altLang="zh-CN" dirty="0">
+                <a:solidFill>
+                  <a:srgbClr val="0070C0"/>
+                </a:solidFill>
+              </a:rPr>
+              <a:t>Index</a:t>
+            </a:r>
+            <a:r>
+              <a:rPr lang="zh-CN" altLang="en-US" dirty="0">
+                <a:solidFill>
+                  <a:srgbClr val="0070C0"/>
+                </a:solidFill>
+              </a:rPr>
+              <a:t> 转 </a:t>
+            </a:r>
+            <a:r>
+              <a:rPr lang="en-US" altLang="zh-CN" dirty="0">
+                <a:solidFill>
+                  <a:srgbClr val="0070C0"/>
+                </a:solidFill>
+              </a:rPr>
+              <a:t>Series</a:t>
+            </a:r>
+            <a:endParaRPr lang="en-CN" dirty="0">
+              <a:solidFill>
+                <a:srgbClr val="0070C0"/>
+              </a:solidFill>
+            </a:endParaRPr>
+          </a:p>
+        </p:txBody>
+      </p:sp>
+      <p:sp>
+        <p:nvSpPr>
+          <p:cNvPr id="9" name="TextBox 8">
+            <a:extLst>
+              <a:ext uri="{FF2B5EF4-FFF2-40B4-BE49-F238E27FC236}">
+                <a16:creationId xmlns:a16="http://schemas.microsoft.com/office/drawing/2014/main" id="{079D074A-9277-EB0A-C231-0EED90C10C53}"/>
+              </a:ext>
+            </a:extLst>
+          </p:cNvPr>
+          <p:cNvSpPr txBox="1"/>
+          <p:nvPr/>
+        </p:nvSpPr>
+        <p:spPr>
+          <a:xfrm>
+            <a:off x="6096000" y="2087431"/>
+            <a:ext cx="2108206" cy="369332"/>
+          </a:xfrm>
+          <a:prstGeom prst="rect">
+            <a:avLst/>
+          </a:prstGeom>
+          <a:noFill/>
+        </p:spPr>
+        <p:txBody>
+          <a:bodyPr wrap="none" rtlCol="0">
+            <a:spAutoFit/>
+          </a:bodyPr>
+          <a:lstStyle/>
+          <a:p>
+            <a:r>
+              <a:rPr lang="en-US" altLang="zh-CN" dirty="0">
+                <a:solidFill>
+                  <a:srgbClr val="0070C0"/>
+                </a:solidFill>
+              </a:rPr>
+              <a:t>Series</a:t>
+            </a:r>
+            <a:r>
+              <a:rPr lang="zh-CN" altLang="en-US" dirty="0">
+                <a:solidFill>
+                  <a:srgbClr val="0070C0"/>
+                </a:solidFill>
+              </a:rPr>
+              <a:t> 转 </a:t>
+            </a:r>
+            <a:r>
+              <a:rPr lang="en-US" altLang="zh-CN" dirty="0" err="1">
+                <a:solidFill>
+                  <a:srgbClr val="0070C0"/>
+                </a:solidFill>
+              </a:rPr>
+              <a:t>DataFrame</a:t>
+            </a:r>
+            <a:endParaRPr lang="en-CN" dirty="0">
+              <a:solidFill>
+                <a:srgbClr val="0070C0"/>
+              </a:solidFill>
+            </a:endParaRPr>
+          </a:p>
+        </p:txBody>
+      </p:sp>
+      <p:pic>
+        <p:nvPicPr>
+          <p:cNvPr id="11" name="Picture 10">
+            <a:extLst>
+              <a:ext uri="{FF2B5EF4-FFF2-40B4-BE49-F238E27FC236}">
+                <a16:creationId xmlns:a16="http://schemas.microsoft.com/office/drawing/2014/main" id="{8FE7DD71-E474-9D70-D484-587678D1B005}"/>
+              </a:ext>
+            </a:extLst>
+          </p:cNvPr>
+          <p:cNvPicPr>
+            <a:picLocks noChangeAspect="1"/>
+          </p:cNvPicPr>
+          <p:nvPr/>
+        </p:nvPicPr>
+        <p:blipFill>
+          <a:blip r:embed="rId3"/>
+          <a:stretch>
+            <a:fillRect/>
+          </a:stretch>
+        </p:blipFill>
+        <p:spPr>
+          <a:xfrm>
+            <a:off x="6096000" y="2516876"/>
+            <a:ext cx="4622800" cy="876300"/>
+          </a:xfrm>
+          <a:prstGeom prst="rect">
+            <a:avLst/>
+          </a:prstGeom>
+        </p:spPr>
+      </p:pic>
+      <p:pic>
+        <p:nvPicPr>
+          <p:cNvPr id="12" name="Picture 11">
+            <a:extLst>
+              <a:ext uri="{FF2B5EF4-FFF2-40B4-BE49-F238E27FC236}">
+                <a16:creationId xmlns:a16="http://schemas.microsoft.com/office/drawing/2014/main" id="{8691EEC8-C316-7E7F-905A-130791CC490C}"/>
+              </a:ext>
+            </a:extLst>
+          </p:cNvPr>
+          <p:cNvPicPr>
+            <a:picLocks noChangeAspect="1"/>
+          </p:cNvPicPr>
+          <p:nvPr/>
+        </p:nvPicPr>
+        <p:blipFill>
+          <a:blip r:embed="rId4"/>
+          <a:stretch>
+            <a:fillRect/>
+          </a:stretch>
+        </p:blipFill>
+        <p:spPr>
+          <a:xfrm>
+            <a:off x="838199" y="2478776"/>
+            <a:ext cx="4800599" cy="970908"/>
+          </a:xfrm>
+          <a:prstGeom prst="rect">
+            <a:avLst/>
+          </a:prstGeom>
+        </p:spPr>
+      </p:pic>
+      <p:sp>
+        <p:nvSpPr>
+          <p:cNvPr id="13" name="TextBox 12">
+            <a:extLst>
+              <a:ext uri="{FF2B5EF4-FFF2-40B4-BE49-F238E27FC236}">
+                <a16:creationId xmlns:a16="http://schemas.microsoft.com/office/drawing/2014/main" id="{2F7BBC6C-568B-2B0E-BE72-10BA3463D1A6}"/>
+              </a:ext>
+            </a:extLst>
+          </p:cNvPr>
+          <p:cNvSpPr txBox="1"/>
+          <p:nvPr/>
+        </p:nvSpPr>
+        <p:spPr>
+          <a:xfrm>
+            <a:off x="838200" y="3825404"/>
+            <a:ext cx="2800703" cy="369332"/>
+          </a:xfrm>
+          <a:prstGeom prst="rect">
+            <a:avLst/>
+          </a:prstGeom>
+          <a:noFill/>
+        </p:spPr>
+        <p:txBody>
+          <a:bodyPr wrap="none" rtlCol="0">
+            <a:spAutoFit/>
+          </a:bodyPr>
+          <a:lstStyle/>
+          <a:p>
+            <a:r>
+              <a:rPr lang="en-US" dirty="0" err="1">
+                <a:solidFill>
+                  <a:srgbClr val="0070C0"/>
+                </a:solidFill>
+              </a:rPr>
+              <a:t>DataFrame</a:t>
+            </a:r>
+            <a:r>
+              <a:rPr lang="zh-CN" altLang="en-US" dirty="0">
+                <a:solidFill>
+                  <a:srgbClr val="0070C0"/>
+                </a:solidFill>
+              </a:rPr>
+              <a:t> 某一列转 </a:t>
+            </a:r>
+            <a:r>
+              <a:rPr lang="en-US" altLang="zh-CN" dirty="0">
+                <a:solidFill>
+                  <a:srgbClr val="0070C0"/>
+                </a:solidFill>
+              </a:rPr>
+              <a:t>Series</a:t>
+            </a:r>
+            <a:endParaRPr lang="en-CN" dirty="0">
+              <a:solidFill>
+                <a:srgbClr val="0070C0"/>
+              </a:solidFill>
+            </a:endParaRPr>
+          </a:p>
+        </p:txBody>
+      </p:sp>
+      <p:pic>
+        <p:nvPicPr>
+          <p:cNvPr id="14" name="Picture 13">
+            <a:extLst>
+              <a:ext uri="{FF2B5EF4-FFF2-40B4-BE49-F238E27FC236}">
+                <a16:creationId xmlns:a16="http://schemas.microsoft.com/office/drawing/2014/main" id="{0673559E-EDD5-4C5A-347B-88BC8076D340}"/>
+              </a:ext>
+            </a:extLst>
+          </p:cNvPr>
+          <p:cNvPicPr>
+            <a:picLocks noChangeAspect="1"/>
+          </p:cNvPicPr>
+          <p:nvPr/>
+        </p:nvPicPr>
+        <p:blipFill>
+          <a:blip r:embed="rId5"/>
+          <a:stretch>
+            <a:fillRect/>
+          </a:stretch>
+        </p:blipFill>
+        <p:spPr>
+          <a:xfrm>
+            <a:off x="838200" y="4195164"/>
+            <a:ext cx="4800600" cy="863600"/>
+          </a:xfrm>
+          <a:prstGeom prst="rect">
+            <a:avLst/>
+          </a:prstGeom>
+        </p:spPr>
+      </p:pic>
+      <p:sp>
+        <p:nvSpPr>
+          <p:cNvPr id="15" name="TextBox 14">
+            <a:extLst>
+              <a:ext uri="{FF2B5EF4-FFF2-40B4-BE49-F238E27FC236}">
+                <a16:creationId xmlns:a16="http://schemas.microsoft.com/office/drawing/2014/main" id="{19C9E432-0093-8E6C-86C9-63F169D7444C}"/>
+              </a:ext>
+            </a:extLst>
+          </p:cNvPr>
+          <p:cNvSpPr txBox="1"/>
+          <p:nvPr/>
+        </p:nvSpPr>
+        <p:spPr>
+          <a:xfrm>
+            <a:off x="6096000" y="3824814"/>
+            <a:ext cx="3776931" cy="369332"/>
+          </a:xfrm>
+          <a:prstGeom prst="rect">
+            <a:avLst/>
+          </a:prstGeom>
+          <a:noFill/>
+        </p:spPr>
+        <p:txBody>
+          <a:bodyPr wrap="none" rtlCol="0">
+            <a:spAutoFit/>
+          </a:bodyPr>
+          <a:lstStyle/>
+          <a:p>
+            <a:r>
+              <a:rPr lang="en-US" altLang="zh-CN" dirty="0">
+                <a:solidFill>
+                  <a:srgbClr val="0070C0"/>
+                </a:solidFill>
+              </a:rPr>
+              <a:t>Series</a:t>
+            </a:r>
+            <a:r>
+              <a:rPr lang="zh-CN" altLang="en-US" dirty="0">
+                <a:solidFill>
+                  <a:srgbClr val="0070C0"/>
+                </a:solidFill>
+              </a:rPr>
+              <a:t> 的索引转换成 </a:t>
+            </a:r>
+            <a:r>
+              <a:rPr lang="en-US" altLang="zh-CN" dirty="0" err="1">
+                <a:solidFill>
+                  <a:srgbClr val="0070C0"/>
+                </a:solidFill>
+              </a:rPr>
+              <a:t>DataFrame</a:t>
+            </a:r>
+            <a:r>
+              <a:rPr lang="zh-CN" altLang="en-US" dirty="0">
+                <a:solidFill>
+                  <a:srgbClr val="0070C0"/>
+                </a:solidFill>
+              </a:rPr>
+              <a:t> 的列</a:t>
+            </a:r>
+            <a:endParaRPr lang="en-CN" dirty="0">
+              <a:solidFill>
+                <a:srgbClr val="0070C0"/>
+              </a:solidFill>
+            </a:endParaRPr>
+          </a:p>
+        </p:txBody>
+      </p:sp>
+      <p:pic>
+        <p:nvPicPr>
+          <p:cNvPr id="16" name="Picture 15">
+            <a:extLst>
+              <a:ext uri="{FF2B5EF4-FFF2-40B4-BE49-F238E27FC236}">
+                <a16:creationId xmlns:a16="http://schemas.microsoft.com/office/drawing/2014/main" id="{30C92173-5946-CC47-31F2-DEAA56167DB4}"/>
+              </a:ext>
+            </a:extLst>
+          </p:cNvPr>
+          <p:cNvPicPr>
+            <a:picLocks noChangeAspect="1"/>
+          </p:cNvPicPr>
+          <p:nvPr/>
+        </p:nvPicPr>
+        <p:blipFill>
+          <a:blip r:embed="rId6"/>
+          <a:stretch>
+            <a:fillRect/>
+          </a:stretch>
+        </p:blipFill>
+        <p:spPr>
+          <a:xfrm>
+            <a:off x="6096000" y="4194146"/>
+            <a:ext cx="4635500" cy="812800"/>
+          </a:xfrm>
+          <a:prstGeom prst="rect">
+            <a:avLst/>
+          </a:prstGeom>
+        </p:spPr>
+      </p:pic>
+    </p:spTree>
+    <p:extLst>
+      <p:ext uri="{BB962C8B-B14F-4D97-AF65-F5344CB8AC3E}">
+        <p14:creationId xmlns:p14="http://schemas.microsoft.com/office/powerpoint/2010/main" val="2473959654"/>
+      </p:ext>
+    </p:extLst>
+  </p:cSld>
+  <p:clrMapOvr>
+    <a:masterClrMapping/>
+  </p:clrMapOvr>
+</p:sld>
+</file>
+
+<file path=ppt/slides/slide19.xml><?xml version="1.0" encoding="utf-8"?>
+<p:sld xmlns:a="http://schemas.openxmlformats.org/drawingml/2006/main" xmlns:r="http://schemas.openxmlformats.org/officeDocument/2006/relationships" xmlns:p="http://schemas.openxmlformats.org/presentationml/2006/main">
+  <p:cSld>
+    <p:spTree>
+      <p:nvGrpSpPr>
+        <p:cNvPr id="1" name=""/>
+        <p:cNvGrpSpPr/>
+        <p:nvPr/>
+      </p:nvGrpSpPr>
+      <p:grpSpPr>
+        <a:xfrm>
+          <a:off x="0" y="0"/>
+          <a:ext cx="0" cy="0"/>
+          <a:chOff x="0" y="0"/>
+          <a:chExt cx="0" cy="0"/>
+        </a:xfrm>
+      </p:grpSpPr>
+      <p:sp>
+        <p:nvSpPr>
+          <p:cNvPr id="6" name="Title 5"/>
+          <p:cNvSpPr>
+            <a:spLocks noGrp="1"/>
+          </p:cNvSpPr>
+          <p:nvPr>
+            <p:ph type="title"/>
+          </p:nvPr>
+        </p:nvSpPr>
+        <p:spPr/>
+        <p:txBody>
+          <a:bodyPr/>
+          <a:lstStyle/>
+          <a:p>
+            <a:r>
+              <a:rPr lang="en-US" altLang="zh-CN" dirty="0">
+                <a:latin typeface="Chalkboard" charset="0"/>
+                <a:ea typeface="Chalkboard" charset="0"/>
+                <a:cs typeface="Chalkboard" charset="0"/>
+              </a:rPr>
+              <a:t>Agenda</a:t>
+            </a:r>
+            <a:endParaRPr lang="en-US" dirty="0">
+              <a:latin typeface="Chalkboard" charset="0"/>
+              <a:ea typeface="Chalkboard" charset="0"/>
+              <a:cs typeface="Chalkboard" charset="0"/>
+            </a:endParaRPr>
+          </a:p>
+        </p:txBody>
+      </p:sp>
+      <p:sp>
+        <p:nvSpPr>
+          <p:cNvPr id="7" name="Content Placeholder 6"/>
+          <p:cNvSpPr>
+            <a:spLocks noGrp="1"/>
+          </p:cNvSpPr>
+          <p:nvPr>
+            <p:ph idx="1"/>
+          </p:nvPr>
+        </p:nvSpPr>
+        <p:spPr/>
+        <p:txBody>
+          <a:bodyPr/>
+          <a:lstStyle/>
+          <a:p>
+            <a:r>
+              <a:rPr lang="zh-CN" altLang="en-US" b="1" dirty="0">
+                <a:latin typeface="Chalkboard" charset="0"/>
+                <a:ea typeface="Chalkboard" charset="0"/>
+                <a:cs typeface="Chalkboard" charset="0"/>
+              </a:rPr>
+              <a:t>数据录入</a:t>
+            </a:r>
+            <a:endParaRPr lang="en-US" altLang="zh-CN" b="1" dirty="0">
+              <a:latin typeface="Chalkboard" charset="0"/>
+              <a:ea typeface="Chalkboard" charset="0"/>
+              <a:cs typeface="Chalkboard" charset="0"/>
+            </a:endParaRPr>
+          </a:p>
+          <a:p>
+            <a:r>
+              <a:rPr lang="en-US" altLang="zh-CN" dirty="0" err="1">
+                <a:latin typeface="Chalkboard" charset="0"/>
+                <a:ea typeface="Chalkboard" charset="0"/>
+                <a:cs typeface="Chalkboard" charset="0"/>
+              </a:rPr>
+              <a:t>DataFrame</a:t>
+            </a:r>
+            <a:endParaRPr lang="en-US" altLang="zh-CN" dirty="0">
+              <a:latin typeface="Chalkboard" charset="0"/>
+              <a:ea typeface="Chalkboard" charset="0"/>
+              <a:cs typeface="Chalkboard" charset="0"/>
+            </a:endParaRPr>
+          </a:p>
+          <a:p>
+            <a:r>
+              <a:rPr lang="zh-CN" altLang="en-US" dirty="0">
+                <a:solidFill>
+                  <a:schemeClr val="accent2"/>
+                </a:solidFill>
+                <a:latin typeface="Chalkboard" charset="0"/>
+                <a:ea typeface="Chalkboard" charset="0"/>
+                <a:cs typeface="Chalkboard" charset="0"/>
+              </a:rPr>
+              <a:t>案例分析：拆分</a:t>
+            </a:r>
+            <a:endParaRPr lang="en-US" altLang="zh-CN" dirty="0">
+              <a:solidFill>
+                <a:schemeClr val="accent2"/>
+              </a:solidFill>
+              <a:latin typeface="Chalkboard" charset="0"/>
+              <a:ea typeface="Chalkboard" charset="0"/>
+              <a:cs typeface="Chalkboard" charset="0"/>
+            </a:endParaRPr>
+          </a:p>
+          <a:p>
+            <a:r>
+              <a:rPr lang="zh-CN" altLang="en-US" b="1" dirty="0">
+                <a:solidFill>
+                  <a:schemeClr val="bg1"/>
+                </a:solidFill>
+                <a:latin typeface="Chalkboard" charset="0"/>
+                <a:ea typeface="Chalkboard" charset="0"/>
+                <a:cs typeface="Chalkboard" charset="0"/>
+              </a:rPr>
+              <a:t>异视界</a:t>
+            </a:r>
+            <a:endParaRPr lang="en-US" altLang="zh-CN" dirty="0">
+              <a:solidFill>
+                <a:schemeClr val="bg1"/>
+              </a:solidFill>
+              <a:latin typeface="Chalkboard" charset="0"/>
+              <a:ea typeface="Chalkboard" charset="0"/>
+              <a:cs typeface="Chalkboard" charset="0"/>
+            </a:endParaRPr>
+          </a:p>
+        </p:txBody>
+      </p:sp>
+    </p:spTree>
+    <p:extLst>
+      <p:ext uri="{BB962C8B-B14F-4D97-AF65-F5344CB8AC3E}">
+        <p14:creationId xmlns:p14="http://schemas.microsoft.com/office/powerpoint/2010/main" val="3955314073"/>
       </p:ext>
     </p:extLst>
   </p:cSld>
@@ -4433,6 +10263,411 @@
     <p:extLst>
       <p:ext uri="{BB962C8B-B14F-4D97-AF65-F5344CB8AC3E}">
         <p14:creationId xmlns:p14="http://schemas.microsoft.com/office/powerpoint/2010/main" val="948195551"/>
+      </p:ext>
+    </p:extLst>
+  </p:cSld>
+  <p:clrMapOvr>
+    <a:masterClrMapping/>
+  </p:clrMapOvr>
+</p:sld>
+</file>
+
+<file path=ppt/slides/slide20.xml><?xml version="1.0" encoding="utf-8"?>
+<p:sld xmlns:a="http://schemas.openxmlformats.org/drawingml/2006/main" xmlns:r="http://schemas.openxmlformats.org/officeDocument/2006/relationships" xmlns:p="http://schemas.openxmlformats.org/presentationml/2006/main">
+  <p:cSld>
+    <p:spTree>
+      <p:nvGrpSpPr>
+        <p:cNvPr id="1" name=""/>
+        <p:cNvGrpSpPr/>
+        <p:nvPr/>
+      </p:nvGrpSpPr>
+      <p:grpSpPr>
+        <a:xfrm>
+          <a:off x="0" y="0"/>
+          <a:ext cx="0" cy="0"/>
+          <a:chOff x="0" y="0"/>
+          <a:chExt cx="0" cy="0"/>
+        </a:xfrm>
+      </p:grpSpPr>
+      <p:sp>
+        <p:nvSpPr>
+          <p:cNvPr id="6" name="Title 5"/>
+          <p:cNvSpPr>
+            <a:spLocks noGrp="1"/>
+          </p:cNvSpPr>
+          <p:nvPr>
+            <p:ph type="title"/>
+          </p:nvPr>
+        </p:nvSpPr>
+        <p:spPr>
+          <a:xfrm>
+            <a:off x="838200" y="193964"/>
+            <a:ext cx="10515600" cy="1153574"/>
+          </a:xfrm>
+        </p:spPr>
+        <p:txBody>
+          <a:bodyPr>
+            <a:normAutofit/>
+          </a:bodyPr>
+          <a:lstStyle/>
+          <a:p>
+            <a:pPr>
+              <a:lnSpc>
+                <a:spcPct val="150000"/>
+              </a:lnSpc>
+            </a:pPr>
+            <a:r>
+              <a:rPr lang="zh-CN" altLang="en-US" sz="2400" b="1" dirty="0">
+                <a:latin typeface="Microsoft YaHei" panose="020B0503020204020204" pitchFamily="34" charset="-122"/>
+                <a:ea typeface="Microsoft YaHei" panose="020B0503020204020204" pitchFamily="34" charset="-122"/>
+              </a:rPr>
+              <a:t>案例分析：拆分</a:t>
+            </a:r>
+            <a:br>
+              <a:rPr lang="en-US" altLang="zh-CN" sz="1800" dirty="0">
+                <a:solidFill>
+                  <a:schemeClr val="bg1">
+                    <a:lumMod val="50000"/>
+                  </a:schemeClr>
+                </a:solidFill>
+              </a:rPr>
+            </a:br>
+            <a:r>
+              <a:rPr lang="en-US" altLang="zh-CN" sz="1800" dirty="0">
+                <a:solidFill>
+                  <a:srgbClr val="0070C0"/>
+                </a:solidFill>
+                <a:latin typeface="Pristina" panose="020F0502020204030204" pitchFamily="34" charset="0"/>
+              </a:rPr>
+              <a:t>Case:</a:t>
+            </a:r>
+            <a:r>
+              <a:rPr lang="zh-CN" altLang="en-US" sz="1800" dirty="0">
+                <a:solidFill>
+                  <a:srgbClr val="0070C0"/>
+                </a:solidFill>
+                <a:latin typeface="Pristina" panose="020F0502020204030204" pitchFamily="34" charset="0"/>
+              </a:rPr>
+              <a:t>  二分类案例分析</a:t>
+            </a:r>
+            <a:endParaRPr lang="en-US" sz="1800" dirty="0">
+              <a:solidFill>
+                <a:srgbClr val="0070C0"/>
+              </a:solidFill>
+              <a:latin typeface="Pristina" panose="020F0502020204030204" pitchFamily="34" charset="0"/>
+              <a:cs typeface="Pristina" panose="020F0502020204030204" pitchFamily="34" charset="0"/>
+            </a:endParaRPr>
+          </a:p>
+        </p:txBody>
+      </p:sp>
+      <p:sp>
+        <p:nvSpPr>
+          <p:cNvPr id="7" name="Content Placeholder 6"/>
+          <p:cNvSpPr>
+            <a:spLocks noGrp="1"/>
+          </p:cNvSpPr>
+          <p:nvPr>
+            <p:ph idx="1"/>
+          </p:nvPr>
+        </p:nvSpPr>
+        <p:spPr>
+          <a:xfrm>
+            <a:off x="838200" y="1472665"/>
+            <a:ext cx="10515600" cy="4704298"/>
+          </a:xfrm>
+        </p:spPr>
+        <p:txBody>
+          <a:bodyPr>
+            <a:normAutofit/>
+          </a:bodyPr>
+          <a:lstStyle/>
+          <a:p>
+            <a:pPr marL="0" indent="0">
+              <a:lnSpc>
+                <a:spcPct val="150000"/>
+              </a:lnSpc>
+              <a:buNone/>
+            </a:pPr>
+            <a:r>
+              <a:rPr lang="zh-CN" altLang="en-US" sz="2000" dirty="0">
+                <a:solidFill>
+                  <a:schemeClr val="bg2">
+                    <a:lumMod val="25000"/>
+                  </a:schemeClr>
+                </a:solidFill>
+              </a:rPr>
+              <a:t>案例分析</a:t>
+            </a:r>
+            <a:endParaRPr lang="en-US" altLang="zh-CN" sz="2000" dirty="0">
+              <a:solidFill>
+                <a:schemeClr val="bg2">
+                  <a:lumMod val="25000"/>
+                </a:schemeClr>
+              </a:solidFill>
+            </a:endParaRPr>
+          </a:p>
+          <a:p>
+            <a:pPr>
+              <a:lnSpc>
+                <a:spcPct val="150000"/>
+              </a:lnSpc>
+            </a:pPr>
+            <a:r>
+              <a:rPr lang="en-US" altLang="zh-CN" sz="1800" dirty="0" err="1">
+                <a:solidFill>
+                  <a:srgbClr val="0070C0"/>
+                </a:solidFill>
+              </a:rPr>
+              <a:t>runner_binary_categorical</a:t>
+            </a:r>
+            <a:endParaRPr lang="en-US" altLang="zh-CN" sz="1800" dirty="0">
+              <a:solidFill>
+                <a:srgbClr val="0070C0"/>
+              </a:solidFill>
+            </a:endParaRPr>
+          </a:p>
+          <a:p>
+            <a:pPr>
+              <a:lnSpc>
+                <a:spcPct val="150000"/>
+              </a:lnSpc>
+            </a:pPr>
+            <a:r>
+              <a:rPr lang="zh-CN" altLang="en-US" sz="1800" dirty="0">
+                <a:solidFill>
+                  <a:schemeClr val="bg2">
+                    <a:lumMod val="25000"/>
+                  </a:schemeClr>
+                </a:solidFill>
+              </a:rPr>
+              <a:t>步骤</a:t>
+            </a:r>
+            <a:br>
+              <a:rPr lang="en-US" altLang="zh-CN" sz="1800" dirty="0">
+                <a:solidFill>
+                  <a:schemeClr val="bg2">
+                    <a:lumMod val="25000"/>
+                  </a:schemeClr>
+                </a:solidFill>
+              </a:rPr>
+            </a:br>
+            <a:r>
+              <a:rPr lang="en-US" altLang="zh-CN" sz="1800" dirty="0">
+                <a:solidFill>
+                  <a:schemeClr val="bg2">
+                    <a:lumMod val="25000"/>
+                  </a:schemeClr>
+                </a:solidFill>
+              </a:rPr>
+              <a:t>1.</a:t>
+            </a:r>
+            <a:r>
+              <a:rPr lang="zh-CN" altLang="en-US" sz="1800" dirty="0">
+                <a:solidFill>
+                  <a:schemeClr val="bg2">
+                    <a:lumMod val="25000"/>
+                  </a:schemeClr>
+                </a:solidFill>
+              </a:rPr>
+              <a:t> 需求分析</a:t>
+            </a:r>
+            <a:br>
+              <a:rPr lang="en-US" altLang="zh-CN" sz="1800" dirty="0">
+                <a:solidFill>
+                  <a:schemeClr val="bg2">
+                    <a:lumMod val="25000"/>
+                  </a:schemeClr>
+                </a:solidFill>
+              </a:rPr>
+            </a:br>
+            <a:r>
+              <a:rPr lang="en-US" altLang="zh-CN" sz="1800" dirty="0">
+                <a:solidFill>
+                  <a:schemeClr val="bg2">
+                    <a:lumMod val="25000"/>
+                  </a:schemeClr>
+                </a:solidFill>
+              </a:rPr>
+              <a:t>2.</a:t>
+            </a:r>
+            <a:r>
+              <a:rPr lang="zh-CN" altLang="en-US" sz="1800" dirty="0">
+                <a:solidFill>
+                  <a:schemeClr val="bg2">
+                    <a:lumMod val="25000"/>
+                  </a:schemeClr>
+                </a:solidFill>
+              </a:rPr>
+              <a:t> 代码流程</a:t>
+            </a:r>
+            <a:br>
+              <a:rPr lang="en-US" altLang="zh-CN" sz="1800" dirty="0">
+                <a:solidFill>
+                  <a:schemeClr val="bg2">
+                    <a:lumMod val="25000"/>
+                  </a:schemeClr>
+                </a:solidFill>
+              </a:rPr>
+            </a:br>
+            <a:r>
+              <a:rPr lang="en-US" altLang="zh-CN" sz="1800" dirty="0">
+                <a:solidFill>
+                  <a:schemeClr val="bg2">
+                    <a:lumMod val="25000"/>
+                  </a:schemeClr>
+                </a:solidFill>
+              </a:rPr>
+              <a:t>3.</a:t>
+            </a:r>
+            <a:r>
+              <a:rPr lang="zh-CN" altLang="en-US" sz="1800" dirty="0">
+                <a:solidFill>
+                  <a:schemeClr val="bg2">
+                    <a:lumMod val="25000"/>
+                  </a:schemeClr>
+                </a:solidFill>
+              </a:rPr>
+              <a:t> 自测结果</a:t>
+            </a:r>
+            <a:endParaRPr lang="en-US" altLang="zh-CN" sz="1800" dirty="0">
+              <a:solidFill>
+                <a:schemeClr val="bg2">
+                  <a:lumMod val="25000"/>
+                </a:schemeClr>
+              </a:solidFill>
+            </a:endParaRPr>
+          </a:p>
+          <a:p>
+            <a:pPr>
+              <a:lnSpc>
+                <a:spcPct val="150000"/>
+              </a:lnSpc>
+            </a:pPr>
+            <a:r>
+              <a:rPr lang="zh-CN" altLang="en-US" sz="1800" dirty="0">
+                <a:solidFill>
+                  <a:schemeClr val="bg2">
+                    <a:lumMod val="25000"/>
+                  </a:schemeClr>
+                </a:solidFill>
+              </a:rPr>
+              <a:t>最终提交结果</a:t>
+            </a:r>
+            <a:endParaRPr lang="en-US" altLang="zh-CN" sz="1800" dirty="0">
+              <a:solidFill>
+                <a:schemeClr val="bg2">
+                  <a:lumMod val="25000"/>
+                </a:schemeClr>
+              </a:solidFill>
+            </a:endParaRPr>
+          </a:p>
+        </p:txBody>
+      </p:sp>
+    </p:spTree>
+    <p:extLst>
+      <p:ext uri="{BB962C8B-B14F-4D97-AF65-F5344CB8AC3E}">
+        <p14:creationId xmlns:p14="http://schemas.microsoft.com/office/powerpoint/2010/main" val="1580482490"/>
+      </p:ext>
+    </p:extLst>
+  </p:cSld>
+  <p:clrMapOvr>
+    <a:masterClrMapping/>
+  </p:clrMapOvr>
+</p:sld>
+</file>
+
+<file path=ppt/slides/slide21.xml><?xml version="1.0" encoding="utf-8"?>
+<p:sld xmlns:a="http://schemas.openxmlformats.org/drawingml/2006/main" xmlns:r="http://schemas.openxmlformats.org/officeDocument/2006/relationships" xmlns:p="http://schemas.openxmlformats.org/presentationml/2006/main">
+  <p:cSld>
+    <p:spTree>
+      <p:nvGrpSpPr>
+        <p:cNvPr id="1" name=""/>
+        <p:cNvGrpSpPr/>
+        <p:nvPr/>
+      </p:nvGrpSpPr>
+      <p:grpSpPr>
+        <a:xfrm>
+          <a:off x="0" y="0"/>
+          <a:ext cx="0" cy="0"/>
+          <a:chOff x="0" y="0"/>
+          <a:chExt cx="0" cy="0"/>
+        </a:xfrm>
+      </p:grpSpPr>
+      <p:sp>
+        <p:nvSpPr>
+          <p:cNvPr id="6" name="Title 5"/>
+          <p:cNvSpPr>
+            <a:spLocks noGrp="1"/>
+          </p:cNvSpPr>
+          <p:nvPr>
+            <p:ph type="title"/>
+          </p:nvPr>
+        </p:nvSpPr>
+        <p:spPr>
+          <a:xfrm>
+            <a:off x="838200" y="2489760"/>
+            <a:ext cx="10515600" cy="1325563"/>
+          </a:xfrm>
+        </p:spPr>
+        <p:txBody>
+          <a:bodyPr>
+            <a:normAutofit/>
+          </a:bodyPr>
+          <a:lstStyle/>
+          <a:p>
+            <a:pPr algn="ctr"/>
+            <a:r>
+              <a:rPr lang="en-US" altLang="zh-CN" sz="8000" dirty="0">
+                <a:latin typeface="Chalkboard" charset="0"/>
+                <a:ea typeface="Chalkboard" charset="0"/>
+                <a:cs typeface="Chalkboard" charset="0"/>
+              </a:rPr>
+              <a:t>Q</a:t>
+            </a:r>
+            <a:r>
+              <a:rPr lang="zh-CN" altLang="en-US" sz="8000" dirty="0">
+                <a:latin typeface="Chalkboard" charset="0"/>
+                <a:ea typeface="Chalkboard" charset="0"/>
+                <a:cs typeface="Chalkboard" charset="0"/>
+              </a:rPr>
+              <a:t> </a:t>
+            </a:r>
+            <a:r>
+              <a:rPr lang="en-US" altLang="zh-CN" sz="8000" dirty="0">
+                <a:latin typeface="Chalkboard" charset="0"/>
+                <a:ea typeface="Chalkboard" charset="0"/>
+                <a:cs typeface="Chalkboard" charset="0"/>
+              </a:rPr>
+              <a:t>&amp;</a:t>
+            </a:r>
+            <a:r>
+              <a:rPr lang="zh-CN" altLang="en-US" sz="8000" dirty="0">
+                <a:latin typeface="Chalkboard" charset="0"/>
+                <a:ea typeface="Chalkboard" charset="0"/>
+                <a:cs typeface="Chalkboard" charset="0"/>
+              </a:rPr>
+              <a:t> </a:t>
+            </a:r>
+            <a:r>
+              <a:rPr lang="en-US" altLang="zh-CN" sz="8000" dirty="0">
+                <a:latin typeface="Chalkboard" charset="0"/>
+                <a:ea typeface="Chalkboard" charset="0"/>
+                <a:cs typeface="Chalkboard" charset="0"/>
+              </a:rPr>
+              <a:t>A</a:t>
+            </a:r>
+            <a:endParaRPr lang="en-US" sz="8000" dirty="0">
+              <a:latin typeface="Chalkboard" charset="0"/>
+              <a:ea typeface="Chalkboard" charset="0"/>
+              <a:cs typeface="Chalkboard" charset="0"/>
+            </a:endParaRPr>
+          </a:p>
+        </p:txBody>
+      </p:sp>
+    </p:spTree>
+    <p:extLst>
+      <p:ext uri="{BB962C8B-B14F-4D97-AF65-F5344CB8AC3E}">
+        <p14:creationId xmlns:p14="http://schemas.microsoft.com/office/powerpoint/2010/main" val="662552141"/>
       </p:ext>
     </p:extLst>
   </p:cSld>
@@ -4816,7 +11051,7 @@
           <p:nvPr>
             <p:extLst>
               <p:ext uri="{D42A27DB-BD31-4B8C-83A1-F6EECF244321}">
-                <p14:modId xmlns:p14="http://schemas.microsoft.com/office/powerpoint/2010/main" val="351854715"/>
+                <p14:modId xmlns:p14="http://schemas.microsoft.com/office/powerpoint/2010/main" val="4140051298"/>
               </p:ext>
             </p:extLst>
           </p:nvPr>
